--- a/TC/054 - Phước Cho Nhân Loại.pptx
+++ b/TC/054 - Phước Cho Nhân Loại.pptx
@@ -167,7 +167,7 @@
           </a:lstStyle>
           <a:p>
             <a:r>
-              <a:rPr lang="en-US" smtClean="0"/>
+              <a:rPr lang="en-US"/>
               <a:t>Click to edit Master title style</a:t>
             </a:r>
             <a:endParaRPr lang="en-US" dirty="0"/>
@@ -232,7 +232,7 @@
           </a:lstStyle>
           <a:p>
             <a:r>
-              <a:rPr lang="en-US" smtClean="0"/>
+              <a:rPr lang="en-US"/>
               <a:t>Click to edit Master subtitle style</a:t>
             </a:r>
             <a:endParaRPr lang="en-US" dirty="0"/>
@@ -263,7 +263,7 @@
                 </a:solidFill>
               </a:rPr>
               <a:pPr/>
-              <a:t>19/11/2013</a:t>
+              <a:t>11/23/19</a:t>
             </a:fld>
             <a:endParaRPr lang="en-US">
               <a:solidFill>
@@ -391,7 +391,7 @@
           </a:lstStyle>
           <a:p>
             <a:r>
-              <a:rPr lang="en-US" smtClean="0"/>
+              <a:rPr lang="en-US"/>
               <a:t>Click to edit Master title style</a:t>
             </a:r>
             <a:endParaRPr lang="en-US" dirty="0"/>
@@ -456,7 +456,7 @@
           </a:lstStyle>
           <a:p>
             <a:r>
-              <a:rPr lang="en-US" smtClean="0"/>
+              <a:rPr lang="en-US"/>
               <a:t>Click to edit Master subtitle style</a:t>
             </a:r>
             <a:endParaRPr lang="en-US" dirty="0"/>
@@ -487,7 +487,7 @@
                 </a:solidFill>
               </a:rPr>
               <a:pPr/>
-              <a:t>19/11/2013</a:t>
+              <a:t>11/23/19</a:t>
             </a:fld>
             <a:endParaRPr lang="en-US">
               <a:solidFill>
@@ -630,7 +630,7 @@
           <a:lstStyle/>
           <a:p>
             <a:r>
-              <a:rPr lang="en-US" smtClean="0"/>
+              <a:rPr lang="en-US"/>
               <a:t>Click to edit Master title style</a:t>
             </a:r>
             <a:endParaRPr lang="en-US" dirty="0"/>
@@ -664,35 +664,35 @@
           <a:p>
             <a:pPr lvl="0"/>
             <a:r>
-              <a:rPr lang="en-US" smtClean="0"/>
+              <a:rPr lang="en-US"/>
               <a:t>Click to edit Master text styles</a:t>
             </a:r>
           </a:p>
           <a:p>
             <a:pPr lvl="1"/>
             <a:r>
-              <a:rPr lang="en-US" smtClean="0"/>
+              <a:rPr lang="en-US"/>
               <a:t>Second level</a:t>
             </a:r>
           </a:p>
           <a:p>
             <a:pPr lvl="2"/>
             <a:r>
-              <a:rPr lang="en-US" smtClean="0"/>
+              <a:rPr lang="en-US"/>
               <a:t>Third level</a:t>
             </a:r>
           </a:p>
           <a:p>
             <a:pPr lvl="3"/>
             <a:r>
-              <a:rPr lang="en-US" smtClean="0"/>
+              <a:rPr lang="en-US"/>
               <a:t>Fourth level</a:t>
             </a:r>
           </a:p>
           <a:p>
             <a:pPr lvl="4"/>
             <a:r>
-              <a:rPr lang="en-US" smtClean="0"/>
+              <a:rPr lang="en-US"/>
               <a:t>Fifth level</a:t>
             </a:r>
             <a:endParaRPr lang="en-US" dirty="0"/>
@@ -741,7 +741,7 @@
                 </a:solidFill>
               </a:rPr>
               <a:pPr/>
-              <a:t>19/11/2013</a:t>
+              <a:t>11/23/19</a:t>
             </a:fld>
             <a:endParaRPr lang="en-US">
               <a:solidFill>
@@ -1201,7 +1201,7 @@
           <a:lstStyle/>
           <a:p>
             <a:r>
-              <a:rPr lang="en-US" smtClean="0"/>
+              <a:rPr lang="en-US"/>
               <a:t>Click to edit Master title style</a:t>
             </a:r>
             <a:endParaRPr lang="en-US" dirty="0"/>
@@ -1235,35 +1235,35 @@
           <a:p>
             <a:pPr lvl="0"/>
             <a:r>
-              <a:rPr lang="en-US" smtClean="0"/>
+              <a:rPr lang="en-US"/>
               <a:t>Click to edit Master text styles</a:t>
             </a:r>
           </a:p>
           <a:p>
             <a:pPr lvl="1"/>
             <a:r>
-              <a:rPr lang="en-US" smtClean="0"/>
+              <a:rPr lang="en-US"/>
               <a:t>Second level</a:t>
             </a:r>
           </a:p>
           <a:p>
             <a:pPr lvl="2"/>
             <a:r>
-              <a:rPr lang="en-US" smtClean="0"/>
+              <a:rPr lang="en-US"/>
               <a:t>Third level</a:t>
             </a:r>
           </a:p>
           <a:p>
             <a:pPr lvl="3"/>
             <a:r>
-              <a:rPr lang="en-US" smtClean="0"/>
+              <a:rPr lang="en-US"/>
               <a:t>Fourth level</a:t>
             </a:r>
           </a:p>
           <a:p>
             <a:pPr lvl="4"/>
             <a:r>
-              <a:rPr lang="en-US" smtClean="0"/>
+              <a:rPr lang="en-US"/>
               <a:t>Fifth level</a:t>
             </a:r>
             <a:endParaRPr lang="en-US" dirty="0"/>
@@ -1312,7 +1312,7 @@
                 </a:solidFill>
               </a:rPr>
               <a:pPr/>
-              <a:t>19/11/2013</a:t>
+              <a:t>11/23/19</a:t>
             </a:fld>
             <a:endParaRPr lang="en-US">
               <a:solidFill>
@@ -1756,7 +1756,7 @@
           <a:p>
             <a:pPr algn="ctr"/>
             <a:r>
-              <a:rPr lang="en-US" sz="3500" b="1">
+              <a:rPr lang="en-US" sz="3500" b="1" dirty="0">
                 <a:solidFill>
                   <a:prstClr val="black"/>
                 </a:solidFill>
@@ -1765,7 +1765,7 @@
                     <a:prstClr val="white"/>
                   </a:glow>
                 </a:effectLst>
-                <a:latin typeface="VNI-Bamas" pitchFamily="34" charset="0"/>
+                <a:latin typeface="VNI-Times" pitchFamily="2" charset="0"/>
               </a:rPr>
               <a:t>TOÂN VINH CHUÙA  - THAÙNH CA 54</a:t>
             </a:r>
@@ -1796,7 +1796,7 @@
           <a:p>
             <a:pPr algn="ctr"/>
             <a:r>
-              <a:rPr lang="en-US" sz="6600" smtClean="0">
+              <a:rPr lang="en-US" sz="6600" b="1" dirty="0">
                 <a:solidFill>
                   <a:srgbClr val="C00000"/>
                 </a:solidFill>
@@ -1805,12 +1805,12 @@
                     <a:prstClr val="white"/>
                   </a:glow>
                 </a:effectLst>
-                <a:latin typeface="HP-Kabel" pitchFamily="34" charset="0"/>
+                <a:latin typeface="VNI-Times" pitchFamily="2" charset="0"/>
               </a:rPr>
               <a:t>PHÖÔÙC CHO </a:t>
             </a:r>
             <a:br>
-              <a:rPr lang="en-US" sz="6600" smtClean="0">
+              <a:rPr lang="en-US" sz="6600" b="1" dirty="0">
                 <a:solidFill>
                   <a:srgbClr val="C00000"/>
                 </a:solidFill>
@@ -1819,11 +1819,11 @@
                     <a:prstClr val="white"/>
                   </a:glow>
                 </a:effectLst>
-                <a:latin typeface="HP-Kabel" pitchFamily="34" charset="0"/>
+                <a:latin typeface="VNI-Times" pitchFamily="2" charset="0"/>
               </a:rPr>
             </a:br>
             <a:r>
-              <a:rPr lang="en-US" sz="6600" smtClean="0">
+              <a:rPr lang="en-US" sz="6600" b="1" dirty="0">
                 <a:solidFill>
                   <a:srgbClr val="C00000"/>
                 </a:solidFill>
@@ -1832,11 +1832,11 @@
                     <a:prstClr val="white"/>
                   </a:glow>
                 </a:effectLst>
-                <a:latin typeface="HP-Kabel" pitchFamily="34" charset="0"/>
+                <a:latin typeface="VNI-Times" pitchFamily="2" charset="0"/>
               </a:rPr>
               <a:t>NHAÂN LOAÏI</a:t>
             </a:r>
-            <a:endParaRPr lang="en-US" sz="8800">
+            <a:endParaRPr lang="en-US" sz="8800" b="1" dirty="0">
               <a:solidFill>
                 <a:srgbClr val="C00000"/>
               </a:solidFill>
@@ -1845,7 +1845,7 @@
                   <a:prstClr val="white"/>
                 </a:glow>
               </a:effectLst>
-              <a:latin typeface="HP-Kabel" pitchFamily="34" charset="0"/>
+              <a:latin typeface="VNI-Times" pitchFamily="2" charset="0"/>
             </a:endParaRPr>
           </a:p>
         </p:txBody>
@@ -1872,13 +1872,6 @@
       </p:transition>
     </mc:Fallback>
   </mc:AlternateContent>
-  <p:timing>
-    <p:tnLst>
-      <p:par>
-        <p:cTn id="1" dur="indefinite" restart="never" nodeType="tmRoot"/>
-      </p:par>
-    </p:tnLst>
-  </p:timing>
 </p:sld>
 </file>
 
@@ -1937,7 +1930,7 @@
           <a:p>
             <a:pPr algn="ctr"/>
             <a:r>
-              <a:rPr lang="en-US" sz="3200" smtClean="0">
+              <a:rPr lang="en-US" sz="3200" dirty="0">
                 <a:solidFill>
                   <a:srgbClr val="C00000"/>
                 </a:solidFill>
@@ -1946,7 +1939,7 @@
                     <a:prstClr val="white"/>
                   </a:glow>
                 </a:effectLst>
-                <a:latin typeface="VNI-Bandit" pitchFamily="2" charset="0"/>
+                <a:latin typeface="VNI-Times Normal" pitchFamily="2" charset="0"/>
               </a:rPr>
               <a:t>THAÙNH CA 54 – PHÖÔÙC CHO NHAÂN LOAÏI</a:t>
             </a:r>
@@ -1977,74 +1970,396 @@
           <a:p>
             <a:pPr algn="ctr"/>
             <a:r>
-              <a:rPr lang="en-US" sz="6600" b="1" smtClean="0">
-                <a:solidFill>
-                  <a:sysClr val="windowText" lastClr="000000"/>
-                </a:solidFill>
-                <a:effectLst>
-                  <a:glow rad="127000">
-                    <a:schemeClr val="bg1"/>
-                  </a:glow>
-                </a:effectLst>
-                <a:latin typeface="VNI-Aptima" pitchFamily="2" charset="0"/>
-              </a:rPr>
-              <a:t>Traøn ngaäp moïi vuøng </a:t>
+              <a:rPr lang="en-US" sz="6600" b="1" dirty="0" err="1">
+                <a:solidFill>
+                  <a:sysClr val="windowText" lastClr="000000"/>
+                </a:solidFill>
+                <a:effectLst>
+                  <a:glow rad="127000">
+                    <a:schemeClr val="bg1"/>
+                  </a:glow>
+                </a:effectLst>
+                <a:latin typeface="VNI-Times" pitchFamily="2" charset="0"/>
+              </a:rPr>
+              <a:t>Traøn</a:t>
+            </a:r>
+            <a:r>
+              <a:rPr lang="en-US" sz="6600" b="1" dirty="0">
+                <a:solidFill>
+                  <a:sysClr val="windowText" lastClr="000000"/>
+                </a:solidFill>
+                <a:effectLst>
+                  <a:glow rad="127000">
+                    <a:schemeClr val="bg1"/>
+                  </a:glow>
+                </a:effectLst>
+                <a:latin typeface="VNI-Times" pitchFamily="2" charset="0"/>
+              </a:rPr>
+              <a:t> </a:t>
+            </a:r>
+            <a:r>
+              <a:rPr lang="en-US" sz="6600" b="1" dirty="0" err="1">
+                <a:solidFill>
+                  <a:sysClr val="windowText" lastClr="000000"/>
+                </a:solidFill>
+                <a:effectLst>
+                  <a:glow rad="127000">
+                    <a:schemeClr val="bg1"/>
+                  </a:glow>
+                </a:effectLst>
+                <a:latin typeface="VNI-Times" pitchFamily="2" charset="0"/>
+              </a:rPr>
+              <a:t>ngaäp</a:t>
+            </a:r>
+            <a:r>
+              <a:rPr lang="en-US" sz="6600" b="1" dirty="0">
+                <a:solidFill>
+                  <a:sysClr val="windowText" lastClr="000000"/>
+                </a:solidFill>
+                <a:effectLst>
+                  <a:glow rad="127000">
+                    <a:schemeClr val="bg1"/>
+                  </a:glow>
+                </a:effectLst>
+                <a:latin typeface="VNI-Times" pitchFamily="2" charset="0"/>
+              </a:rPr>
+              <a:t> </a:t>
+            </a:r>
+            <a:r>
+              <a:rPr lang="en-US" sz="6600" b="1" dirty="0" err="1">
+                <a:solidFill>
+                  <a:sysClr val="windowText" lastClr="000000"/>
+                </a:solidFill>
+                <a:effectLst>
+                  <a:glow rad="127000">
+                    <a:schemeClr val="bg1"/>
+                  </a:glow>
+                </a:effectLst>
+                <a:latin typeface="VNI-Times" pitchFamily="2" charset="0"/>
+              </a:rPr>
+              <a:t>moïi</a:t>
+            </a:r>
+            <a:r>
+              <a:rPr lang="en-US" sz="6600" b="1" dirty="0">
+                <a:solidFill>
+                  <a:sysClr val="windowText" lastClr="000000"/>
+                </a:solidFill>
+                <a:effectLst>
+                  <a:glow rad="127000">
+                    <a:schemeClr val="bg1"/>
+                  </a:glow>
+                </a:effectLst>
+                <a:latin typeface="VNI-Times" pitchFamily="2" charset="0"/>
+              </a:rPr>
+              <a:t> </a:t>
+            </a:r>
+            <a:r>
+              <a:rPr lang="en-US" sz="6600" b="1" dirty="0" err="1">
+                <a:solidFill>
+                  <a:sysClr val="windowText" lastClr="000000"/>
+                </a:solidFill>
+                <a:effectLst>
+                  <a:glow rad="127000">
+                    <a:schemeClr val="bg1"/>
+                  </a:glow>
+                </a:effectLst>
+                <a:latin typeface="VNI-Times" pitchFamily="2" charset="0"/>
+              </a:rPr>
+              <a:t>vuøng</a:t>
+            </a:r>
+            <a:r>
+              <a:rPr lang="en-US" sz="6600" b="1" dirty="0">
+                <a:solidFill>
+                  <a:sysClr val="windowText" lastClr="000000"/>
+                </a:solidFill>
+                <a:effectLst>
+                  <a:glow rad="127000">
+                    <a:schemeClr val="bg1"/>
+                  </a:glow>
+                </a:effectLst>
+                <a:latin typeface="VNI-Times" pitchFamily="2" charset="0"/>
+              </a:rPr>
+              <a:t> </a:t>
             </a:r>
             <a:br>
-              <a:rPr lang="en-US" sz="6600" b="1" smtClean="0">
-                <a:solidFill>
-                  <a:sysClr val="windowText" lastClr="000000"/>
-                </a:solidFill>
-                <a:effectLst>
-                  <a:glow rad="127000">
-                    <a:schemeClr val="bg1"/>
-                  </a:glow>
-                </a:effectLst>
-                <a:latin typeface="VNI-Aptima" pitchFamily="2" charset="0"/>
+              <a:rPr lang="en-US" sz="6600" b="1" dirty="0">
+                <a:solidFill>
+                  <a:sysClr val="windowText" lastClr="000000"/>
+                </a:solidFill>
+                <a:effectLst>
+                  <a:glow rad="127000">
+                    <a:schemeClr val="bg1"/>
+                  </a:glow>
+                </a:effectLst>
+                <a:latin typeface="VNI-Times" pitchFamily="2" charset="0"/>
               </a:rPr>
             </a:br>
             <a:r>
-              <a:rPr lang="en-US" sz="6600" b="1" smtClean="0">
-                <a:solidFill>
-                  <a:sysClr val="windowText" lastClr="000000"/>
-                </a:solidFill>
-                <a:effectLst>
-                  <a:glow rad="127000">
-                    <a:schemeClr val="bg1"/>
-                  </a:glow>
-                </a:effectLst>
-                <a:latin typeface="VNI-Aptima" pitchFamily="2" charset="0"/>
-              </a:rPr>
-              <a:t>hoïa öông, nguyeàn ruûa bieán ra phöôùc aâm </a:t>
+              <a:rPr lang="en-US" sz="6600" b="1" dirty="0" err="1">
+                <a:solidFill>
+                  <a:sysClr val="windowText" lastClr="000000"/>
+                </a:solidFill>
+                <a:effectLst>
+                  <a:glow rad="127000">
+                    <a:schemeClr val="bg1"/>
+                  </a:glow>
+                </a:effectLst>
+                <a:latin typeface="VNI-Times" pitchFamily="2" charset="0"/>
+              </a:rPr>
+              <a:t>hoïa</a:t>
+            </a:r>
+            <a:r>
+              <a:rPr lang="en-US" sz="6600" b="1" dirty="0">
+                <a:solidFill>
+                  <a:sysClr val="windowText" lastClr="000000"/>
+                </a:solidFill>
+                <a:effectLst>
+                  <a:glow rad="127000">
+                    <a:schemeClr val="bg1"/>
+                  </a:glow>
+                </a:effectLst>
+                <a:latin typeface="VNI-Times" pitchFamily="2" charset="0"/>
+              </a:rPr>
+              <a:t> </a:t>
+            </a:r>
+            <a:r>
+              <a:rPr lang="en-US" sz="6600" b="1" dirty="0" err="1">
+                <a:solidFill>
+                  <a:sysClr val="windowText" lastClr="000000"/>
+                </a:solidFill>
+                <a:effectLst>
+                  <a:glow rad="127000">
+                    <a:schemeClr val="bg1"/>
+                  </a:glow>
+                </a:effectLst>
+                <a:latin typeface="VNI-Times" pitchFamily="2" charset="0"/>
+              </a:rPr>
+              <a:t>öông</a:t>
+            </a:r>
+            <a:r>
+              <a:rPr lang="en-US" sz="6600" b="1" dirty="0">
+                <a:solidFill>
+                  <a:sysClr val="windowText" lastClr="000000"/>
+                </a:solidFill>
+                <a:effectLst>
+                  <a:glow rad="127000">
+                    <a:schemeClr val="bg1"/>
+                  </a:glow>
+                </a:effectLst>
+                <a:latin typeface="VNI-Times" pitchFamily="2" charset="0"/>
+              </a:rPr>
+              <a:t>, </a:t>
+            </a:r>
+            <a:r>
+              <a:rPr lang="en-US" sz="6600" b="1" dirty="0" err="1">
+                <a:solidFill>
+                  <a:sysClr val="windowText" lastClr="000000"/>
+                </a:solidFill>
+                <a:effectLst>
+                  <a:glow rad="127000">
+                    <a:schemeClr val="bg1"/>
+                  </a:glow>
+                </a:effectLst>
+                <a:latin typeface="VNI-Times" pitchFamily="2" charset="0"/>
+              </a:rPr>
+              <a:t>nguyeàn</a:t>
+            </a:r>
+            <a:r>
+              <a:rPr lang="en-US" sz="6600" b="1" dirty="0">
+                <a:solidFill>
+                  <a:sysClr val="windowText" lastClr="000000"/>
+                </a:solidFill>
+                <a:effectLst>
+                  <a:glow rad="127000">
+                    <a:schemeClr val="bg1"/>
+                  </a:glow>
+                </a:effectLst>
+                <a:latin typeface="VNI-Times" pitchFamily="2" charset="0"/>
+              </a:rPr>
+              <a:t> </a:t>
+            </a:r>
+            <a:r>
+              <a:rPr lang="en-US" sz="6600" b="1" dirty="0" err="1">
+                <a:solidFill>
+                  <a:sysClr val="windowText" lastClr="000000"/>
+                </a:solidFill>
+                <a:effectLst>
+                  <a:glow rad="127000">
+                    <a:schemeClr val="bg1"/>
+                  </a:glow>
+                </a:effectLst>
+                <a:latin typeface="VNI-Times" pitchFamily="2" charset="0"/>
+              </a:rPr>
+              <a:t>ruûa</a:t>
+            </a:r>
+            <a:r>
+              <a:rPr lang="en-US" sz="6600" b="1" dirty="0">
+                <a:solidFill>
+                  <a:sysClr val="windowText" lastClr="000000"/>
+                </a:solidFill>
+                <a:effectLst>
+                  <a:glow rad="127000">
+                    <a:schemeClr val="bg1"/>
+                  </a:glow>
+                </a:effectLst>
+                <a:latin typeface="VNI-Times" pitchFamily="2" charset="0"/>
+              </a:rPr>
+              <a:t> </a:t>
+            </a:r>
+            <a:r>
+              <a:rPr lang="en-US" sz="6600" b="1" dirty="0" err="1">
+                <a:solidFill>
+                  <a:sysClr val="windowText" lastClr="000000"/>
+                </a:solidFill>
+                <a:effectLst>
+                  <a:glow rad="127000">
+                    <a:schemeClr val="bg1"/>
+                  </a:glow>
+                </a:effectLst>
+                <a:latin typeface="VNI-Times" pitchFamily="2" charset="0"/>
+              </a:rPr>
+              <a:t>bieán</a:t>
+            </a:r>
+            <a:r>
+              <a:rPr lang="en-US" sz="6600" b="1" dirty="0">
+                <a:solidFill>
+                  <a:sysClr val="windowText" lastClr="000000"/>
+                </a:solidFill>
+                <a:effectLst>
+                  <a:glow rad="127000">
+                    <a:schemeClr val="bg1"/>
+                  </a:glow>
+                </a:effectLst>
+                <a:latin typeface="VNI-Times" pitchFamily="2" charset="0"/>
+              </a:rPr>
+              <a:t> ra </a:t>
+            </a:r>
+            <a:r>
+              <a:rPr lang="en-US" sz="6600" b="1" dirty="0" err="1">
+                <a:solidFill>
+                  <a:sysClr val="windowText" lastClr="000000"/>
+                </a:solidFill>
+                <a:effectLst>
+                  <a:glow rad="127000">
+                    <a:schemeClr val="bg1"/>
+                  </a:glow>
+                </a:effectLst>
+                <a:latin typeface="VNI-Times" pitchFamily="2" charset="0"/>
+              </a:rPr>
+              <a:t>phöôùc</a:t>
+            </a:r>
+            <a:r>
+              <a:rPr lang="en-US" sz="6600" b="1" dirty="0">
+                <a:solidFill>
+                  <a:sysClr val="windowText" lastClr="000000"/>
+                </a:solidFill>
+                <a:effectLst>
+                  <a:glow rad="127000">
+                    <a:schemeClr val="bg1"/>
+                  </a:glow>
+                </a:effectLst>
+                <a:latin typeface="VNI-Times" pitchFamily="2" charset="0"/>
+              </a:rPr>
+              <a:t> </a:t>
+            </a:r>
+            <a:r>
+              <a:rPr lang="en-US" sz="6600" b="1" dirty="0" err="1">
+                <a:solidFill>
+                  <a:sysClr val="windowText" lastClr="000000"/>
+                </a:solidFill>
+                <a:effectLst>
+                  <a:glow rad="127000">
+                    <a:schemeClr val="bg1"/>
+                  </a:glow>
+                </a:effectLst>
+                <a:latin typeface="VNI-Times" pitchFamily="2" charset="0"/>
+              </a:rPr>
+              <a:t>aâm</a:t>
+            </a:r>
+            <a:r>
+              <a:rPr lang="en-US" sz="6600" b="1" dirty="0">
+                <a:solidFill>
+                  <a:sysClr val="windowText" lastClr="000000"/>
+                </a:solidFill>
+                <a:effectLst>
+                  <a:glow rad="127000">
+                    <a:schemeClr val="bg1"/>
+                  </a:glow>
+                </a:effectLst>
+                <a:latin typeface="VNI-Times" pitchFamily="2" charset="0"/>
+              </a:rPr>
+              <a:t> </a:t>
             </a:r>
             <a:br>
-              <a:rPr lang="en-US" sz="6600" b="1" smtClean="0">
-                <a:solidFill>
-                  <a:sysClr val="windowText" lastClr="000000"/>
-                </a:solidFill>
-                <a:effectLst>
-                  <a:glow rad="127000">
-                    <a:schemeClr val="bg1"/>
-                  </a:glow>
-                </a:effectLst>
-                <a:latin typeface="VNI-Aptima" pitchFamily="2" charset="0"/>
+              <a:rPr lang="en-US" sz="6600" b="1" dirty="0">
+                <a:solidFill>
+                  <a:sysClr val="windowText" lastClr="000000"/>
+                </a:solidFill>
+                <a:effectLst>
+                  <a:glow rad="127000">
+                    <a:schemeClr val="bg1"/>
+                  </a:glow>
+                </a:effectLst>
+                <a:latin typeface="VNI-Times" pitchFamily="2" charset="0"/>
               </a:rPr>
             </a:br>
             <a:r>
-              <a:rPr lang="en-US" sz="6600" b="1" smtClean="0">
-                <a:solidFill>
-                  <a:sysClr val="windowText" lastClr="000000"/>
-                </a:solidFill>
-                <a:effectLst>
-                  <a:glow rad="127000">
-                    <a:schemeClr val="bg1"/>
-                  </a:glow>
-                </a:effectLst>
-                <a:latin typeface="VNI-Aptima" pitchFamily="2" charset="0"/>
-              </a:rPr>
-              <a:t>thieân thöôïng.</a:t>
-            </a:r>
-            <a:endParaRPr lang="en-US" sz="6600" b="1">
+              <a:rPr lang="en-US" sz="6600" b="1" dirty="0" err="1">
+                <a:solidFill>
+                  <a:sysClr val="windowText" lastClr="000000"/>
+                </a:solidFill>
+                <a:effectLst>
+                  <a:glow rad="127000">
+                    <a:schemeClr val="bg1"/>
+                  </a:glow>
+                </a:effectLst>
+                <a:latin typeface="VNI-Times" pitchFamily="2" charset="0"/>
+              </a:rPr>
+              <a:t>thieân</a:t>
+            </a:r>
+            <a:r>
+              <a:rPr lang="en-US" sz="6600" b="1" dirty="0">
+                <a:solidFill>
+                  <a:sysClr val="windowText" lastClr="000000"/>
+                </a:solidFill>
+                <a:effectLst>
+                  <a:glow rad="127000">
+                    <a:schemeClr val="bg1"/>
+                  </a:glow>
+                </a:effectLst>
+                <a:latin typeface="VNI-Times" pitchFamily="2" charset="0"/>
+              </a:rPr>
+              <a:t> </a:t>
+            </a:r>
+            <a:r>
+              <a:rPr lang="en-US" sz="6600" b="1" dirty="0" err="1">
+                <a:solidFill>
+                  <a:sysClr val="windowText" lastClr="000000"/>
+                </a:solidFill>
+                <a:effectLst>
+                  <a:glow rad="127000">
+                    <a:schemeClr val="bg1"/>
+                  </a:glow>
+                </a:effectLst>
+                <a:latin typeface="VNI-Times" pitchFamily="2" charset="0"/>
+              </a:rPr>
+              <a:t>thöôïng</a:t>
+            </a:r>
+            <a:r>
+              <a:rPr lang="en-US" sz="6600" b="1" dirty="0">
+                <a:solidFill>
+                  <a:sysClr val="windowText" lastClr="000000"/>
+                </a:solidFill>
+                <a:effectLst>
+                  <a:glow rad="127000">
+                    <a:schemeClr val="bg1"/>
+                  </a:glow>
+                </a:effectLst>
+                <a:latin typeface="VNI-Times" pitchFamily="2" charset="0"/>
+              </a:rPr>
+              <a:t>.</a:t>
+            </a:r>
+            <a:endParaRPr lang="en-US" sz="6600" b="1" dirty="0">
               <a:solidFill>
                 <a:prstClr val="black"/>
               </a:solidFill>
@@ -2055,7 +2370,7 @@
                   </a:prstClr>
                 </a:glow>
               </a:effectLst>
-              <a:latin typeface="VNI-Aptima" pitchFamily="2" charset="0"/>
+              <a:latin typeface="VNI-Times" pitchFamily="2" charset="0"/>
             </a:endParaRPr>
           </a:p>
         </p:txBody>
@@ -2070,21 +2385,6 @@
   <p:clrMapOvr>
     <a:overrideClrMapping bg1="lt1" tx1="dk1" bg2="lt2" tx2="dk2" accent1="accent1" accent2="accent2" accent3="accent3" accent4="accent4" accent5="accent5" accent6="accent6" hlink="hlink" folHlink="folHlink"/>
   </p:clrMapOvr>
-  <mc:AlternateContent xmlns:mc="http://schemas.openxmlformats.org/markup-compatibility/2006" xmlns:p14="http://schemas.microsoft.com/office/powerpoint/2010/main">
-    <mc:Choice Requires="p14">
-      <p:transition p14:dur="0"/>
-    </mc:Choice>
-    <mc:Fallback xmlns="">
-      <p:transition/>
-    </mc:Fallback>
-  </mc:AlternateContent>
-  <p:timing>
-    <p:tnLst>
-      <p:par>
-        <p:cTn id="1" dur="indefinite" restart="never" nodeType="tmRoot"/>
-      </p:par>
-    </p:tnLst>
-  </p:timing>
 </p:sld>
 </file>
 
@@ -2129,7 +2429,7 @@
           <a:p>
             <a:pPr algn="ctr"/>
             <a:r>
-              <a:rPr lang="en-US" sz="3200" smtClean="0">
+              <a:rPr lang="en-US" sz="3200" dirty="0">
                 <a:solidFill>
                   <a:srgbClr val="C00000"/>
                 </a:solidFill>
@@ -2138,7 +2438,7 @@
                     <a:prstClr val="white"/>
                   </a:glow>
                 </a:effectLst>
-                <a:latin typeface="VNI-Bandit" pitchFamily="2" charset="0"/>
+                <a:latin typeface="VNI-Times Normal" pitchFamily="2" charset="0"/>
               </a:rPr>
               <a:t>THAÙNH CA 54 – PHÖÔÙC CHO NHAÂN LOAÏI</a:t>
             </a:r>
@@ -2169,7 +2469,7 @@
           <a:p>
             <a:pPr algn="ctr"/>
             <a:r>
-              <a:rPr lang="en-US" sz="4000" b="1" smtClean="0">
+              <a:rPr lang="en-US" sz="4000" b="1" dirty="0">
                 <a:solidFill>
                   <a:sysClr val="windowText" lastClr="000000"/>
                 </a:solidFill>
@@ -2178,12 +2478,12 @@
                     <a:prstClr val="white"/>
                   </a:glow>
                 </a:effectLst>
-                <a:latin typeface="VNI-Aptima" pitchFamily="2" charset="0"/>
+                <a:latin typeface="VNI-Times" pitchFamily="2" charset="0"/>
               </a:rPr>
               <a:t>4.</a:t>
             </a:r>
             <a:r>
-              <a:rPr lang="en-US" sz="6600" b="1" smtClean="0">
+              <a:rPr lang="en-US" sz="6600" b="1" dirty="0">
                 <a:solidFill>
                   <a:sysClr val="windowText" lastClr="000000"/>
                 </a:solidFill>
@@ -2192,79 +2492,429 @@
                     <a:prstClr val="white"/>
                   </a:glow>
                 </a:effectLst>
-                <a:latin typeface="VNI-Aptima" pitchFamily="2" charset="0"/>
-              </a:rPr>
-              <a:t> </a:t>
-            </a:r>
-            <a:r>
-              <a:rPr lang="en-US" sz="6600" b="1" smtClean="0">
-                <a:solidFill>
-                  <a:sysClr val="windowText" lastClr="000000"/>
-                </a:solidFill>
-                <a:effectLst>
-                  <a:glow rad="127000">
-                    <a:schemeClr val="bg1"/>
-                  </a:glow>
-                </a:effectLst>
-                <a:latin typeface="VNI-Aptima" pitchFamily="2" charset="0"/>
-              </a:rPr>
-              <a:t>Leõ chaùnh, ôn laønh Chuùa ñem cai trò,</a:t>
+                <a:latin typeface="VNI-Times" pitchFamily="2" charset="0"/>
+              </a:rPr>
+              <a:t> </a:t>
+            </a:r>
+            <a:r>
+              <a:rPr lang="en-US" sz="6600" b="1" dirty="0" err="1">
+                <a:solidFill>
+                  <a:sysClr val="windowText" lastClr="000000"/>
+                </a:solidFill>
+                <a:effectLst>
+                  <a:glow rad="127000">
+                    <a:schemeClr val="bg1"/>
+                  </a:glow>
+                </a:effectLst>
+                <a:latin typeface="VNI-Times" pitchFamily="2" charset="0"/>
+              </a:rPr>
+              <a:t>Leõ</a:t>
+            </a:r>
+            <a:r>
+              <a:rPr lang="en-US" sz="6600" b="1" dirty="0">
+                <a:solidFill>
+                  <a:sysClr val="windowText" lastClr="000000"/>
+                </a:solidFill>
+                <a:effectLst>
+                  <a:glow rad="127000">
+                    <a:schemeClr val="bg1"/>
+                  </a:glow>
+                </a:effectLst>
+                <a:latin typeface="VNI-Times" pitchFamily="2" charset="0"/>
+              </a:rPr>
+              <a:t> </a:t>
+            </a:r>
+            <a:r>
+              <a:rPr lang="en-US" sz="6600" b="1" dirty="0" err="1">
+                <a:solidFill>
+                  <a:sysClr val="windowText" lastClr="000000"/>
+                </a:solidFill>
+                <a:effectLst>
+                  <a:glow rad="127000">
+                    <a:schemeClr val="bg1"/>
+                  </a:glow>
+                </a:effectLst>
+                <a:latin typeface="VNI-Times" pitchFamily="2" charset="0"/>
+              </a:rPr>
+              <a:t>chaùnh</a:t>
+            </a:r>
+            <a:r>
+              <a:rPr lang="en-US" sz="6600" b="1" dirty="0">
+                <a:solidFill>
+                  <a:sysClr val="windowText" lastClr="000000"/>
+                </a:solidFill>
+                <a:effectLst>
+                  <a:glow rad="127000">
+                    <a:schemeClr val="bg1"/>
+                  </a:glow>
+                </a:effectLst>
+                <a:latin typeface="VNI-Times" pitchFamily="2" charset="0"/>
+              </a:rPr>
+              <a:t>, </a:t>
+            </a:r>
+            <a:r>
+              <a:rPr lang="en-US" sz="6600" b="1" dirty="0" err="1">
+                <a:solidFill>
+                  <a:sysClr val="windowText" lastClr="000000"/>
+                </a:solidFill>
+                <a:effectLst>
+                  <a:glow rad="127000">
+                    <a:schemeClr val="bg1"/>
+                  </a:glow>
+                </a:effectLst>
+                <a:latin typeface="VNI-Times" pitchFamily="2" charset="0"/>
+              </a:rPr>
+              <a:t>ôn</a:t>
+            </a:r>
+            <a:r>
+              <a:rPr lang="en-US" sz="6600" b="1" dirty="0">
+                <a:solidFill>
+                  <a:sysClr val="windowText" lastClr="000000"/>
+                </a:solidFill>
+                <a:effectLst>
+                  <a:glow rad="127000">
+                    <a:schemeClr val="bg1"/>
+                  </a:glow>
+                </a:effectLst>
+                <a:latin typeface="VNI-Times" pitchFamily="2" charset="0"/>
+              </a:rPr>
+              <a:t> </a:t>
+            </a:r>
+            <a:r>
+              <a:rPr lang="en-US" sz="6600" b="1" dirty="0" err="1">
+                <a:solidFill>
+                  <a:sysClr val="windowText" lastClr="000000"/>
+                </a:solidFill>
+                <a:effectLst>
+                  <a:glow rad="127000">
+                    <a:schemeClr val="bg1"/>
+                  </a:glow>
+                </a:effectLst>
+                <a:latin typeface="VNI-Times" pitchFamily="2" charset="0"/>
+              </a:rPr>
+              <a:t>laønh</a:t>
+            </a:r>
+            <a:r>
+              <a:rPr lang="en-US" sz="6600" b="1" dirty="0">
+                <a:solidFill>
+                  <a:sysClr val="windowText" lastClr="000000"/>
+                </a:solidFill>
+                <a:effectLst>
+                  <a:glow rad="127000">
+                    <a:schemeClr val="bg1"/>
+                  </a:glow>
+                </a:effectLst>
+                <a:latin typeface="VNI-Times" pitchFamily="2" charset="0"/>
+              </a:rPr>
+              <a:t> </a:t>
+            </a:r>
+            <a:r>
+              <a:rPr lang="en-US" sz="6600" b="1" dirty="0" err="1">
+                <a:solidFill>
+                  <a:sysClr val="windowText" lastClr="000000"/>
+                </a:solidFill>
+                <a:effectLst>
+                  <a:glow rad="127000">
+                    <a:schemeClr val="bg1"/>
+                  </a:glow>
+                </a:effectLst>
+                <a:latin typeface="VNI-Times" pitchFamily="2" charset="0"/>
+              </a:rPr>
+              <a:t>Chuùa</a:t>
+            </a:r>
+            <a:r>
+              <a:rPr lang="en-US" sz="6600" b="1" dirty="0">
+                <a:solidFill>
+                  <a:sysClr val="windowText" lastClr="000000"/>
+                </a:solidFill>
+                <a:effectLst>
+                  <a:glow rad="127000">
+                    <a:schemeClr val="bg1"/>
+                  </a:glow>
+                </a:effectLst>
+                <a:latin typeface="VNI-Times" pitchFamily="2" charset="0"/>
+              </a:rPr>
+              <a:t> </a:t>
+            </a:r>
+            <a:r>
+              <a:rPr lang="en-US" sz="6600" b="1" dirty="0" err="1">
+                <a:solidFill>
+                  <a:sysClr val="windowText" lastClr="000000"/>
+                </a:solidFill>
+                <a:effectLst>
+                  <a:glow rad="127000">
+                    <a:schemeClr val="bg1"/>
+                  </a:glow>
+                </a:effectLst>
+                <a:latin typeface="VNI-Times" pitchFamily="2" charset="0"/>
+              </a:rPr>
+              <a:t>ñem</a:t>
+            </a:r>
+            <a:r>
+              <a:rPr lang="en-US" sz="6600" b="1" dirty="0">
+                <a:solidFill>
+                  <a:sysClr val="windowText" lastClr="000000"/>
+                </a:solidFill>
+                <a:effectLst>
+                  <a:glow rad="127000">
+                    <a:schemeClr val="bg1"/>
+                  </a:glow>
+                </a:effectLst>
+                <a:latin typeface="VNI-Times" pitchFamily="2" charset="0"/>
+              </a:rPr>
+              <a:t> </a:t>
+            </a:r>
+            <a:r>
+              <a:rPr lang="en-US" sz="6600" b="1" dirty="0" err="1">
+                <a:solidFill>
+                  <a:sysClr val="windowText" lastClr="000000"/>
+                </a:solidFill>
+                <a:effectLst>
+                  <a:glow rad="127000">
+                    <a:schemeClr val="bg1"/>
+                  </a:glow>
+                </a:effectLst>
+                <a:latin typeface="VNI-Times" pitchFamily="2" charset="0"/>
+              </a:rPr>
+              <a:t>cai</a:t>
+            </a:r>
+            <a:r>
+              <a:rPr lang="en-US" sz="6600" b="1" dirty="0">
+                <a:solidFill>
+                  <a:sysClr val="windowText" lastClr="000000"/>
+                </a:solidFill>
+                <a:effectLst>
+                  <a:glow rad="127000">
+                    <a:schemeClr val="bg1"/>
+                  </a:glow>
+                </a:effectLst>
+                <a:latin typeface="VNI-Times" pitchFamily="2" charset="0"/>
+              </a:rPr>
+              <a:t> </a:t>
+            </a:r>
+            <a:r>
+              <a:rPr lang="en-US" sz="6600" b="1" dirty="0" err="1">
+                <a:solidFill>
+                  <a:sysClr val="windowText" lastClr="000000"/>
+                </a:solidFill>
+                <a:effectLst>
+                  <a:glow rad="127000">
+                    <a:schemeClr val="bg1"/>
+                  </a:glow>
+                </a:effectLst>
+                <a:latin typeface="VNI-Times" pitchFamily="2" charset="0"/>
+              </a:rPr>
+              <a:t>trò</a:t>
+            </a:r>
+            <a:r>
+              <a:rPr lang="en-US" sz="6600" b="1" dirty="0">
+                <a:solidFill>
+                  <a:sysClr val="windowText" lastClr="000000"/>
+                </a:solidFill>
+                <a:effectLst>
+                  <a:glow rad="127000">
+                    <a:schemeClr val="bg1"/>
+                  </a:glow>
+                </a:effectLst>
+                <a:latin typeface="VNI-Times" pitchFamily="2" charset="0"/>
+              </a:rPr>
+              <a:t>,</a:t>
             </a:r>
             <a:br>
-              <a:rPr lang="en-US" sz="6600" b="1" smtClean="0">
-                <a:solidFill>
-                  <a:sysClr val="windowText" lastClr="000000"/>
-                </a:solidFill>
-                <a:effectLst>
-                  <a:glow rad="127000">
-                    <a:schemeClr val="bg1"/>
-                  </a:glow>
-                </a:effectLst>
-                <a:latin typeface="VNI-Aptima" pitchFamily="2" charset="0"/>
+              <a:rPr lang="en-US" sz="6600" b="1" dirty="0">
+                <a:solidFill>
+                  <a:sysClr val="windowText" lastClr="000000"/>
+                </a:solidFill>
+                <a:effectLst>
+                  <a:glow rad="127000">
+                    <a:schemeClr val="bg1"/>
+                  </a:glow>
+                </a:effectLst>
+                <a:latin typeface="VNI-Times" pitchFamily="2" charset="0"/>
               </a:rPr>
             </a:br>
             <a:r>
-              <a:rPr lang="en-US" sz="6600" b="1" smtClean="0">
-                <a:solidFill>
-                  <a:sysClr val="windowText" lastClr="000000"/>
-                </a:solidFill>
-                <a:effectLst>
-                  <a:glow rad="127000">
-                    <a:schemeClr val="bg1"/>
-                  </a:glow>
-                </a:effectLst>
-                <a:latin typeface="VNI-Aptima" pitchFamily="2" charset="0"/>
-              </a:rPr>
-              <a:t>laøm cho muoân </a:t>
+              <a:rPr lang="en-US" sz="6600" b="1" dirty="0" err="1">
+                <a:solidFill>
+                  <a:sysClr val="windowText" lastClr="000000"/>
+                </a:solidFill>
+                <a:effectLst>
+                  <a:glow rad="127000">
+                    <a:schemeClr val="bg1"/>
+                  </a:glow>
+                </a:effectLst>
+                <a:latin typeface="VNI-Times" pitchFamily="2" charset="0"/>
+              </a:rPr>
+              <a:t>laøm</a:t>
+            </a:r>
+            <a:r>
+              <a:rPr lang="en-US" sz="6600" b="1" dirty="0">
+                <a:solidFill>
+                  <a:sysClr val="windowText" lastClr="000000"/>
+                </a:solidFill>
+                <a:effectLst>
+                  <a:glow rad="127000">
+                    <a:schemeClr val="bg1"/>
+                  </a:glow>
+                </a:effectLst>
+                <a:latin typeface="VNI-Times" pitchFamily="2" charset="0"/>
+              </a:rPr>
+              <a:t> </a:t>
+            </a:r>
+            <a:r>
+              <a:rPr lang="en-US" sz="6600" b="1" dirty="0" err="1">
+                <a:solidFill>
+                  <a:sysClr val="windowText" lastClr="000000"/>
+                </a:solidFill>
+                <a:effectLst>
+                  <a:glow rad="127000">
+                    <a:schemeClr val="bg1"/>
+                  </a:glow>
+                </a:effectLst>
+                <a:latin typeface="VNI-Times" pitchFamily="2" charset="0"/>
+              </a:rPr>
+              <a:t>cho</a:t>
+            </a:r>
+            <a:r>
+              <a:rPr lang="en-US" sz="6600" b="1" dirty="0">
+                <a:solidFill>
+                  <a:sysClr val="windowText" lastClr="000000"/>
+                </a:solidFill>
+                <a:effectLst>
+                  <a:glow rad="127000">
+                    <a:schemeClr val="bg1"/>
+                  </a:glow>
+                </a:effectLst>
+                <a:latin typeface="VNI-Times" pitchFamily="2" charset="0"/>
+              </a:rPr>
+              <a:t> </a:t>
+            </a:r>
+            <a:r>
+              <a:rPr lang="en-US" sz="6600" b="1" dirty="0" err="1">
+                <a:solidFill>
+                  <a:sysClr val="windowText" lastClr="000000"/>
+                </a:solidFill>
+                <a:effectLst>
+                  <a:glow rad="127000">
+                    <a:schemeClr val="bg1"/>
+                  </a:glow>
+                </a:effectLst>
+                <a:latin typeface="VNI-Times" pitchFamily="2" charset="0"/>
+              </a:rPr>
+              <a:t>muoân</a:t>
+            </a:r>
+            <a:r>
+              <a:rPr lang="en-US" sz="6600" b="1" dirty="0">
+                <a:solidFill>
+                  <a:sysClr val="windowText" lastClr="000000"/>
+                </a:solidFill>
+                <a:effectLst>
+                  <a:glow rad="127000">
+                    <a:schemeClr val="bg1"/>
+                  </a:glow>
+                </a:effectLst>
+                <a:latin typeface="VNI-Times" pitchFamily="2" charset="0"/>
+              </a:rPr>
+              <a:t> </a:t>
             </a:r>
             <a:br>
-              <a:rPr lang="en-US" sz="6600" b="1" smtClean="0">
-                <a:solidFill>
-                  <a:sysClr val="windowText" lastClr="000000"/>
-                </a:solidFill>
-                <a:effectLst>
-                  <a:glow rad="127000">
-                    <a:schemeClr val="bg1"/>
-                  </a:glow>
-                </a:effectLst>
-                <a:latin typeface="VNI-Aptima" pitchFamily="2" charset="0"/>
+              <a:rPr lang="en-US" sz="6600" b="1" dirty="0">
+                <a:solidFill>
+                  <a:sysClr val="windowText" lastClr="000000"/>
+                </a:solidFill>
+                <a:effectLst>
+                  <a:glow rad="127000">
+                    <a:schemeClr val="bg1"/>
+                  </a:glow>
+                </a:effectLst>
+                <a:latin typeface="VNI-Times" pitchFamily="2" charset="0"/>
               </a:rPr>
             </a:br>
             <a:r>
-              <a:rPr lang="en-US" sz="6600" b="1" smtClean="0">
-                <a:solidFill>
-                  <a:sysClr val="windowText" lastClr="000000"/>
-                </a:solidFill>
-                <a:effectLst>
-                  <a:glow rad="127000">
-                    <a:schemeClr val="bg1"/>
-                  </a:glow>
-                </a:effectLst>
-                <a:latin typeface="VNI-Aptima" pitchFamily="2" charset="0"/>
-              </a:rPr>
-              <a:t>daân khai trí. </a:t>
-            </a:r>
-            <a:endParaRPr lang="en-US" sz="6600" b="1">
+              <a:rPr lang="en-US" sz="6600" b="1" dirty="0" err="1">
+                <a:solidFill>
+                  <a:sysClr val="windowText" lastClr="000000"/>
+                </a:solidFill>
+                <a:effectLst>
+                  <a:glow rad="127000">
+                    <a:schemeClr val="bg1"/>
+                  </a:glow>
+                </a:effectLst>
+                <a:latin typeface="VNI-Times" pitchFamily="2" charset="0"/>
+              </a:rPr>
+              <a:t>daân</a:t>
+            </a:r>
+            <a:r>
+              <a:rPr lang="en-US" sz="6600" b="1" dirty="0">
+                <a:solidFill>
+                  <a:sysClr val="windowText" lastClr="000000"/>
+                </a:solidFill>
+                <a:effectLst>
+                  <a:glow rad="127000">
+                    <a:schemeClr val="bg1"/>
+                  </a:glow>
+                </a:effectLst>
+                <a:latin typeface="VNI-Times" pitchFamily="2" charset="0"/>
+              </a:rPr>
+              <a:t> </a:t>
+            </a:r>
+            <a:r>
+              <a:rPr lang="en-US" sz="6600" b="1" dirty="0" err="1">
+                <a:solidFill>
+                  <a:sysClr val="windowText" lastClr="000000"/>
+                </a:solidFill>
+                <a:effectLst>
+                  <a:glow rad="127000">
+                    <a:schemeClr val="bg1"/>
+                  </a:glow>
+                </a:effectLst>
+                <a:latin typeface="VNI-Times" pitchFamily="2" charset="0"/>
+              </a:rPr>
+              <a:t>khai</a:t>
+            </a:r>
+            <a:r>
+              <a:rPr lang="en-US" sz="6600" b="1" dirty="0">
+                <a:solidFill>
+                  <a:sysClr val="windowText" lastClr="000000"/>
+                </a:solidFill>
+                <a:effectLst>
+                  <a:glow rad="127000">
+                    <a:schemeClr val="bg1"/>
+                  </a:glow>
+                </a:effectLst>
+                <a:latin typeface="VNI-Times" pitchFamily="2" charset="0"/>
+              </a:rPr>
+              <a:t> </a:t>
+            </a:r>
+            <a:r>
+              <a:rPr lang="en-US" sz="6600" b="1" dirty="0" err="1">
+                <a:solidFill>
+                  <a:sysClr val="windowText" lastClr="000000"/>
+                </a:solidFill>
+                <a:effectLst>
+                  <a:glow rad="127000">
+                    <a:schemeClr val="bg1"/>
+                  </a:glow>
+                </a:effectLst>
+                <a:latin typeface="VNI-Times" pitchFamily="2" charset="0"/>
+              </a:rPr>
+              <a:t>trí</a:t>
+            </a:r>
+            <a:r>
+              <a:rPr lang="en-US" sz="6600" b="1" dirty="0">
+                <a:solidFill>
+                  <a:sysClr val="windowText" lastClr="000000"/>
+                </a:solidFill>
+                <a:effectLst>
+                  <a:glow rad="127000">
+                    <a:schemeClr val="bg1"/>
+                  </a:glow>
+                </a:effectLst>
+                <a:latin typeface="VNI-Times" pitchFamily="2" charset="0"/>
+              </a:rPr>
+              <a:t>. </a:t>
+            </a:r>
+            <a:endParaRPr lang="en-US" sz="6600" b="1" dirty="0">
               <a:solidFill>
                 <a:prstClr val="black"/>
               </a:solidFill>
@@ -2273,7 +2923,7 @@
                   <a:prstClr val="white"/>
                 </a:glow>
               </a:effectLst>
-              <a:latin typeface="VNI-Aptima" pitchFamily="2" charset="0"/>
+              <a:latin typeface="VNI-Times" pitchFamily="2" charset="0"/>
             </a:endParaRPr>
           </a:p>
         </p:txBody>
@@ -2288,21 +2938,6 @@
   <p:clrMapOvr>
     <a:masterClrMapping/>
   </p:clrMapOvr>
-  <mc:AlternateContent xmlns:mc="http://schemas.openxmlformats.org/markup-compatibility/2006" xmlns:p14="http://schemas.microsoft.com/office/powerpoint/2010/main">
-    <mc:Choice Requires="p14">
-      <p:transition p14:dur="0"/>
-    </mc:Choice>
-    <mc:Fallback xmlns="">
-      <p:transition/>
-    </mc:Fallback>
-  </mc:AlternateContent>
-  <p:timing>
-    <p:tnLst>
-      <p:par>
-        <p:cTn id="1" dur="indefinite" restart="never" nodeType="tmRoot"/>
-      </p:par>
-    </p:tnLst>
-  </p:timing>
 </p:sld>
 </file>
 
@@ -2361,7 +2996,7 @@
           <a:p>
             <a:pPr algn="ctr"/>
             <a:r>
-              <a:rPr lang="en-US" sz="3200" smtClean="0">
+              <a:rPr lang="en-US" sz="3200" dirty="0">
                 <a:solidFill>
                   <a:srgbClr val="C00000"/>
                 </a:solidFill>
@@ -2370,7 +3005,7 @@
                     <a:prstClr val="white"/>
                   </a:glow>
                 </a:effectLst>
-                <a:latin typeface="VNI-Bandit" pitchFamily="2" charset="0"/>
+                <a:latin typeface="VNI-Times Normal" pitchFamily="2" charset="0"/>
               </a:rPr>
               <a:t>THAÙNH CA 54 – PHÖÔÙC CHO NHAÂN LOAÏI</a:t>
             </a:r>
@@ -2401,74 +3036,424 @@
           <a:p>
             <a:pPr algn="ctr"/>
             <a:r>
-              <a:rPr lang="en-US" sz="6600" b="1" smtClean="0">
-                <a:solidFill>
-                  <a:sysClr val="windowText" lastClr="000000"/>
-                </a:solidFill>
-                <a:effectLst>
-                  <a:glow rad="127000">
-                    <a:schemeClr val="bg1"/>
-                  </a:glow>
-                </a:effectLst>
-                <a:latin typeface="VNI-Aptima" pitchFamily="2" charset="0"/>
-              </a:rPr>
-              <a:t>Thaáy roõ vinh quang chính nghóa trò vì,</a:t>
+              <a:rPr lang="en-US" sz="6600" b="1" dirty="0" err="1">
+                <a:solidFill>
+                  <a:sysClr val="windowText" lastClr="000000"/>
+                </a:solidFill>
+                <a:effectLst>
+                  <a:glow rad="127000">
+                    <a:schemeClr val="bg1"/>
+                  </a:glow>
+                </a:effectLst>
+                <a:latin typeface="VNI-Times" pitchFamily="2" charset="0"/>
+              </a:rPr>
+              <a:t>Thaáy</a:t>
+            </a:r>
+            <a:r>
+              <a:rPr lang="en-US" sz="6600" b="1" dirty="0">
+                <a:solidFill>
+                  <a:sysClr val="windowText" lastClr="000000"/>
+                </a:solidFill>
+                <a:effectLst>
+                  <a:glow rad="127000">
+                    <a:schemeClr val="bg1"/>
+                  </a:glow>
+                </a:effectLst>
+                <a:latin typeface="VNI-Times" pitchFamily="2" charset="0"/>
+              </a:rPr>
+              <a:t> </a:t>
+            </a:r>
+            <a:r>
+              <a:rPr lang="en-US" sz="6600" b="1" dirty="0" err="1">
+                <a:solidFill>
+                  <a:sysClr val="windowText" lastClr="000000"/>
+                </a:solidFill>
+                <a:effectLst>
+                  <a:glow rad="127000">
+                    <a:schemeClr val="bg1"/>
+                  </a:glow>
+                </a:effectLst>
+                <a:latin typeface="VNI-Times" pitchFamily="2" charset="0"/>
+              </a:rPr>
+              <a:t>roõ</a:t>
+            </a:r>
+            <a:r>
+              <a:rPr lang="en-US" sz="6600" b="1" dirty="0">
+                <a:solidFill>
+                  <a:sysClr val="windowText" lastClr="000000"/>
+                </a:solidFill>
+                <a:effectLst>
+                  <a:glow rad="127000">
+                    <a:schemeClr val="bg1"/>
+                  </a:glow>
+                </a:effectLst>
+                <a:latin typeface="VNI-Times" pitchFamily="2" charset="0"/>
+              </a:rPr>
+              <a:t> </a:t>
+            </a:r>
+            <a:r>
+              <a:rPr lang="en-US" sz="6600" b="1" dirty="0" err="1">
+                <a:solidFill>
+                  <a:sysClr val="windowText" lastClr="000000"/>
+                </a:solidFill>
+                <a:effectLst>
+                  <a:glow rad="127000">
+                    <a:schemeClr val="bg1"/>
+                  </a:glow>
+                </a:effectLst>
+                <a:latin typeface="VNI-Times" pitchFamily="2" charset="0"/>
+              </a:rPr>
+              <a:t>vinh</a:t>
+            </a:r>
+            <a:r>
+              <a:rPr lang="en-US" sz="6600" b="1" dirty="0">
+                <a:solidFill>
+                  <a:sysClr val="windowText" lastClr="000000"/>
+                </a:solidFill>
+                <a:effectLst>
+                  <a:glow rad="127000">
+                    <a:schemeClr val="bg1"/>
+                  </a:glow>
+                </a:effectLst>
+                <a:latin typeface="VNI-Times" pitchFamily="2" charset="0"/>
+              </a:rPr>
+              <a:t> </a:t>
+            </a:r>
+            <a:r>
+              <a:rPr lang="en-US" sz="6600" b="1" dirty="0" err="1">
+                <a:solidFill>
+                  <a:sysClr val="windowText" lastClr="000000"/>
+                </a:solidFill>
+                <a:effectLst>
+                  <a:glow rad="127000">
+                    <a:schemeClr val="bg1"/>
+                  </a:glow>
+                </a:effectLst>
+                <a:latin typeface="VNI-Times" pitchFamily="2" charset="0"/>
+              </a:rPr>
+              <a:t>quang</a:t>
+            </a:r>
+            <a:r>
+              <a:rPr lang="en-US" sz="6600" b="1" dirty="0">
+                <a:solidFill>
+                  <a:sysClr val="windowText" lastClr="000000"/>
+                </a:solidFill>
+                <a:effectLst>
+                  <a:glow rad="127000">
+                    <a:schemeClr val="bg1"/>
+                  </a:glow>
+                </a:effectLst>
+                <a:latin typeface="VNI-Times" pitchFamily="2" charset="0"/>
+              </a:rPr>
+              <a:t> </a:t>
+            </a:r>
+            <a:r>
+              <a:rPr lang="en-US" sz="6600" b="1" dirty="0" err="1">
+                <a:solidFill>
+                  <a:sysClr val="windowText" lastClr="000000"/>
+                </a:solidFill>
+                <a:effectLst>
+                  <a:glow rad="127000">
+                    <a:schemeClr val="bg1"/>
+                  </a:glow>
+                </a:effectLst>
+                <a:latin typeface="VNI-Times" pitchFamily="2" charset="0"/>
+              </a:rPr>
+              <a:t>chính</a:t>
+            </a:r>
+            <a:r>
+              <a:rPr lang="en-US" sz="6600" b="1" dirty="0">
+                <a:solidFill>
+                  <a:sysClr val="windowText" lastClr="000000"/>
+                </a:solidFill>
+                <a:effectLst>
+                  <a:glow rad="127000">
+                    <a:schemeClr val="bg1"/>
+                  </a:glow>
+                </a:effectLst>
+                <a:latin typeface="VNI-Times" pitchFamily="2" charset="0"/>
+              </a:rPr>
+              <a:t> </a:t>
+            </a:r>
+            <a:r>
+              <a:rPr lang="en-US" sz="6600" b="1" dirty="0" err="1">
+                <a:solidFill>
+                  <a:sysClr val="windowText" lastClr="000000"/>
+                </a:solidFill>
+                <a:effectLst>
+                  <a:glow rad="127000">
+                    <a:schemeClr val="bg1"/>
+                  </a:glow>
+                </a:effectLst>
+                <a:latin typeface="VNI-Times" pitchFamily="2" charset="0"/>
+              </a:rPr>
+              <a:t>nghóa</a:t>
+            </a:r>
+            <a:r>
+              <a:rPr lang="en-US" sz="6600" b="1" dirty="0">
+                <a:solidFill>
+                  <a:sysClr val="windowText" lastClr="000000"/>
+                </a:solidFill>
+                <a:effectLst>
+                  <a:glow rad="127000">
+                    <a:schemeClr val="bg1"/>
+                  </a:glow>
+                </a:effectLst>
+                <a:latin typeface="VNI-Times" pitchFamily="2" charset="0"/>
+              </a:rPr>
+              <a:t> </a:t>
+            </a:r>
+            <a:r>
+              <a:rPr lang="en-US" sz="6600" b="1" dirty="0" err="1">
+                <a:solidFill>
+                  <a:sysClr val="windowText" lastClr="000000"/>
+                </a:solidFill>
+                <a:effectLst>
+                  <a:glow rad="127000">
+                    <a:schemeClr val="bg1"/>
+                  </a:glow>
+                </a:effectLst>
+                <a:latin typeface="VNI-Times" pitchFamily="2" charset="0"/>
+              </a:rPr>
+              <a:t>trò</a:t>
+            </a:r>
+            <a:r>
+              <a:rPr lang="en-US" sz="6600" b="1" dirty="0">
+                <a:solidFill>
+                  <a:sysClr val="windowText" lastClr="000000"/>
+                </a:solidFill>
+                <a:effectLst>
+                  <a:glow rad="127000">
+                    <a:schemeClr val="bg1"/>
+                  </a:glow>
+                </a:effectLst>
+                <a:latin typeface="VNI-Times" pitchFamily="2" charset="0"/>
+              </a:rPr>
+              <a:t> </a:t>
+            </a:r>
+            <a:r>
+              <a:rPr lang="en-US" sz="6600" b="1" dirty="0" err="1">
+                <a:solidFill>
+                  <a:sysClr val="windowText" lastClr="000000"/>
+                </a:solidFill>
+                <a:effectLst>
+                  <a:glow rad="127000">
+                    <a:schemeClr val="bg1"/>
+                  </a:glow>
+                </a:effectLst>
+                <a:latin typeface="VNI-Times" pitchFamily="2" charset="0"/>
+              </a:rPr>
+              <a:t>vì</a:t>
+            </a:r>
+            <a:r>
+              <a:rPr lang="en-US" sz="6600" b="1" dirty="0">
+                <a:solidFill>
+                  <a:sysClr val="windowText" lastClr="000000"/>
+                </a:solidFill>
+                <a:effectLst>
+                  <a:glow rad="127000">
+                    <a:schemeClr val="bg1"/>
+                  </a:glow>
+                </a:effectLst>
+                <a:latin typeface="VNI-Times" pitchFamily="2" charset="0"/>
+              </a:rPr>
+              <a:t>,</a:t>
             </a:r>
             <a:br>
-              <a:rPr lang="en-US" sz="6600" b="1" smtClean="0">
-                <a:solidFill>
-                  <a:sysClr val="windowText" lastClr="000000"/>
-                </a:solidFill>
-                <a:effectLst>
-                  <a:glow rad="127000">
-                    <a:schemeClr val="bg1"/>
-                  </a:glow>
-                </a:effectLst>
-                <a:latin typeface="VNI-Aptima" pitchFamily="2" charset="0"/>
+              <a:rPr lang="en-US" sz="6600" b="1" dirty="0">
+                <a:solidFill>
+                  <a:sysClr val="windowText" lastClr="000000"/>
+                </a:solidFill>
+                <a:effectLst>
+                  <a:glow rad="127000">
+                    <a:schemeClr val="bg1"/>
+                  </a:glow>
+                </a:effectLst>
+                <a:latin typeface="VNI-Times" pitchFamily="2" charset="0"/>
               </a:rPr>
             </a:br>
             <a:r>
-              <a:rPr lang="en-US" sz="6600" b="1" smtClean="0">
-                <a:solidFill>
-                  <a:sysClr val="windowText" lastClr="000000"/>
-                </a:solidFill>
-                <a:effectLst>
-                  <a:glow rad="127000">
-                    <a:schemeClr val="bg1"/>
-                  </a:glow>
-                </a:effectLst>
-                <a:latin typeface="VNI-Aptima" pitchFamily="2" charset="0"/>
-              </a:rPr>
-              <a:t>loøng ñaïi töø Ngaøi </a:t>
+              <a:rPr lang="en-US" sz="6600" b="1" dirty="0" err="1">
+                <a:solidFill>
+                  <a:sysClr val="windowText" lastClr="000000"/>
+                </a:solidFill>
+                <a:effectLst>
+                  <a:glow rad="127000">
+                    <a:schemeClr val="bg1"/>
+                  </a:glow>
+                </a:effectLst>
+                <a:latin typeface="VNI-Times" pitchFamily="2" charset="0"/>
+              </a:rPr>
+              <a:t>loøng</a:t>
+            </a:r>
+            <a:r>
+              <a:rPr lang="en-US" sz="6600" b="1" dirty="0">
+                <a:solidFill>
+                  <a:sysClr val="windowText" lastClr="000000"/>
+                </a:solidFill>
+                <a:effectLst>
+                  <a:glow rad="127000">
+                    <a:schemeClr val="bg1"/>
+                  </a:glow>
+                </a:effectLst>
+                <a:latin typeface="VNI-Times" pitchFamily="2" charset="0"/>
+              </a:rPr>
+              <a:t> </a:t>
+            </a:r>
+            <a:r>
+              <a:rPr lang="en-US" sz="6600" b="1" dirty="0" err="1">
+                <a:solidFill>
+                  <a:sysClr val="windowText" lastClr="000000"/>
+                </a:solidFill>
+                <a:effectLst>
+                  <a:glow rad="127000">
+                    <a:schemeClr val="bg1"/>
+                  </a:glow>
+                </a:effectLst>
+                <a:latin typeface="VNI-Times" pitchFamily="2" charset="0"/>
+              </a:rPr>
+              <a:t>ñaïi</a:t>
+            </a:r>
+            <a:r>
+              <a:rPr lang="en-US" sz="6600" b="1" dirty="0">
+                <a:solidFill>
+                  <a:sysClr val="windowText" lastClr="000000"/>
+                </a:solidFill>
+                <a:effectLst>
+                  <a:glow rad="127000">
+                    <a:schemeClr val="bg1"/>
+                  </a:glow>
+                </a:effectLst>
+                <a:latin typeface="VNI-Times" pitchFamily="2" charset="0"/>
+              </a:rPr>
+              <a:t> </a:t>
+            </a:r>
+            <a:r>
+              <a:rPr lang="en-US" sz="6600" b="1" dirty="0" err="1">
+                <a:solidFill>
+                  <a:sysClr val="windowText" lastClr="000000"/>
+                </a:solidFill>
+                <a:effectLst>
+                  <a:glow rad="127000">
+                    <a:schemeClr val="bg1"/>
+                  </a:glow>
+                </a:effectLst>
+                <a:latin typeface="VNI-Times" pitchFamily="2" charset="0"/>
+              </a:rPr>
+              <a:t>töø</a:t>
+            </a:r>
+            <a:r>
+              <a:rPr lang="en-US" sz="6600" b="1" dirty="0">
+                <a:solidFill>
+                  <a:sysClr val="windowText" lastClr="000000"/>
+                </a:solidFill>
+                <a:effectLst>
+                  <a:glow rad="127000">
+                    <a:schemeClr val="bg1"/>
+                  </a:glow>
+                </a:effectLst>
+                <a:latin typeface="VNI-Times" pitchFamily="2" charset="0"/>
+              </a:rPr>
+              <a:t> </a:t>
+            </a:r>
+            <a:r>
+              <a:rPr lang="en-US" sz="6600" b="1" dirty="0" err="1">
+                <a:solidFill>
+                  <a:sysClr val="windowText" lastClr="000000"/>
+                </a:solidFill>
+                <a:effectLst>
+                  <a:glow rad="127000">
+                    <a:schemeClr val="bg1"/>
+                  </a:glow>
+                </a:effectLst>
+                <a:latin typeface="VNI-Times" pitchFamily="2" charset="0"/>
+              </a:rPr>
+              <a:t>Ngaøi</a:t>
+            </a:r>
+            <a:r>
+              <a:rPr lang="en-US" sz="6600" b="1" dirty="0">
+                <a:solidFill>
+                  <a:sysClr val="windowText" lastClr="000000"/>
+                </a:solidFill>
+                <a:effectLst>
+                  <a:glow rad="127000">
+                    <a:schemeClr val="bg1"/>
+                  </a:glow>
+                </a:effectLst>
+                <a:latin typeface="VNI-Times" pitchFamily="2" charset="0"/>
+              </a:rPr>
+              <a:t> </a:t>
             </a:r>
             <a:br>
-              <a:rPr lang="en-US" sz="6600" b="1" smtClean="0">
-                <a:solidFill>
-                  <a:sysClr val="windowText" lastClr="000000"/>
-                </a:solidFill>
-                <a:effectLst>
-                  <a:glow rad="127000">
-                    <a:schemeClr val="bg1"/>
-                  </a:glow>
-                </a:effectLst>
-                <a:latin typeface="VNI-Aptima" pitchFamily="2" charset="0"/>
+              <a:rPr lang="en-US" sz="6600" b="1" dirty="0">
+                <a:solidFill>
+                  <a:sysClr val="windowText" lastClr="000000"/>
+                </a:solidFill>
+                <a:effectLst>
+                  <a:glow rad="127000">
+                    <a:schemeClr val="bg1"/>
+                  </a:glow>
+                </a:effectLst>
+                <a:latin typeface="VNI-Times" pitchFamily="2" charset="0"/>
               </a:rPr>
             </a:br>
             <a:r>
-              <a:rPr lang="en-US" sz="6600" b="1" smtClean="0">
-                <a:solidFill>
-                  <a:sysClr val="windowText" lastClr="000000"/>
-                </a:solidFill>
-                <a:effectLst>
-                  <a:glow rad="127000">
-                    <a:schemeClr val="bg1"/>
-                  </a:glow>
-                </a:effectLst>
-                <a:latin typeface="VNI-Aptima" pitchFamily="2" charset="0"/>
-              </a:rPr>
-              <a:t>laï thay!</a:t>
-            </a:r>
-            <a:endParaRPr lang="en-US" sz="6600" b="1">
+              <a:rPr lang="en-US" sz="6600" b="1" dirty="0" err="1">
+                <a:solidFill>
+                  <a:sysClr val="windowText" lastClr="000000"/>
+                </a:solidFill>
+                <a:effectLst>
+                  <a:glow rad="127000">
+                    <a:schemeClr val="bg1"/>
+                  </a:glow>
+                </a:effectLst>
+                <a:latin typeface="VNI-Times" pitchFamily="2" charset="0"/>
+              </a:rPr>
+              <a:t>laï</a:t>
+            </a:r>
+            <a:r>
+              <a:rPr lang="en-US" sz="6600" b="1" dirty="0">
+                <a:solidFill>
+                  <a:sysClr val="windowText" lastClr="000000"/>
+                </a:solidFill>
+                <a:effectLst>
+                  <a:glow rad="127000">
+                    <a:schemeClr val="bg1"/>
+                  </a:glow>
+                </a:effectLst>
+                <a:latin typeface="VNI-Times" pitchFamily="2" charset="0"/>
+              </a:rPr>
+              <a:t> </a:t>
+            </a:r>
+            <a:r>
+              <a:rPr lang="en-US" sz="6600" b="1" dirty="0" err="1">
+                <a:solidFill>
+                  <a:sysClr val="windowText" lastClr="000000"/>
+                </a:solidFill>
+                <a:effectLst>
+                  <a:glow rad="127000">
+                    <a:schemeClr val="bg1"/>
+                  </a:glow>
+                </a:effectLst>
+                <a:latin typeface="VNI-Times" pitchFamily="2" charset="0"/>
+              </a:rPr>
+              <a:t>thay</a:t>
+            </a:r>
+            <a:r>
+              <a:rPr lang="en-US" sz="6600" b="1" dirty="0">
+                <a:solidFill>
+                  <a:sysClr val="windowText" lastClr="000000"/>
+                </a:solidFill>
+                <a:effectLst>
+                  <a:glow rad="127000">
+                    <a:schemeClr val="bg1"/>
+                  </a:glow>
+                </a:effectLst>
+                <a:latin typeface="VNI-Times" pitchFamily="2" charset="0"/>
+              </a:rPr>
+              <a:t>!</a:t>
+            </a:r>
+            <a:endParaRPr lang="en-US" sz="6600" b="1" dirty="0">
               <a:solidFill>
                 <a:prstClr val="black"/>
               </a:solidFill>
@@ -2479,7 +3464,7 @@
                   </a:prstClr>
                 </a:glow>
               </a:effectLst>
-              <a:latin typeface="VNI-Aptima" pitchFamily="2" charset="0"/>
+              <a:latin typeface="VNI-Times" pitchFamily="2" charset="0"/>
             </a:endParaRPr>
           </a:p>
         </p:txBody>
@@ -2494,21 +3479,6 @@
   <p:clrMapOvr>
     <a:overrideClrMapping bg1="lt1" tx1="dk1" bg2="lt2" tx2="dk2" accent1="accent1" accent2="accent2" accent3="accent3" accent4="accent4" accent5="accent5" accent6="accent6" hlink="hlink" folHlink="folHlink"/>
   </p:clrMapOvr>
-  <mc:AlternateContent xmlns:mc="http://schemas.openxmlformats.org/markup-compatibility/2006" xmlns:p14="http://schemas.microsoft.com/office/powerpoint/2010/main">
-    <mc:Choice Requires="p14">
-      <p:transition p14:dur="0"/>
-    </mc:Choice>
-    <mc:Fallback xmlns="">
-      <p:transition/>
-    </mc:Fallback>
-  </mc:AlternateContent>
-  <p:timing>
-    <p:tnLst>
-      <p:par>
-        <p:cTn id="1" dur="indefinite" restart="never" nodeType="tmRoot"/>
-      </p:par>
-    </p:tnLst>
-  </p:timing>
 </p:sld>
 </file>
 
@@ -2567,7 +3537,7 @@
           <a:p>
             <a:pPr algn="ctr"/>
             <a:r>
-              <a:rPr lang="en-US" sz="3200" smtClean="0">
+              <a:rPr lang="en-US" sz="3200" dirty="0">
                 <a:solidFill>
                   <a:srgbClr val="C00000"/>
                 </a:solidFill>
@@ -2576,7 +3546,7 @@
                     <a:prstClr val="white"/>
                   </a:glow>
                 </a:effectLst>
-                <a:latin typeface="VNI-Bandit" pitchFamily="2" charset="0"/>
+                <a:latin typeface="VNI-Times Normal" pitchFamily="2" charset="0"/>
               </a:rPr>
               <a:t>THAÙNH CA 54 – PHÖÔÙC CHO NHAÂN LOAÏI</a:t>
             </a:r>
@@ -2607,101 +3577,381 @@
           <a:p>
             <a:pPr algn="ctr"/>
             <a:r>
-              <a:rPr lang="en-US" sz="6600" b="1" smtClean="0">
-                <a:solidFill>
-                  <a:sysClr val="windowText" lastClr="000000"/>
-                </a:solidFill>
-                <a:effectLst>
-                  <a:glow rad="127000">
-                    <a:schemeClr val="bg1"/>
-                  </a:glow>
-                </a:effectLst>
-                <a:latin typeface="VNI-Aptima" pitchFamily="2" charset="0"/>
-              </a:rPr>
-              <a:t>Loøng ñaïi töø </a:t>
+              <a:rPr lang="en-US" sz="6600" b="1" dirty="0" err="1">
+                <a:solidFill>
+                  <a:sysClr val="windowText" lastClr="000000"/>
+                </a:solidFill>
+                <a:effectLst>
+                  <a:glow rad="127000">
+                    <a:schemeClr val="bg1"/>
+                  </a:glow>
+                </a:effectLst>
+                <a:latin typeface="VNI-Times" pitchFamily="2" charset="0"/>
+              </a:rPr>
+              <a:t>Loøng</a:t>
+            </a:r>
+            <a:r>
+              <a:rPr lang="en-US" sz="6600" b="1" dirty="0">
+                <a:solidFill>
+                  <a:sysClr val="windowText" lastClr="000000"/>
+                </a:solidFill>
+                <a:effectLst>
+                  <a:glow rad="127000">
+                    <a:schemeClr val="bg1"/>
+                  </a:glow>
+                </a:effectLst>
+                <a:latin typeface="VNI-Times" pitchFamily="2" charset="0"/>
+              </a:rPr>
+              <a:t> </a:t>
+            </a:r>
+            <a:r>
+              <a:rPr lang="en-US" sz="6600" b="1" dirty="0" err="1">
+                <a:solidFill>
+                  <a:sysClr val="windowText" lastClr="000000"/>
+                </a:solidFill>
+                <a:effectLst>
+                  <a:glow rad="127000">
+                    <a:schemeClr val="bg1"/>
+                  </a:glow>
+                </a:effectLst>
+                <a:latin typeface="VNI-Times" pitchFamily="2" charset="0"/>
+              </a:rPr>
+              <a:t>ñaïi</a:t>
+            </a:r>
+            <a:r>
+              <a:rPr lang="en-US" sz="6600" b="1" dirty="0">
+                <a:solidFill>
+                  <a:sysClr val="windowText" lastClr="000000"/>
+                </a:solidFill>
+                <a:effectLst>
+                  <a:glow rad="127000">
+                    <a:schemeClr val="bg1"/>
+                  </a:glow>
+                </a:effectLst>
+                <a:latin typeface="VNI-Times" pitchFamily="2" charset="0"/>
+              </a:rPr>
+              <a:t> </a:t>
+            </a:r>
+            <a:r>
+              <a:rPr lang="en-US" sz="6600" b="1" dirty="0" err="1">
+                <a:solidFill>
+                  <a:sysClr val="windowText" lastClr="000000"/>
+                </a:solidFill>
+                <a:effectLst>
+                  <a:glow rad="127000">
+                    <a:schemeClr val="bg1"/>
+                  </a:glow>
+                </a:effectLst>
+                <a:latin typeface="VNI-Times" pitchFamily="2" charset="0"/>
+              </a:rPr>
+              <a:t>töø</a:t>
+            </a:r>
+            <a:r>
+              <a:rPr lang="en-US" sz="6600" b="1" dirty="0">
+                <a:solidFill>
+                  <a:sysClr val="windowText" lastClr="000000"/>
+                </a:solidFill>
+                <a:effectLst>
+                  <a:glow rad="127000">
+                    <a:schemeClr val="bg1"/>
+                  </a:glow>
+                </a:effectLst>
+                <a:latin typeface="VNI-Times" pitchFamily="2" charset="0"/>
+              </a:rPr>
+              <a:t> </a:t>
             </a:r>
             <a:br>
-              <a:rPr lang="en-US" sz="6600" b="1" smtClean="0">
-                <a:solidFill>
-                  <a:sysClr val="windowText" lastClr="000000"/>
-                </a:solidFill>
-                <a:effectLst>
-                  <a:glow rad="127000">
-                    <a:schemeClr val="bg1"/>
-                  </a:glow>
-                </a:effectLst>
-                <a:latin typeface="VNI-Aptima" pitchFamily="2" charset="0"/>
+              <a:rPr lang="en-US" sz="6600" b="1" dirty="0">
+                <a:solidFill>
+                  <a:sysClr val="windowText" lastClr="000000"/>
+                </a:solidFill>
+                <a:effectLst>
+                  <a:glow rad="127000">
+                    <a:schemeClr val="bg1"/>
+                  </a:glow>
+                </a:effectLst>
+                <a:latin typeface="VNI-Times" pitchFamily="2" charset="0"/>
               </a:rPr>
             </a:br>
             <a:r>
-              <a:rPr lang="en-US" sz="6600" b="1" smtClean="0">
-                <a:solidFill>
-                  <a:sysClr val="windowText" lastClr="000000"/>
-                </a:solidFill>
-                <a:effectLst>
-                  <a:glow rad="127000">
-                    <a:schemeClr val="bg1"/>
-                  </a:glow>
-                </a:effectLst>
-                <a:latin typeface="VNI-Aptima" pitchFamily="2" charset="0"/>
-              </a:rPr>
-              <a:t>Ngaøi laï thay!</a:t>
+              <a:rPr lang="en-US" sz="6600" b="1" dirty="0" err="1">
+                <a:solidFill>
+                  <a:sysClr val="windowText" lastClr="000000"/>
+                </a:solidFill>
+                <a:effectLst>
+                  <a:glow rad="127000">
+                    <a:schemeClr val="bg1"/>
+                  </a:glow>
+                </a:effectLst>
+                <a:latin typeface="VNI-Times" pitchFamily="2" charset="0"/>
+              </a:rPr>
+              <a:t>Ngaøi</a:t>
+            </a:r>
+            <a:r>
+              <a:rPr lang="en-US" sz="6600" b="1" dirty="0">
+                <a:solidFill>
+                  <a:sysClr val="windowText" lastClr="000000"/>
+                </a:solidFill>
+                <a:effectLst>
+                  <a:glow rad="127000">
+                    <a:schemeClr val="bg1"/>
+                  </a:glow>
+                </a:effectLst>
+                <a:latin typeface="VNI-Times" pitchFamily="2" charset="0"/>
+              </a:rPr>
+              <a:t> </a:t>
+            </a:r>
+            <a:r>
+              <a:rPr lang="en-US" sz="6600" b="1" dirty="0" err="1">
+                <a:solidFill>
+                  <a:sysClr val="windowText" lastClr="000000"/>
+                </a:solidFill>
+                <a:effectLst>
+                  <a:glow rad="127000">
+                    <a:schemeClr val="bg1"/>
+                  </a:glow>
+                </a:effectLst>
+                <a:latin typeface="VNI-Times" pitchFamily="2" charset="0"/>
+              </a:rPr>
+              <a:t>laï</a:t>
+            </a:r>
+            <a:r>
+              <a:rPr lang="en-US" sz="6600" b="1" dirty="0">
+                <a:solidFill>
+                  <a:sysClr val="windowText" lastClr="000000"/>
+                </a:solidFill>
+                <a:effectLst>
+                  <a:glow rad="127000">
+                    <a:schemeClr val="bg1"/>
+                  </a:glow>
+                </a:effectLst>
+                <a:latin typeface="VNI-Times" pitchFamily="2" charset="0"/>
+              </a:rPr>
+              <a:t> </a:t>
+            </a:r>
+            <a:r>
+              <a:rPr lang="en-US" sz="6600" b="1" dirty="0" err="1">
+                <a:solidFill>
+                  <a:sysClr val="windowText" lastClr="000000"/>
+                </a:solidFill>
+                <a:effectLst>
+                  <a:glow rad="127000">
+                    <a:schemeClr val="bg1"/>
+                  </a:glow>
+                </a:effectLst>
+                <a:latin typeface="VNI-Times" pitchFamily="2" charset="0"/>
+              </a:rPr>
+              <a:t>thay</a:t>
+            </a:r>
+            <a:r>
+              <a:rPr lang="en-US" sz="6600" b="1" dirty="0">
+                <a:solidFill>
+                  <a:sysClr val="windowText" lastClr="000000"/>
+                </a:solidFill>
+                <a:effectLst>
+                  <a:glow rad="127000">
+                    <a:schemeClr val="bg1"/>
+                  </a:glow>
+                </a:effectLst>
+                <a:latin typeface="VNI-Times" pitchFamily="2" charset="0"/>
+              </a:rPr>
+              <a:t>!</a:t>
             </a:r>
             <a:br>
-              <a:rPr lang="en-US" sz="6600" b="1" smtClean="0">
-                <a:solidFill>
-                  <a:sysClr val="windowText" lastClr="000000"/>
-                </a:solidFill>
-                <a:effectLst>
-                  <a:glow rad="127000">
-                    <a:schemeClr val="bg1"/>
-                  </a:glow>
-                </a:effectLst>
-                <a:latin typeface="VNI-Aptima" pitchFamily="2" charset="0"/>
+              <a:rPr lang="en-US" sz="6600" b="1" dirty="0">
+                <a:solidFill>
+                  <a:sysClr val="windowText" lastClr="000000"/>
+                </a:solidFill>
+                <a:effectLst>
+                  <a:glow rad="127000">
+                    <a:schemeClr val="bg1"/>
+                  </a:glow>
+                </a:effectLst>
+                <a:latin typeface="VNI-Times" pitchFamily="2" charset="0"/>
               </a:rPr>
             </a:br>
             <a:r>
-              <a:rPr lang="en-US" sz="6600" b="1" smtClean="0">
-                <a:solidFill>
-                  <a:sysClr val="windowText" lastClr="000000"/>
-                </a:solidFill>
-                <a:effectLst>
-                  <a:glow rad="127000">
-                    <a:schemeClr val="bg1"/>
-                  </a:glow>
-                </a:effectLst>
-                <a:latin typeface="VNI-Aptima" pitchFamily="2" charset="0"/>
-              </a:rPr>
-              <a:t>Töø aùi Chuùa ta </a:t>
+              <a:rPr lang="en-US" sz="6600" b="1" dirty="0" err="1">
+                <a:solidFill>
+                  <a:sysClr val="windowText" lastClr="000000"/>
+                </a:solidFill>
+                <a:effectLst>
+                  <a:glow rad="127000">
+                    <a:schemeClr val="bg1"/>
+                  </a:glow>
+                </a:effectLst>
+                <a:latin typeface="VNI-Times" pitchFamily="2" charset="0"/>
+              </a:rPr>
+              <a:t>Töø</a:t>
+            </a:r>
+            <a:r>
+              <a:rPr lang="en-US" sz="6600" b="1" dirty="0">
+                <a:solidFill>
+                  <a:sysClr val="windowText" lastClr="000000"/>
+                </a:solidFill>
+                <a:effectLst>
+                  <a:glow rad="127000">
+                    <a:schemeClr val="bg1"/>
+                  </a:glow>
+                </a:effectLst>
+                <a:latin typeface="VNI-Times" pitchFamily="2" charset="0"/>
+              </a:rPr>
+              <a:t> </a:t>
+            </a:r>
+            <a:r>
+              <a:rPr lang="en-US" sz="6600" b="1" dirty="0" err="1">
+                <a:solidFill>
+                  <a:sysClr val="windowText" lastClr="000000"/>
+                </a:solidFill>
+                <a:effectLst>
+                  <a:glow rad="127000">
+                    <a:schemeClr val="bg1"/>
+                  </a:glow>
+                </a:effectLst>
+                <a:latin typeface="VNI-Times" pitchFamily="2" charset="0"/>
+              </a:rPr>
+              <a:t>aùi</a:t>
+            </a:r>
+            <a:r>
+              <a:rPr lang="en-US" sz="6600" b="1" dirty="0">
+                <a:solidFill>
+                  <a:sysClr val="windowText" lastClr="000000"/>
+                </a:solidFill>
+                <a:effectLst>
+                  <a:glow rad="127000">
+                    <a:schemeClr val="bg1"/>
+                  </a:glow>
+                </a:effectLst>
+                <a:latin typeface="VNI-Times" pitchFamily="2" charset="0"/>
+              </a:rPr>
+              <a:t> </a:t>
+            </a:r>
+            <a:r>
+              <a:rPr lang="en-US" sz="6600" b="1" dirty="0" err="1">
+                <a:solidFill>
+                  <a:sysClr val="windowText" lastClr="000000"/>
+                </a:solidFill>
+                <a:effectLst>
+                  <a:glow rad="127000">
+                    <a:schemeClr val="bg1"/>
+                  </a:glow>
+                </a:effectLst>
+                <a:latin typeface="VNI-Times" pitchFamily="2" charset="0"/>
+              </a:rPr>
+              <a:t>Chuùa</a:t>
+            </a:r>
+            <a:r>
+              <a:rPr lang="en-US" sz="6600" b="1" dirty="0">
+                <a:solidFill>
+                  <a:sysClr val="windowText" lastClr="000000"/>
+                </a:solidFill>
+                <a:effectLst>
+                  <a:glow rad="127000">
+                    <a:schemeClr val="bg1"/>
+                  </a:glow>
+                </a:effectLst>
+                <a:latin typeface="VNI-Times" pitchFamily="2" charset="0"/>
+              </a:rPr>
+              <a:t> ta </a:t>
             </a:r>
             <a:br>
-              <a:rPr lang="en-US" sz="6600" b="1" smtClean="0">
-                <a:solidFill>
-                  <a:sysClr val="windowText" lastClr="000000"/>
-                </a:solidFill>
-                <a:effectLst>
-                  <a:glow rad="127000">
-                    <a:schemeClr val="bg1"/>
-                  </a:glow>
-                </a:effectLst>
-                <a:latin typeface="VNI-Aptima" pitchFamily="2" charset="0"/>
+              <a:rPr lang="en-US" sz="6600" b="1" dirty="0">
+                <a:solidFill>
+                  <a:sysClr val="windowText" lastClr="000000"/>
+                </a:solidFill>
+                <a:effectLst>
+                  <a:glow rad="127000">
+                    <a:schemeClr val="bg1"/>
+                  </a:glow>
+                </a:effectLst>
+                <a:latin typeface="VNI-Times" pitchFamily="2" charset="0"/>
               </a:rPr>
             </a:br>
             <a:r>
-              <a:rPr lang="en-US" sz="6600" b="1" smtClean="0">
-                <a:solidFill>
-                  <a:sysClr val="windowText" lastClr="000000"/>
-                </a:solidFill>
-                <a:effectLst>
-                  <a:glow rad="127000">
-                    <a:schemeClr val="bg1"/>
-                  </a:glow>
-                </a:effectLst>
-                <a:latin typeface="VNI-Aptima" pitchFamily="2" charset="0"/>
-              </a:rPr>
-              <a:t>coå kim ai taøy. </a:t>
-            </a:r>
-            <a:endParaRPr lang="en-US" sz="6600" b="1">
+              <a:rPr lang="en-US" sz="6600" b="1" dirty="0" err="1">
+                <a:solidFill>
+                  <a:sysClr val="windowText" lastClr="000000"/>
+                </a:solidFill>
+                <a:effectLst>
+                  <a:glow rad="127000">
+                    <a:schemeClr val="bg1"/>
+                  </a:glow>
+                </a:effectLst>
+                <a:latin typeface="VNI-Times" pitchFamily="2" charset="0"/>
+              </a:rPr>
+              <a:t>coå</a:t>
+            </a:r>
+            <a:r>
+              <a:rPr lang="en-US" sz="6600" b="1" dirty="0">
+                <a:solidFill>
+                  <a:sysClr val="windowText" lastClr="000000"/>
+                </a:solidFill>
+                <a:effectLst>
+                  <a:glow rad="127000">
+                    <a:schemeClr val="bg1"/>
+                  </a:glow>
+                </a:effectLst>
+                <a:latin typeface="VNI-Times" pitchFamily="2" charset="0"/>
+              </a:rPr>
+              <a:t> </a:t>
+            </a:r>
+            <a:r>
+              <a:rPr lang="en-US" sz="6600" b="1" dirty="0" err="1">
+                <a:solidFill>
+                  <a:sysClr val="windowText" lastClr="000000"/>
+                </a:solidFill>
+                <a:effectLst>
+                  <a:glow rad="127000">
+                    <a:schemeClr val="bg1"/>
+                  </a:glow>
+                </a:effectLst>
+                <a:latin typeface="VNI-Times" pitchFamily="2" charset="0"/>
+              </a:rPr>
+              <a:t>kim</a:t>
+            </a:r>
+            <a:r>
+              <a:rPr lang="en-US" sz="6600" b="1" dirty="0">
+                <a:solidFill>
+                  <a:sysClr val="windowText" lastClr="000000"/>
+                </a:solidFill>
+                <a:effectLst>
+                  <a:glow rad="127000">
+                    <a:schemeClr val="bg1"/>
+                  </a:glow>
+                </a:effectLst>
+                <a:latin typeface="VNI-Times" pitchFamily="2" charset="0"/>
+              </a:rPr>
+              <a:t> ai </a:t>
+            </a:r>
+            <a:r>
+              <a:rPr lang="en-US" sz="6600" b="1" dirty="0" err="1">
+                <a:solidFill>
+                  <a:sysClr val="windowText" lastClr="000000"/>
+                </a:solidFill>
+                <a:effectLst>
+                  <a:glow rad="127000">
+                    <a:schemeClr val="bg1"/>
+                  </a:glow>
+                </a:effectLst>
+                <a:latin typeface="VNI-Times" pitchFamily="2" charset="0"/>
+              </a:rPr>
+              <a:t>taøy</a:t>
+            </a:r>
+            <a:r>
+              <a:rPr lang="en-US" sz="6600" b="1" dirty="0">
+                <a:solidFill>
+                  <a:sysClr val="windowText" lastClr="000000"/>
+                </a:solidFill>
+                <a:effectLst>
+                  <a:glow rad="127000">
+                    <a:schemeClr val="bg1"/>
+                  </a:glow>
+                </a:effectLst>
+                <a:latin typeface="VNI-Times" pitchFamily="2" charset="0"/>
+              </a:rPr>
+              <a:t>. </a:t>
+            </a:r>
+            <a:endParaRPr lang="en-US" sz="6600" b="1" dirty="0">
               <a:solidFill>
                 <a:prstClr val="black"/>
               </a:solidFill>
@@ -2712,7 +3962,7 @@
                   </a:prstClr>
                 </a:glow>
               </a:effectLst>
-              <a:latin typeface="VNI-Aptima" pitchFamily="2" charset="0"/>
+              <a:latin typeface="VNI-Times" pitchFamily="2" charset="0"/>
             </a:endParaRPr>
           </a:p>
         </p:txBody>
@@ -2727,21 +3977,6 @@
   <p:clrMapOvr>
     <a:overrideClrMapping bg1="lt1" tx1="dk1" bg2="lt2" tx2="dk2" accent1="accent1" accent2="accent2" accent3="accent3" accent4="accent4" accent5="accent5" accent6="accent6" hlink="hlink" folHlink="folHlink"/>
   </p:clrMapOvr>
-  <mc:AlternateContent xmlns:mc="http://schemas.openxmlformats.org/markup-compatibility/2006" xmlns:p14="http://schemas.microsoft.com/office/powerpoint/2010/main">
-    <mc:Choice Requires="p14">
-      <p:transition p14:dur="0"/>
-    </mc:Choice>
-    <mc:Fallback xmlns="">
-      <p:transition/>
-    </mc:Fallback>
-  </mc:AlternateContent>
-  <p:timing>
-    <p:tnLst>
-      <p:par>
-        <p:cTn id="1" dur="indefinite" restart="never" nodeType="tmRoot"/>
-      </p:par>
-    </p:tnLst>
-  </p:timing>
 </p:sld>
 </file>
 
@@ -2786,7 +4021,7 @@
           <a:p>
             <a:pPr algn="ctr"/>
             <a:r>
-              <a:rPr lang="en-US" sz="3200" smtClean="0">
+              <a:rPr lang="en-US" sz="3200" dirty="0">
                 <a:solidFill>
                   <a:srgbClr val="C00000"/>
                 </a:solidFill>
@@ -2795,7 +4030,7 @@
                     <a:prstClr val="white"/>
                   </a:glow>
                 </a:effectLst>
-                <a:latin typeface="VNI-Bandit" pitchFamily="2" charset="0"/>
+                <a:latin typeface="VNI-Times Normal" pitchFamily="2" charset="0"/>
               </a:rPr>
               <a:t>THAÙNH CA 54 – PHÖÔÙC CHO NHAÂN LOAÏI</a:t>
             </a:r>
@@ -2826,7 +4061,7 @@
           <a:p>
             <a:pPr algn="ctr"/>
             <a:r>
-              <a:rPr lang="en-US" sz="4000" b="1">
+              <a:rPr lang="en-US" sz="4000" b="1" dirty="0">
                 <a:solidFill>
                   <a:sysClr val="windowText" lastClr="000000"/>
                 </a:solidFill>
@@ -2835,12 +4070,12 @@
                     <a:prstClr val="white"/>
                   </a:glow>
                 </a:effectLst>
-                <a:latin typeface="VNI-Aptima" pitchFamily="2" charset="0"/>
+                <a:latin typeface="VNI-Times" pitchFamily="2" charset="0"/>
               </a:rPr>
               <a:t>1.</a:t>
             </a:r>
             <a:r>
-              <a:rPr lang="en-US" sz="6600" b="1">
+              <a:rPr lang="en-US" sz="6600" b="1" dirty="0">
                 <a:solidFill>
                   <a:sysClr val="windowText" lastClr="000000"/>
                 </a:solidFill>
@@ -2849,106 +4084,386 @@
                     <a:prstClr val="white"/>
                   </a:glow>
                 </a:effectLst>
-                <a:latin typeface="VNI-Aptima" pitchFamily="2" charset="0"/>
-              </a:rPr>
-              <a:t> </a:t>
-            </a:r>
-            <a:r>
-              <a:rPr lang="en-US" sz="6600" b="1" smtClean="0">
-                <a:solidFill>
-                  <a:sysClr val="windowText" lastClr="000000"/>
-                </a:solidFill>
-                <a:effectLst>
-                  <a:glow rad="127000">
-                    <a:schemeClr val="bg1"/>
-                  </a:glow>
-                </a:effectLst>
-                <a:latin typeface="VNI-Aptima" pitchFamily="2" charset="0"/>
-              </a:rPr>
-              <a:t>Phöôùc cho nhaân </a:t>
+                <a:latin typeface="VNI-Times" pitchFamily="2" charset="0"/>
+              </a:rPr>
+              <a:t> </a:t>
+            </a:r>
+            <a:r>
+              <a:rPr lang="en-US" sz="6600" b="1" dirty="0" err="1">
+                <a:solidFill>
+                  <a:sysClr val="windowText" lastClr="000000"/>
+                </a:solidFill>
+                <a:effectLst>
+                  <a:glow rad="127000">
+                    <a:schemeClr val="bg1"/>
+                  </a:glow>
+                </a:effectLst>
+                <a:latin typeface="VNI-Times" pitchFamily="2" charset="0"/>
+              </a:rPr>
+              <a:t>Phöôùc</a:t>
+            </a:r>
+            <a:r>
+              <a:rPr lang="en-US" sz="6600" b="1" dirty="0">
+                <a:solidFill>
+                  <a:sysClr val="windowText" lastClr="000000"/>
+                </a:solidFill>
+                <a:effectLst>
+                  <a:glow rad="127000">
+                    <a:schemeClr val="bg1"/>
+                  </a:glow>
+                </a:effectLst>
+                <a:latin typeface="VNI-Times" pitchFamily="2" charset="0"/>
+              </a:rPr>
+              <a:t> </a:t>
+            </a:r>
+            <a:r>
+              <a:rPr lang="en-US" sz="6600" b="1" dirty="0" err="1">
+                <a:solidFill>
+                  <a:sysClr val="windowText" lastClr="000000"/>
+                </a:solidFill>
+                <a:effectLst>
+                  <a:glow rad="127000">
+                    <a:schemeClr val="bg1"/>
+                  </a:glow>
+                </a:effectLst>
+                <a:latin typeface="VNI-Times" pitchFamily="2" charset="0"/>
+              </a:rPr>
+              <a:t>cho</a:t>
+            </a:r>
+            <a:r>
+              <a:rPr lang="en-US" sz="6600" b="1" dirty="0">
+                <a:solidFill>
+                  <a:sysClr val="windowText" lastClr="000000"/>
+                </a:solidFill>
+                <a:effectLst>
+                  <a:glow rad="127000">
+                    <a:schemeClr val="bg1"/>
+                  </a:glow>
+                </a:effectLst>
+                <a:latin typeface="VNI-Times" pitchFamily="2" charset="0"/>
+              </a:rPr>
+              <a:t> </a:t>
+            </a:r>
+            <a:r>
+              <a:rPr lang="en-US" sz="6600" b="1" dirty="0" err="1">
+                <a:solidFill>
+                  <a:sysClr val="windowText" lastClr="000000"/>
+                </a:solidFill>
+                <a:effectLst>
+                  <a:glow rad="127000">
+                    <a:schemeClr val="bg1"/>
+                  </a:glow>
+                </a:effectLst>
+                <a:latin typeface="VNI-Times" pitchFamily="2" charset="0"/>
+              </a:rPr>
+              <a:t>nhaân</a:t>
+            </a:r>
+            <a:r>
+              <a:rPr lang="en-US" sz="6600" b="1" dirty="0">
+                <a:solidFill>
+                  <a:sysClr val="windowText" lastClr="000000"/>
+                </a:solidFill>
+                <a:effectLst>
+                  <a:glow rad="127000">
+                    <a:schemeClr val="bg1"/>
+                  </a:glow>
+                </a:effectLst>
+                <a:latin typeface="VNI-Times" pitchFamily="2" charset="0"/>
+              </a:rPr>
+              <a:t> </a:t>
             </a:r>
             <a:br>
-              <a:rPr lang="en-US" sz="6600" b="1" smtClean="0">
-                <a:solidFill>
-                  <a:sysClr val="windowText" lastClr="000000"/>
-                </a:solidFill>
-                <a:effectLst>
-                  <a:glow rad="127000">
-                    <a:schemeClr val="bg1"/>
-                  </a:glow>
-                </a:effectLst>
-                <a:latin typeface="VNI-Aptima" pitchFamily="2" charset="0"/>
+              <a:rPr lang="en-US" sz="6600" b="1" dirty="0">
+                <a:solidFill>
+                  <a:sysClr val="windowText" lastClr="000000"/>
+                </a:solidFill>
+                <a:effectLst>
+                  <a:glow rad="127000">
+                    <a:schemeClr val="bg1"/>
+                  </a:glow>
+                </a:effectLst>
+                <a:latin typeface="VNI-Times" pitchFamily="2" charset="0"/>
               </a:rPr>
             </a:br>
             <a:r>
-              <a:rPr lang="en-US" sz="6600" b="1" smtClean="0">
-                <a:solidFill>
-                  <a:sysClr val="windowText" lastClr="000000"/>
-                </a:solidFill>
-                <a:effectLst>
-                  <a:glow rad="127000">
-                    <a:schemeClr val="bg1"/>
-                  </a:glow>
-                </a:effectLst>
-                <a:latin typeface="VNI-Aptima" pitchFamily="2" charset="0"/>
-              </a:rPr>
-              <a:t>loaïi! Chuùa ta ra ñôøi:</a:t>
+              <a:rPr lang="en-US" sz="6600" b="1" dirty="0" err="1">
+                <a:solidFill>
+                  <a:sysClr val="windowText" lastClr="000000"/>
+                </a:solidFill>
+                <a:effectLst>
+                  <a:glow rad="127000">
+                    <a:schemeClr val="bg1"/>
+                  </a:glow>
+                </a:effectLst>
+                <a:latin typeface="VNI-Times" pitchFamily="2" charset="0"/>
+              </a:rPr>
+              <a:t>loaïi</a:t>
+            </a:r>
+            <a:r>
+              <a:rPr lang="en-US" sz="6600" b="1" dirty="0">
+                <a:solidFill>
+                  <a:sysClr val="windowText" lastClr="000000"/>
+                </a:solidFill>
+                <a:effectLst>
+                  <a:glow rad="127000">
+                    <a:schemeClr val="bg1"/>
+                  </a:glow>
+                </a:effectLst>
+                <a:latin typeface="VNI-Times" pitchFamily="2" charset="0"/>
+              </a:rPr>
+              <a:t>! </a:t>
+            </a:r>
+            <a:r>
+              <a:rPr lang="en-US" sz="6600" b="1" dirty="0" err="1">
+                <a:solidFill>
+                  <a:sysClr val="windowText" lastClr="000000"/>
+                </a:solidFill>
+                <a:effectLst>
+                  <a:glow rad="127000">
+                    <a:schemeClr val="bg1"/>
+                  </a:glow>
+                </a:effectLst>
+                <a:latin typeface="VNI-Times" pitchFamily="2" charset="0"/>
+              </a:rPr>
+              <a:t>Chuùa</a:t>
+            </a:r>
+            <a:r>
+              <a:rPr lang="en-US" sz="6600" b="1" dirty="0">
+                <a:solidFill>
+                  <a:sysClr val="windowText" lastClr="000000"/>
+                </a:solidFill>
+                <a:effectLst>
+                  <a:glow rad="127000">
+                    <a:schemeClr val="bg1"/>
+                  </a:glow>
+                </a:effectLst>
+                <a:latin typeface="VNI-Times" pitchFamily="2" charset="0"/>
+              </a:rPr>
+              <a:t> ta ra </a:t>
+            </a:r>
+            <a:r>
+              <a:rPr lang="en-US" sz="6600" b="1" dirty="0" err="1">
+                <a:solidFill>
+                  <a:sysClr val="windowText" lastClr="000000"/>
+                </a:solidFill>
+                <a:effectLst>
+                  <a:glow rad="127000">
+                    <a:schemeClr val="bg1"/>
+                  </a:glow>
+                </a:effectLst>
+                <a:latin typeface="VNI-Times" pitchFamily="2" charset="0"/>
+              </a:rPr>
+              <a:t>ñôøi</a:t>
+            </a:r>
+            <a:r>
+              <a:rPr lang="en-US" sz="6600" b="1" dirty="0">
+                <a:solidFill>
+                  <a:sysClr val="windowText" lastClr="000000"/>
+                </a:solidFill>
+                <a:effectLst>
+                  <a:glow rad="127000">
+                    <a:schemeClr val="bg1"/>
+                  </a:glow>
+                </a:effectLst>
+                <a:latin typeface="VNI-Times" pitchFamily="2" charset="0"/>
+              </a:rPr>
+              <a:t>:</a:t>
             </a:r>
             <a:br>
-              <a:rPr lang="en-US" sz="6600" b="1" smtClean="0">
-                <a:solidFill>
-                  <a:sysClr val="windowText" lastClr="000000"/>
-                </a:solidFill>
-                <a:effectLst>
-                  <a:glow rad="127000">
-                    <a:schemeClr val="bg1"/>
-                  </a:glow>
-                </a:effectLst>
-                <a:latin typeface="VNI-Aptima" pitchFamily="2" charset="0"/>
+              <a:rPr lang="en-US" sz="6600" b="1" dirty="0">
+                <a:solidFill>
+                  <a:sysClr val="windowText" lastClr="000000"/>
+                </a:solidFill>
+                <a:effectLst>
+                  <a:glow rad="127000">
+                    <a:schemeClr val="bg1"/>
+                  </a:glow>
+                </a:effectLst>
+                <a:latin typeface="VNI-Times" pitchFamily="2" charset="0"/>
               </a:rPr>
             </a:br>
             <a:r>
-              <a:rPr lang="en-US" sz="6600" b="1" smtClean="0">
-                <a:solidFill>
-                  <a:sysClr val="windowText" lastClr="000000"/>
-                </a:solidFill>
-                <a:effectLst>
-                  <a:glow rad="127000">
-                    <a:schemeClr val="bg1"/>
-                  </a:glow>
-                </a:effectLst>
-                <a:latin typeface="VNI-Aptima" pitchFamily="2" charset="0"/>
-              </a:rPr>
-              <a:t>Traàn gian nghinh </a:t>
+              <a:rPr lang="en-US" sz="6600" b="1" dirty="0" err="1">
+                <a:solidFill>
+                  <a:sysClr val="windowText" lastClr="000000"/>
+                </a:solidFill>
+                <a:effectLst>
+                  <a:glow rad="127000">
+                    <a:schemeClr val="bg1"/>
+                  </a:glow>
+                </a:effectLst>
+                <a:latin typeface="VNI-Times" pitchFamily="2" charset="0"/>
+              </a:rPr>
+              <a:t>Traàn</a:t>
+            </a:r>
+            <a:r>
+              <a:rPr lang="en-US" sz="6600" b="1" dirty="0">
+                <a:solidFill>
+                  <a:sysClr val="windowText" lastClr="000000"/>
+                </a:solidFill>
+                <a:effectLst>
+                  <a:glow rad="127000">
+                    <a:schemeClr val="bg1"/>
+                  </a:glow>
+                </a:effectLst>
+                <a:latin typeface="VNI-Times" pitchFamily="2" charset="0"/>
+              </a:rPr>
+              <a:t> </a:t>
+            </a:r>
+            <a:r>
+              <a:rPr lang="en-US" sz="6600" b="1" dirty="0" err="1">
+                <a:solidFill>
+                  <a:sysClr val="windowText" lastClr="000000"/>
+                </a:solidFill>
+                <a:effectLst>
+                  <a:glow rad="127000">
+                    <a:schemeClr val="bg1"/>
+                  </a:glow>
+                </a:effectLst>
+                <a:latin typeface="VNI-Times" pitchFamily="2" charset="0"/>
+              </a:rPr>
+              <a:t>gian</a:t>
+            </a:r>
+            <a:r>
+              <a:rPr lang="en-US" sz="6600" b="1" dirty="0">
+                <a:solidFill>
+                  <a:sysClr val="windowText" lastClr="000000"/>
+                </a:solidFill>
+                <a:effectLst>
+                  <a:glow rad="127000">
+                    <a:schemeClr val="bg1"/>
+                  </a:glow>
+                </a:effectLst>
+                <a:latin typeface="VNI-Times" pitchFamily="2" charset="0"/>
+              </a:rPr>
+              <a:t> </a:t>
+            </a:r>
+            <a:r>
+              <a:rPr lang="en-US" sz="6600" b="1" dirty="0" err="1">
+                <a:solidFill>
+                  <a:sysClr val="windowText" lastClr="000000"/>
+                </a:solidFill>
+                <a:effectLst>
+                  <a:glow rad="127000">
+                    <a:schemeClr val="bg1"/>
+                  </a:glow>
+                </a:effectLst>
+                <a:latin typeface="VNI-Times" pitchFamily="2" charset="0"/>
+              </a:rPr>
+              <a:t>nghinh</a:t>
+            </a:r>
+            <a:r>
+              <a:rPr lang="en-US" sz="6600" b="1" dirty="0">
+                <a:solidFill>
+                  <a:sysClr val="windowText" lastClr="000000"/>
+                </a:solidFill>
+                <a:effectLst>
+                  <a:glow rad="127000">
+                    <a:schemeClr val="bg1"/>
+                  </a:glow>
+                </a:effectLst>
+                <a:latin typeface="VNI-Times" pitchFamily="2" charset="0"/>
+              </a:rPr>
+              <a:t> </a:t>
             </a:r>
             <a:br>
-              <a:rPr lang="en-US" sz="6600" b="1" smtClean="0">
-                <a:solidFill>
-                  <a:sysClr val="windowText" lastClr="000000"/>
-                </a:solidFill>
-                <a:effectLst>
-                  <a:glow rad="127000">
-                    <a:schemeClr val="bg1"/>
-                  </a:glow>
-                </a:effectLst>
-                <a:latin typeface="VNI-Aptima" pitchFamily="2" charset="0"/>
+              <a:rPr lang="en-US" sz="6600" b="1" dirty="0">
+                <a:solidFill>
+                  <a:sysClr val="windowText" lastClr="000000"/>
+                </a:solidFill>
+                <a:effectLst>
+                  <a:glow rad="127000">
+                    <a:schemeClr val="bg1"/>
+                  </a:glow>
+                </a:effectLst>
+                <a:latin typeface="VNI-Times" pitchFamily="2" charset="0"/>
               </a:rPr>
             </a:br>
             <a:r>
-              <a:rPr lang="en-US" sz="6600" b="1" smtClean="0">
-                <a:solidFill>
-                  <a:sysClr val="windowText" lastClr="000000"/>
-                </a:solidFill>
-                <a:effectLst>
-                  <a:glow rad="127000">
-                    <a:schemeClr val="bg1"/>
-                  </a:glow>
-                </a:effectLst>
-                <a:latin typeface="VNI-Aptima" pitchFamily="2" charset="0"/>
-              </a:rPr>
-              <a:t>Vua voâ ñoái.</a:t>
-            </a:r>
-            <a:endParaRPr lang="en-US" sz="6600" b="1">
+              <a:rPr lang="en-US" sz="6600" b="1" dirty="0" err="1">
+                <a:solidFill>
+                  <a:sysClr val="windowText" lastClr="000000"/>
+                </a:solidFill>
+                <a:effectLst>
+                  <a:glow rad="127000">
+                    <a:schemeClr val="bg1"/>
+                  </a:glow>
+                </a:effectLst>
+                <a:latin typeface="VNI-Times" pitchFamily="2" charset="0"/>
+              </a:rPr>
+              <a:t>Vua</a:t>
+            </a:r>
+            <a:r>
+              <a:rPr lang="en-US" sz="6600" b="1" dirty="0">
+                <a:solidFill>
+                  <a:sysClr val="windowText" lastClr="000000"/>
+                </a:solidFill>
+                <a:effectLst>
+                  <a:glow rad="127000">
+                    <a:schemeClr val="bg1"/>
+                  </a:glow>
+                </a:effectLst>
+                <a:latin typeface="VNI-Times" pitchFamily="2" charset="0"/>
+              </a:rPr>
+              <a:t> </a:t>
+            </a:r>
+            <a:r>
+              <a:rPr lang="en-US" sz="6600" b="1" dirty="0" err="1">
+                <a:solidFill>
+                  <a:sysClr val="windowText" lastClr="000000"/>
+                </a:solidFill>
+                <a:effectLst>
+                  <a:glow rad="127000">
+                    <a:schemeClr val="bg1"/>
+                  </a:glow>
+                </a:effectLst>
+                <a:latin typeface="VNI-Times" pitchFamily="2" charset="0"/>
+              </a:rPr>
+              <a:t>voâ</a:t>
+            </a:r>
+            <a:r>
+              <a:rPr lang="en-US" sz="6600" b="1" dirty="0">
+                <a:solidFill>
+                  <a:sysClr val="windowText" lastClr="000000"/>
+                </a:solidFill>
+                <a:effectLst>
+                  <a:glow rad="127000">
+                    <a:schemeClr val="bg1"/>
+                  </a:glow>
+                </a:effectLst>
+                <a:latin typeface="VNI-Times" pitchFamily="2" charset="0"/>
+              </a:rPr>
+              <a:t> </a:t>
+            </a:r>
+            <a:r>
+              <a:rPr lang="en-US" sz="6600" b="1" dirty="0" err="1">
+                <a:solidFill>
+                  <a:sysClr val="windowText" lastClr="000000"/>
+                </a:solidFill>
+                <a:effectLst>
+                  <a:glow rad="127000">
+                    <a:schemeClr val="bg1"/>
+                  </a:glow>
+                </a:effectLst>
+                <a:latin typeface="VNI-Times" pitchFamily="2" charset="0"/>
+              </a:rPr>
+              <a:t>ñoái</a:t>
+            </a:r>
+            <a:r>
+              <a:rPr lang="en-US" sz="6600" b="1" dirty="0">
+                <a:solidFill>
+                  <a:sysClr val="windowText" lastClr="000000"/>
+                </a:solidFill>
+                <a:effectLst>
+                  <a:glow rad="127000">
+                    <a:schemeClr val="bg1"/>
+                  </a:glow>
+                </a:effectLst>
+                <a:latin typeface="VNI-Times" pitchFamily="2" charset="0"/>
+              </a:rPr>
+              <a:t>.</a:t>
+            </a:r>
+            <a:endParaRPr lang="en-US" sz="6600" b="1" dirty="0">
               <a:solidFill>
                 <a:prstClr val="black"/>
               </a:solidFill>
@@ -2957,7 +4472,7 @@
                   <a:prstClr val="white"/>
                 </a:glow>
               </a:effectLst>
-              <a:latin typeface="VNI-Aptima" pitchFamily="2" charset="0"/>
+              <a:latin typeface="VNI-Times" pitchFamily="2" charset="0"/>
             </a:endParaRPr>
           </a:p>
         </p:txBody>
@@ -2975,13 +4490,6 @@
   <p:transition spd="slow">
     <p:randomBar dir="vert"/>
   </p:transition>
-  <p:timing>
-    <p:tnLst>
-      <p:par>
-        <p:cTn id="1" dur="indefinite" restart="never" nodeType="tmRoot"/>
-      </p:par>
-    </p:tnLst>
-  </p:timing>
 </p:sld>
 </file>
 
@@ -3040,7 +4548,7 @@
           <a:p>
             <a:pPr algn="ctr"/>
             <a:r>
-              <a:rPr lang="en-US" sz="3200" smtClean="0">
+              <a:rPr lang="en-US" sz="3200" dirty="0">
                 <a:solidFill>
                   <a:srgbClr val="C00000"/>
                 </a:solidFill>
@@ -3049,7 +4557,7 @@
                     <a:prstClr val="white"/>
                   </a:glow>
                 </a:effectLst>
-                <a:latin typeface="VNI-Bandit" pitchFamily="2" charset="0"/>
+                <a:latin typeface="VNI-Times Normal" pitchFamily="2" charset="0"/>
               </a:rPr>
               <a:t>THAÙNH CA 54 – PHÖÔÙC CHO NHAÂN LOAÏI</a:t>
             </a:r>
@@ -3080,101 +4588,409 @@
           <a:p>
             <a:pPr algn="ctr"/>
             <a:r>
-              <a:rPr lang="en-US" sz="6600" b="1" smtClean="0">
-                <a:solidFill>
-                  <a:sysClr val="windowText" lastClr="000000"/>
-                </a:solidFill>
-                <a:effectLst>
-                  <a:glow rad="127000">
-                    <a:schemeClr val="bg1"/>
-                  </a:glow>
-                </a:effectLst>
-                <a:latin typeface="VNI-Aptima" pitchFamily="2" charset="0"/>
-              </a:rPr>
-              <a:t>Kíp môû cöûa loøng </a:t>
+              <a:rPr lang="en-US" sz="6600" b="1" dirty="0" err="1">
+                <a:solidFill>
+                  <a:sysClr val="windowText" lastClr="000000"/>
+                </a:solidFill>
+                <a:effectLst>
+                  <a:glow rad="127000">
+                    <a:schemeClr val="bg1"/>
+                  </a:glow>
+                </a:effectLst>
+                <a:latin typeface="VNI-Times" pitchFamily="2" charset="0"/>
+              </a:rPr>
+              <a:t>Kíp</a:t>
+            </a:r>
+            <a:r>
+              <a:rPr lang="en-US" sz="6600" b="1" dirty="0">
+                <a:solidFill>
+                  <a:sysClr val="windowText" lastClr="000000"/>
+                </a:solidFill>
+                <a:effectLst>
+                  <a:glow rad="127000">
+                    <a:schemeClr val="bg1"/>
+                  </a:glow>
+                </a:effectLst>
+                <a:latin typeface="VNI-Times" pitchFamily="2" charset="0"/>
+              </a:rPr>
+              <a:t> </a:t>
+            </a:r>
+            <a:r>
+              <a:rPr lang="en-US" sz="6600" b="1" dirty="0" err="1">
+                <a:solidFill>
+                  <a:sysClr val="windowText" lastClr="000000"/>
+                </a:solidFill>
+                <a:effectLst>
+                  <a:glow rad="127000">
+                    <a:schemeClr val="bg1"/>
+                  </a:glow>
+                </a:effectLst>
+                <a:latin typeface="VNI-Times" pitchFamily="2" charset="0"/>
+              </a:rPr>
+              <a:t>môû</a:t>
+            </a:r>
+            <a:r>
+              <a:rPr lang="en-US" sz="6600" b="1" dirty="0">
+                <a:solidFill>
+                  <a:sysClr val="windowText" lastClr="000000"/>
+                </a:solidFill>
+                <a:effectLst>
+                  <a:glow rad="127000">
+                    <a:schemeClr val="bg1"/>
+                  </a:glow>
+                </a:effectLst>
+                <a:latin typeface="VNI-Times" pitchFamily="2" charset="0"/>
+              </a:rPr>
+              <a:t> </a:t>
+            </a:r>
+            <a:r>
+              <a:rPr lang="en-US" sz="6600" b="1" dirty="0" err="1">
+                <a:solidFill>
+                  <a:sysClr val="windowText" lastClr="000000"/>
+                </a:solidFill>
+                <a:effectLst>
+                  <a:glow rad="127000">
+                    <a:schemeClr val="bg1"/>
+                  </a:glow>
+                </a:effectLst>
+                <a:latin typeface="VNI-Times" pitchFamily="2" charset="0"/>
+              </a:rPr>
+              <a:t>cöûa</a:t>
+            </a:r>
+            <a:r>
+              <a:rPr lang="en-US" sz="6600" b="1" dirty="0">
+                <a:solidFill>
+                  <a:sysClr val="windowText" lastClr="000000"/>
+                </a:solidFill>
+                <a:effectLst>
+                  <a:glow rad="127000">
+                    <a:schemeClr val="bg1"/>
+                  </a:glow>
+                </a:effectLst>
+                <a:latin typeface="VNI-Times" pitchFamily="2" charset="0"/>
+              </a:rPr>
+              <a:t> </a:t>
+            </a:r>
+            <a:r>
+              <a:rPr lang="en-US" sz="6600" b="1" dirty="0" err="1">
+                <a:solidFill>
+                  <a:sysClr val="windowText" lastClr="000000"/>
+                </a:solidFill>
+                <a:effectLst>
+                  <a:glow rad="127000">
+                    <a:schemeClr val="bg1"/>
+                  </a:glow>
+                </a:effectLst>
+                <a:latin typeface="VNI-Times" pitchFamily="2" charset="0"/>
+              </a:rPr>
+              <a:t>loøng</a:t>
+            </a:r>
+            <a:r>
+              <a:rPr lang="en-US" sz="6600" b="1" dirty="0">
+                <a:solidFill>
+                  <a:sysClr val="windowText" lastClr="000000"/>
+                </a:solidFill>
+                <a:effectLst>
+                  <a:glow rad="127000">
+                    <a:schemeClr val="bg1"/>
+                  </a:glow>
+                </a:effectLst>
+                <a:latin typeface="VNI-Times" pitchFamily="2" charset="0"/>
+              </a:rPr>
+              <a:t> </a:t>
             </a:r>
             <a:br>
-              <a:rPr lang="en-US" sz="6600" b="1" smtClean="0">
-                <a:solidFill>
-                  <a:sysClr val="windowText" lastClr="000000"/>
-                </a:solidFill>
-                <a:effectLst>
-                  <a:glow rad="127000">
-                    <a:schemeClr val="bg1"/>
-                  </a:glow>
-                </a:effectLst>
-                <a:latin typeface="VNI-Aptima" pitchFamily="2" charset="0"/>
+              <a:rPr lang="en-US" sz="6600" b="1" dirty="0">
+                <a:solidFill>
+                  <a:sysClr val="windowText" lastClr="000000"/>
+                </a:solidFill>
+                <a:effectLst>
+                  <a:glow rad="127000">
+                    <a:schemeClr val="bg1"/>
+                  </a:glow>
+                </a:effectLst>
+                <a:latin typeface="VNI-Times" pitchFamily="2" charset="0"/>
               </a:rPr>
             </a:br>
             <a:r>
-              <a:rPr lang="en-US" sz="6600" b="1" smtClean="0">
-                <a:solidFill>
-                  <a:sysClr val="windowText" lastClr="000000"/>
-                </a:solidFill>
-                <a:effectLst>
-                  <a:glow rad="127000">
-                    <a:schemeClr val="bg1"/>
-                  </a:glow>
-                </a:effectLst>
-                <a:latin typeface="VNI-Aptima" pitchFamily="2" charset="0"/>
-              </a:rPr>
-              <a:t>tieáp röôùc Con Trôøi,</a:t>
+              <a:rPr lang="en-US" sz="6600" b="1" dirty="0" err="1">
+                <a:solidFill>
+                  <a:sysClr val="windowText" lastClr="000000"/>
+                </a:solidFill>
+                <a:effectLst>
+                  <a:glow rad="127000">
+                    <a:schemeClr val="bg1"/>
+                  </a:glow>
+                </a:effectLst>
+                <a:latin typeface="VNI-Times" pitchFamily="2" charset="0"/>
+              </a:rPr>
+              <a:t>tieáp</a:t>
+            </a:r>
+            <a:r>
+              <a:rPr lang="en-US" sz="6600" b="1" dirty="0">
+                <a:solidFill>
+                  <a:sysClr val="windowText" lastClr="000000"/>
+                </a:solidFill>
+                <a:effectLst>
+                  <a:glow rad="127000">
+                    <a:schemeClr val="bg1"/>
+                  </a:glow>
+                </a:effectLst>
+                <a:latin typeface="VNI-Times" pitchFamily="2" charset="0"/>
+              </a:rPr>
+              <a:t> </a:t>
+            </a:r>
+            <a:r>
+              <a:rPr lang="en-US" sz="6600" b="1" dirty="0" err="1">
+                <a:solidFill>
+                  <a:sysClr val="windowText" lastClr="000000"/>
+                </a:solidFill>
+                <a:effectLst>
+                  <a:glow rad="127000">
+                    <a:schemeClr val="bg1"/>
+                  </a:glow>
+                </a:effectLst>
+                <a:latin typeface="VNI-Times" pitchFamily="2" charset="0"/>
+              </a:rPr>
+              <a:t>röôùc</a:t>
+            </a:r>
+            <a:r>
+              <a:rPr lang="en-US" sz="6600" b="1" dirty="0">
+                <a:solidFill>
+                  <a:sysClr val="windowText" lastClr="000000"/>
+                </a:solidFill>
+                <a:effectLst>
+                  <a:glow rad="127000">
+                    <a:schemeClr val="bg1"/>
+                  </a:glow>
+                </a:effectLst>
+                <a:latin typeface="VNI-Times" pitchFamily="2" charset="0"/>
+              </a:rPr>
+              <a:t> Con </a:t>
+            </a:r>
+            <a:r>
+              <a:rPr lang="en-US" sz="6600" b="1" dirty="0" err="1">
+                <a:solidFill>
+                  <a:sysClr val="windowText" lastClr="000000"/>
+                </a:solidFill>
+                <a:effectLst>
+                  <a:glow rad="127000">
+                    <a:schemeClr val="bg1"/>
+                  </a:glow>
+                </a:effectLst>
+                <a:latin typeface="VNI-Times" pitchFamily="2" charset="0"/>
+              </a:rPr>
+              <a:t>Trôøi</a:t>
+            </a:r>
+            <a:r>
+              <a:rPr lang="en-US" sz="6600" b="1" dirty="0">
+                <a:solidFill>
+                  <a:sysClr val="windowText" lastClr="000000"/>
+                </a:solidFill>
+                <a:effectLst>
+                  <a:glow rad="127000">
+                    <a:schemeClr val="bg1"/>
+                  </a:glow>
+                </a:effectLst>
+                <a:latin typeface="VNI-Times" pitchFamily="2" charset="0"/>
+              </a:rPr>
+              <a:t>,</a:t>
             </a:r>
             <a:br>
-              <a:rPr lang="en-US" sz="6600" b="1" smtClean="0">
-                <a:solidFill>
-                  <a:sysClr val="windowText" lastClr="000000"/>
-                </a:solidFill>
-                <a:effectLst>
-                  <a:glow rad="127000">
-                    <a:schemeClr val="bg1"/>
-                  </a:glow>
-                </a:effectLst>
-                <a:latin typeface="VNI-Aptima" pitchFamily="2" charset="0"/>
+              <a:rPr lang="en-US" sz="6600" b="1" dirty="0">
+                <a:solidFill>
+                  <a:sysClr val="windowText" lastClr="000000"/>
+                </a:solidFill>
+                <a:effectLst>
+                  <a:glow rad="127000">
+                    <a:schemeClr val="bg1"/>
+                  </a:glow>
+                </a:effectLst>
+                <a:latin typeface="VNI-Times" pitchFamily="2" charset="0"/>
               </a:rPr>
             </a:br>
             <a:r>
-              <a:rPr lang="en-US" sz="6600" b="1" smtClean="0">
-                <a:solidFill>
-                  <a:sysClr val="windowText" lastClr="000000"/>
-                </a:solidFill>
-                <a:effectLst>
-                  <a:glow rad="127000">
-                    <a:schemeClr val="bg1"/>
-                  </a:glow>
-                </a:effectLst>
-                <a:latin typeface="VNI-Aptima" pitchFamily="2" charset="0"/>
-              </a:rPr>
-              <a:t>baàu trôøi vaïn vaät </a:t>
+              <a:rPr lang="en-US" sz="6600" b="1" dirty="0" err="1">
+                <a:solidFill>
+                  <a:sysClr val="windowText" lastClr="000000"/>
+                </a:solidFill>
+                <a:effectLst>
+                  <a:glow rad="127000">
+                    <a:schemeClr val="bg1"/>
+                  </a:glow>
+                </a:effectLst>
+                <a:latin typeface="VNI-Times" pitchFamily="2" charset="0"/>
+              </a:rPr>
+              <a:t>baàu</a:t>
+            </a:r>
+            <a:r>
+              <a:rPr lang="en-US" sz="6600" b="1" dirty="0">
+                <a:solidFill>
+                  <a:sysClr val="windowText" lastClr="000000"/>
+                </a:solidFill>
+                <a:effectLst>
+                  <a:glow rad="127000">
+                    <a:schemeClr val="bg1"/>
+                  </a:glow>
+                </a:effectLst>
+                <a:latin typeface="VNI-Times" pitchFamily="2" charset="0"/>
+              </a:rPr>
+              <a:t> </a:t>
+            </a:r>
+            <a:r>
+              <a:rPr lang="en-US" sz="6600" b="1" dirty="0" err="1">
+                <a:solidFill>
+                  <a:sysClr val="windowText" lastClr="000000"/>
+                </a:solidFill>
+                <a:effectLst>
+                  <a:glow rad="127000">
+                    <a:schemeClr val="bg1"/>
+                  </a:glow>
+                </a:effectLst>
+                <a:latin typeface="VNI-Times" pitchFamily="2" charset="0"/>
+              </a:rPr>
+              <a:t>trôøi</a:t>
+            </a:r>
+            <a:r>
+              <a:rPr lang="en-US" sz="6600" b="1" dirty="0">
+                <a:solidFill>
+                  <a:sysClr val="windowText" lastClr="000000"/>
+                </a:solidFill>
+                <a:effectLst>
+                  <a:glow rad="127000">
+                    <a:schemeClr val="bg1"/>
+                  </a:glow>
+                </a:effectLst>
+                <a:latin typeface="VNI-Times" pitchFamily="2" charset="0"/>
+              </a:rPr>
+              <a:t> </a:t>
+            </a:r>
+            <a:r>
+              <a:rPr lang="en-US" sz="6600" b="1" dirty="0" err="1">
+                <a:solidFill>
+                  <a:sysClr val="windowText" lastClr="000000"/>
+                </a:solidFill>
+                <a:effectLst>
+                  <a:glow rad="127000">
+                    <a:schemeClr val="bg1"/>
+                  </a:glow>
+                </a:effectLst>
+                <a:latin typeface="VNI-Times" pitchFamily="2" charset="0"/>
+              </a:rPr>
+              <a:t>vaïn</a:t>
+            </a:r>
+            <a:r>
+              <a:rPr lang="en-US" sz="6600" b="1" dirty="0">
+                <a:solidFill>
+                  <a:sysClr val="windowText" lastClr="000000"/>
+                </a:solidFill>
+                <a:effectLst>
+                  <a:glow rad="127000">
+                    <a:schemeClr val="bg1"/>
+                  </a:glow>
+                </a:effectLst>
+                <a:latin typeface="VNI-Times" pitchFamily="2" charset="0"/>
+              </a:rPr>
+              <a:t> </a:t>
+            </a:r>
+            <a:r>
+              <a:rPr lang="en-US" sz="6600" b="1" dirty="0" err="1">
+                <a:solidFill>
+                  <a:sysClr val="windowText" lastClr="000000"/>
+                </a:solidFill>
+                <a:effectLst>
+                  <a:glow rad="127000">
+                    <a:schemeClr val="bg1"/>
+                  </a:glow>
+                </a:effectLst>
+                <a:latin typeface="VNI-Times" pitchFamily="2" charset="0"/>
+              </a:rPr>
+              <a:t>vaät</a:t>
+            </a:r>
+            <a:r>
+              <a:rPr lang="en-US" sz="6600" b="1" dirty="0">
+                <a:solidFill>
+                  <a:sysClr val="windowText" lastClr="000000"/>
+                </a:solidFill>
+                <a:effectLst>
+                  <a:glow rad="127000">
+                    <a:schemeClr val="bg1"/>
+                  </a:glow>
+                </a:effectLst>
+                <a:latin typeface="VNI-Times" pitchFamily="2" charset="0"/>
+              </a:rPr>
+              <a:t> </a:t>
             </a:r>
             <a:br>
-              <a:rPr lang="en-US" sz="6600" b="1" smtClean="0">
-                <a:solidFill>
-                  <a:sysClr val="windowText" lastClr="000000"/>
-                </a:solidFill>
-                <a:effectLst>
-                  <a:glow rad="127000">
-                    <a:schemeClr val="bg1"/>
-                  </a:glow>
-                </a:effectLst>
-                <a:latin typeface="VNI-Aptima" pitchFamily="2" charset="0"/>
+              <a:rPr lang="en-US" sz="6600" b="1" dirty="0">
+                <a:solidFill>
+                  <a:sysClr val="windowText" lastClr="000000"/>
+                </a:solidFill>
+                <a:effectLst>
+                  <a:glow rad="127000">
+                    <a:schemeClr val="bg1"/>
+                  </a:glow>
+                </a:effectLst>
+                <a:latin typeface="VNI-Times" pitchFamily="2" charset="0"/>
               </a:rPr>
             </a:br>
             <a:r>
-              <a:rPr lang="en-US" sz="6600" b="1" smtClean="0">
-                <a:solidFill>
-                  <a:sysClr val="windowText" lastClr="000000"/>
-                </a:solidFill>
-                <a:effectLst>
-                  <a:glow rad="127000">
-                    <a:schemeClr val="bg1"/>
-                  </a:glow>
-                </a:effectLst>
-                <a:latin typeface="VNI-Aptima" pitchFamily="2" charset="0"/>
-              </a:rPr>
-              <a:t>hoaø thinh. </a:t>
-            </a:r>
-            <a:endParaRPr lang="en-US" sz="6600" b="1">
+              <a:rPr lang="en-US" sz="6600" b="1" dirty="0" err="1">
+                <a:solidFill>
+                  <a:sysClr val="windowText" lastClr="000000"/>
+                </a:solidFill>
+                <a:effectLst>
+                  <a:glow rad="127000">
+                    <a:schemeClr val="bg1"/>
+                  </a:glow>
+                </a:effectLst>
+                <a:latin typeface="VNI-Times" pitchFamily="2" charset="0"/>
+              </a:rPr>
+              <a:t>hoaø</a:t>
+            </a:r>
+            <a:r>
+              <a:rPr lang="en-US" sz="6600" b="1" dirty="0">
+                <a:solidFill>
+                  <a:sysClr val="windowText" lastClr="000000"/>
+                </a:solidFill>
+                <a:effectLst>
+                  <a:glow rad="127000">
+                    <a:schemeClr val="bg1"/>
+                  </a:glow>
+                </a:effectLst>
+                <a:latin typeface="VNI-Times" pitchFamily="2" charset="0"/>
+              </a:rPr>
+              <a:t> </a:t>
+            </a:r>
+            <a:r>
+              <a:rPr lang="en-US" sz="6600" b="1" dirty="0" err="1">
+                <a:solidFill>
+                  <a:sysClr val="windowText" lastClr="000000"/>
+                </a:solidFill>
+                <a:effectLst>
+                  <a:glow rad="127000">
+                    <a:schemeClr val="bg1"/>
+                  </a:glow>
+                </a:effectLst>
+                <a:latin typeface="VNI-Times" pitchFamily="2" charset="0"/>
+              </a:rPr>
+              <a:t>thinh</a:t>
+            </a:r>
+            <a:r>
+              <a:rPr lang="en-US" sz="6600" b="1" dirty="0">
+                <a:solidFill>
+                  <a:sysClr val="windowText" lastClr="000000"/>
+                </a:solidFill>
+                <a:effectLst>
+                  <a:glow rad="127000">
+                    <a:schemeClr val="bg1"/>
+                  </a:glow>
+                </a:effectLst>
+                <a:latin typeface="VNI-Times" pitchFamily="2" charset="0"/>
+              </a:rPr>
+              <a:t>. </a:t>
+            </a:r>
+            <a:endParaRPr lang="en-US" sz="6600" b="1" dirty="0">
               <a:solidFill>
                 <a:prstClr val="black"/>
               </a:solidFill>
@@ -3185,7 +5001,7 @@
                   </a:prstClr>
                 </a:glow>
               </a:effectLst>
-              <a:latin typeface="VNI-Aptima" pitchFamily="2" charset="0"/>
+              <a:latin typeface="VNI-Times" pitchFamily="2" charset="0"/>
             </a:endParaRPr>
           </a:p>
         </p:txBody>
@@ -3200,21 +5016,6 @@
   <p:clrMapOvr>
     <a:overrideClrMapping bg1="lt1" tx1="dk1" bg2="lt2" tx2="dk2" accent1="accent1" accent2="accent2" accent3="accent3" accent4="accent4" accent5="accent5" accent6="accent6" hlink="hlink" folHlink="folHlink"/>
   </p:clrMapOvr>
-  <mc:AlternateContent xmlns:mc="http://schemas.openxmlformats.org/markup-compatibility/2006" xmlns:p14="http://schemas.microsoft.com/office/powerpoint/2010/main">
-    <mc:Choice Requires="p14">
-      <p:transition p14:dur="0"/>
-    </mc:Choice>
-    <mc:Fallback xmlns="">
-      <p:transition/>
-    </mc:Fallback>
-  </mc:AlternateContent>
-  <p:timing>
-    <p:tnLst>
-      <p:par>
-        <p:cTn id="1" dur="indefinite" restart="never" nodeType="tmRoot"/>
-      </p:par>
-    </p:tnLst>
-  </p:timing>
 </p:sld>
 </file>
 
@@ -3273,7 +5074,7 @@
           <a:p>
             <a:pPr algn="ctr"/>
             <a:r>
-              <a:rPr lang="en-US" sz="3200" smtClean="0">
+              <a:rPr lang="en-US" sz="3200" dirty="0">
                 <a:solidFill>
                   <a:srgbClr val="C00000"/>
                 </a:solidFill>
@@ -3282,7 +5083,7 @@
                     <a:prstClr val="white"/>
                   </a:glow>
                 </a:effectLst>
-                <a:latin typeface="VNI-Bandit" pitchFamily="2" charset="0"/>
+                <a:latin typeface="VNI-Times Normal" pitchFamily="2" charset="0"/>
               </a:rPr>
               <a:t>THAÙNH CA 54 – PHÖÔÙC CHO NHAÂN LOAÏI</a:t>
             </a:r>
@@ -3313,101 +5114,409 @@
           <a:p>
             <a:pPr algn="ctr"/>
             <a:r>
-              <a:rPr lang="en-US" sz="6600" b="1" smtClean="0">
-                <a:solidFill>
-                  <a:sysClr val="windowText" lastClr="000000"/>
-                </a:solidFill>
-                <a:effectLst>
-                  <a:glow rad="127000">
-                    <a:schemeClr val="bg1"/>
-                  </a:glow>
-                </a:effectLst>
-                <a:latin typeface="VNI-Aptima" pitchFamily="2" charset="0"/>
-              </a:rPr>
-              <a:t>Baàu trôøi vaïn vaät </a:t>
+              <a:rPr lang="en-US" sz="6600" b="1" dirty="0" err="1">
+                <a:solidFill>
+                  <a:sysClr val="windowText" lastClr="000000"/>
+                </a:solidFill>
+                <a:effectLst>
+                  <a:glow rad="127000">
+                    <a:schemeClr val="bg1"/>
+                  </a:glow>
+                </a:effectLst>
+                <a:latin typeface="VNI-Times" pitchFamily="2" charset="0"/>
+              </a:rPr>
+              <a:t>Baàu</a:t>
+            </a:r>
+            <a:r>
+              <a:rPr lang="en-US" sz="6600" b="1" dirty="0">
+                <a:solidFill>
+                  <a:sysClr val="windowText" lastClr="000000"/>
+                </a:solidFill>
+                <a:effectLst>
+                  <a:glow rad="127000">
+                    <a:schemeClr val="bg1"/>
+                  </a:glow>
+                </a:effectLst>
+                <a:latin typeface="VNI-Times" pitchFamily="2" charset="0"/>
+              </a:rPr>
+              <a:t> </a:t>
+            </a:r>
+            <a:r>
+              <a:rPr lang="en-US" sz="6600" b="1" dirty="0" err="1">
+                <a:solidFill>
+                  <a:sysClr val="windowText" lastClr="000000"/>
+                </a:solidFill>
+                <a:effectLst>
+                  <a:glow rad="127000">
+                    <a:schemeClr val="bg1"/>
+                  </a:glow>
+                </a:effectLst>
+                <a:latin typeface="VNI-Times" pitchFamily="2" charset="0"/>
+              </a:rPr>
+              <a:t>trôøi</a:t>
+            </a:r>
+            <a:r>
+              <a:rPr lang="en-US" sz="6600" b="1" dirty="0">
+                <a:solidFill>
+                  <a:sysClr val="windowText" lastClr="000000"/>
+                </a:solidFill>
+                <a:effectLst>
+                  <a:glow rad="127000">
+                    <a:schemeClr val="bg1"/>
+                  </a:glow>
+                </a:effectLst>
+                <a:latin typeface="VNI-Times" pitchFamily="2" charset="0"/>
+              </a:rPr>
+              <a:t> </a:t>
+            </a:r>
+            <a:r>
+              <a:rPr lang="en-US" sz="6600" b="1" dirty="0" err="1">
+                <a:solidFill>
+                  <a:sysClr val="windowText" lastClr="000000"/>
+                </a:solidFill>
+                <a:effectLst>
+                  <a:glow rad="127000">
+                    <a:schemeClr val="bg1"/>
+                  </a:glow>
+                </a:effectLst>
+                <a:latin typeface="VNI-Times" pitchFamily="2" charset="0"/>
+              </a:rPr>
+              <a:t>vaïn</a:t>
+            </a:r>
+            <a:r>
+              <a:rPr lang="en-US" sz="6600" b="1" dirty="0">
+                <a:solidFill>
+                  <a:sysClr val="windowText" lastClr="000000"/>
+                </a:solidFill>
+                <a:effectLst>
+                  <a:glow rad="127000">
+                    <a:schemeClr val="bg1"/>
+                  </a:glow>
+                </a:effectLst>
+                <a:latin typeface="VNI-Times" pitchFamily="2" charset="0"/>
+              </a:rPr>
+              <a:t> </a:t>
+            </a:r>
+            <a:r>
+              <a:rPr lang="en-US" sz="6600" b="1" dirty="0" err="1">
+                <a:solidFill>
+                  <a:sysClr val="windowText" lastClr="000000"/>
+                </a:solidFill>
+                <a:effectLst>
+                  <a:glow rad="127000">
+                    <a:schemeClr val="bg1"/>
+                  </a:glow>
+                </a:effectLst>
+                <a:latin typeface="VNI-Times" pitchFamily="2" charset="0"/>
+              </a:rPr>
+              <a:t>vaät</a:t>
+            </a:r>
+            <a:r>
+              <a:rPr lang="en-US" sz="6600" b="1" dirty="0">
+                <a:solidFill>
+                  <a:sysClr val="windowText" lastClr="000000"/>
+                </a:solidFill>
+                <a:effectLst>
+                  <a:glow rad="127000">
+                    <a:schemeClr val="bg1"/>
+                  </a:glow>
+                </a:effectLst>
+                <a:latin typeface="VNI-Times" pitchFamily="2" charset="0"/>
+              </a:rPr>
+              <a:t> </a:t>
             </a:r>
             <a:br>
-              <a:rPr lang="en-US" sz="6600" b="1" smtClean="0">
-                <a:solidFill>
-                  <a:sysClr val="windowText" lastClr="000000"/>
-                </a:solidFill>
-                <a:effectLst>
-                  <a:glow rad="127000">
-                    <a:schemeClr val="bg1"/>
-                  </a:glow>
-                </a:effectLst>
-                <a:latin typeface="VNI-Aptima" pitchFamily="2" charset="0"/>
+              <a:rPr lang="en-US" sz="6600" b="1" dirty="0">
+                <a:solidFill>
+                  <a:sysClr val="windowText" lastClr="000000"/>
+                </a:solidFill>
+                <a:effectLst>
+                  <a:glow rad="127000">
+                    <a:schemeClr val="bg1"/>
+                  </a:glow>
+                </a:effectLst>
+                <a:latin typeface="VNI-Times" pitchFamily="2" charset="0"/>
               </a:rPr>
             </a:br>
             <a:r>
-              <a:rPr lang="en-US" sz="6600" b="1" smtClean="0">
-                <a:solidFill>
-                  <a:sysClr val="windowText" lastClr="000000"/>
-                </a:solidFill>
-                <a:effectLst>
-                  <a:glow rad="127000">
-                    <a:schemeClr val="bg1"/>
-                  </a:glow>
-                </a:effectLst>
-                <a:latin typeface="VNI-Aptima" pitchFamily="2" charset="0"/>
-              </a:rPr>
-              <a:t>hoaø thinh, trôøi ñaát </a:t>
+              <a:rPr lang="en-US" sz="6600" b="1" dirty="0" err="1">
+                <a:solidFill>
+                  <a:sysClr val="windowText" lastClr="000000"/>
+                </a:solidFill>
+                <a:effectLst>
+                  <a:glow rad="127000">
+                    <a:schemeClr val="bg1"/>
+                  </a:glow>
+                </a:effectLst>
+                <a:latin typeface="VNI-Times" pitchFamily="2" charset="0"/>
+              </a:rPr>
+              <a:t>hoaø</a:t>
+            </a:r>
+            <a:r>
+              <a:rPr lang="en-US" sz="6600" b="1" dirty="0">
+                <a:solidFill>
+                  <a:sysClr val="windowText" lastClr="000000"/>
+                </a:solidFill>
+                <a:effectLst>
+                  <a:glow rad="127000">
+                    <a:schemeClr val="bg1"/>
+                  </a:glow>
+                </a:effectLst>
+                <a:latin typeface="VNI-Times" pitchFamily="2" charset="0"/>
+              </a:rPr>
+              <a:t> </a:t>
+            </a:r>
+            <a:r>
+              <a:rPr lang="en-US" sz="6600" b="1" dirty="0" err="1">
+                <a:solidFill>
+                  <a:sysClr val="windowText" lastClr="000000"/>
+                </a:solidFill>
+                <a:effectLst>
+                  <a:glow rad="127000">
+                    <a:schemeClr val="bg1"/>
+                  </a:glow>
+                </a:effectLst>
+                <a:latin typeface="VNI-Times" pitchFamily="2" charset="0"/>
+              </a:rPr>
+              <a:t>thinh</a:t>
+            </a:r>
+            <a:r>
+              <a:rPr lang="en-US" sz="6600" b="1" dirty="0">
+                <a:solidFill>
+                  <a:sysClr val="windowText" lastClr="000000"/>
+                </a:solidFill>
+                <a:effectLst>
+                  <a:glow rad="127000">
+                    <a:schemeClr val="bg1"/>
+                  </a:glow>
+                </a:effectLst>
+                <a:latin typeface="VNI-Times" pitchFamily="2" charset="0"/>
+              </a:rPr>
+              <a:t>, </a:t>
+            </a:r>
+            <a:r>
+              <a:rPr lang="en-US" sz="6600" b="1" dirty="0" err="1">
+                <a:solidFill>
+                  <a:sysClr val="windowText" lastClr="000000"/>
+                </a:solidFill>
+                <a:effectLst>
+                  <a:glow rad="127000">
+                    <a:schemeClr val="bg1"/>
+                  </a:glow>
+                </a:effectLst>
+                <a:latin typeface="VNI-Times" pitchFamily="2" charset="0"/>
+              </a:rPr>
+              <a:t>trôøi</a:t>
+            </a:r>
+            <a:r>
+              <a:rPr lang="en-US" sz="6600" b="1" dirty="0">
+                <a:solidFill>
+                  <a:sysClr val="windowText" lastClr="000000"/>
+                </a:solidFill>
+                <a:effectLst>
+                  <a:glow rad="127000">
+                    <a:schemeClr val="bg1"/>
+                  </a:glow>
+                </a:effectLst>
+                <a:latin typeface="VNI-Times" pitchFamily="2" charset="0"/>
+              </a:rPr>
+              <a:t> </a:t>
+            </a:r>
+            <a:r>
+              <a:rPr lang="en-US" sz="6600" b="1" dirty="0" err="1">
+                <a:solidFill>
+                  <a:sysClr val="windowText" lastClr="000000"/>
+                </a:solidFill>
+                <a:effectLst>
+                  <a:glow rad="127000">
+                    <a:schemeClr val="bg1"/>
+                  </a:glow>
+                </a:effectLst>
+                <a:latin typeface="VNI-Times" pitchFamily="2" charset="0"/>
+              </a:rPr>
+              <a:t>ñaát</a:t>
+            </a:r>
+            <a:r>
+              <a:rPr lang="en-US" sz="6600" b="1" dirty="0">
+                <a:solidFill>
+                  <a:sysClr val="windowText" lastClr="000000"/>
+                </a:solidFill>
+                <a:effectLst>
+                  <a:glow rad="127000">
+                    <a:schemeClr val="bg1"/>
+                  </a:glow>
+                </a:effectLst>
+                <a:latin typeface="VNI-Times" pitchFamily="2" charset="0"/>
+              </a:rPr>
+              <a:t> </a:t>
             </a:r>
             <a:br>
-              <a:rPr lang="en-US" sz="6600" b="1" smtClean="0">
-                <a:solidFill>
-                  <a:sysClr val="windowText" lastClr="000000"/>
-                </a:solidFill>
-                <a:effectLst>
-                  <a:glow rad="127000">
-                    <a:schemeClr val="bg1"/>
-                  </a:glow>
-                </a:effectLst>
-                <a:latin typeface="VNI-Aptima" pitchFamily="2" charset="0"/>
+              <a:rPr lang="en-US" sz="6600" b="1" dirty="0">
+                <a:solidFill>
+                  <a:sysClr val="windowText" lastClr="000000"/>
+                </a:solidFill>
+                <a:effectLst>
+                  <a:glow rad="127000">
+                    <a:schemeClr val="bg1"/>
+                  </a:glow>
+                </a:effectLst>
+                <a:latin typeface="VNI-Times" pitchFamily="2" charset="0"/>
               </a:rPr>
             </a:br>
             <a:r>
-              <a:rPr lang="en-US" sz="6600" b="1" smtClean="0">
-                <a:solidFill>
-                  <a:sysClr val="windowText" lastClr="000000"/>
-                </a:solidFill>
-                <a:effectLst>
-                  <a:glow rad="127000">
-                    <a:schemeClr val="bg1"/>
-                  </a:glow>
-                </a:effectLst>
-                <a:latin typeface="VNI-Aptima" pitchFamily="2" charset="0"/>
-              </a:rPr>
-              <a:t>xöôùng ca kính khen </a:t>
+              <a:rPr lang="en-US" sz="6600" b="1" dirty="0" err="1">
+                <a:solidFill>
+                  <a:sysClr val="windowText" lastClr="000000"/>
+                </a:solidFill>
+                <a:effectLst>
+                  <a:glow rad="127000">
+                    <a:schemeClr val="bg1"/>
+                  </a:glow>
+                </a:effectLst>
+                <a:latin typeface="VNI-Times" pitchFamily="2" charset="0"/>
+              </a:rPr>
+              <a:t>xöôùng</a:t>
+            </a:r>
+            <a:r>
+              <a:rPr lang="en-US" sz="6600" b="1" dirty="0">
+                <a:solidFill>
+                  <a:sysClr val="windowText" lastClr="000000"/>
+                </a:solidFill>
+                <a:effectLst>
+                  <a:glow rad="127000">
+                    <a:schemeClr val="bg1"/>
+                  </a:glow>
+                </a:effectLst>
+                <a:latin typeface="VNI-Times" pitchFamily="2" charset="0"/>
+              </a:rPr>
+              <a:t> ca </a:t>
+            </a:r>
+            <a:r>
+              <a:rPr lang="en-US" sz="6600" b="1" dirty="0" err="1">
+                <a:solidFill>
+                  <a:sysClr val="windowText" lastClr="000000"/>
+                </a:solidFill>
+                <a:effectLst>
+                  <a:glow rad="127000">
+                    <a:schemeClr val="bg1"/>
+                  </a:glow>
+                </a:effectLst>
+                <a:latin typeface="VNI-Times" pitchFamily="2" charset="0"/>
+              </a:rPr>
+              <a:t>kính</a:t>
+            </a:r>
+            <a:r>
+              <a:rPr lang="en-US" sz="6600" b="1" dirty="0">
+                <a:solidFill>
+                  <a:sysClr val="windowText" lastClr="000000"/>
+                </a:solidFill>
+                <a:effectLst>
+                  <a:glow rad="127000">
+                    <a:schemeClr val="bg1"/>
+                  </a:glow>
+                </a:effectLst>
+                <a:latin typeface="VNI-Times" pitchFamily="2" charset="0"/>
+              </a:rPr>
+              <a:t> </a:t>
+            </a:r>
+            <a:r>
+              <a:rPr lang="en-US" sz="6600" b="1" dirty="0" err="1">
+                <a:solidFill>
+                  <a:sysClr val="windowText" lastClr="000000"/>
+                </a:solidFill>
+                <a:effectLst>
+                  <a:glow rad="127000">
+                    <a:schemeClr val="bg1"/>
+                  </a:glow>
+                </a:effectLst>
+                <a:latin typeface="VNI-Times" pitchFamily="2" charset="0"/>
+              </a:rPr>
+              <a:t>khen</a:t>
+            </a:r>
+            <a:r>
+              <a:rPr lang="en-US" sz="6600" b="1" dirty="0">
+                <a:solidFill>
+                  <a:sysClr val="windowText" lastClr="000000"/>
+                </a:solidFill>
+                <a:effectLst>
+                  <a:glow rad="127000">
+                    <a:schemeClr val="bg1"/>
+                  </a:glow>
+                </a:effectLst>
+                <a:latin typeface="VNI-Times" pitchFamily="2" charset="0"/>
+              </a:rPr>
+              <a:t> </a:t>
             </a:r>
             <a:br>
-              <a:rPr lang="en-US" sz="6600" b="1" smtClean="0">
-                <a:solidFill>
-                  <a:sysClr val="windowText" lastClr="000000"/>
-                </a:solidFill>
-                <a:effectLst>
-                  <a:glow rad="127000">
-                    <a:schemeClr val="bg1"/>
-                  </a:glow>
-                </a:effectLst>
-                <a:latin typeface="VNI-Aptima" pitchFamily="2" charset="0"/>
+              <a:rPr lang="en-US" sz="6600" b="1" dirty="0">
+                <a:solidFill>
+                  <a:sysClr val="windowText" lastClr="000000"/>
+                </a:solidFill>
+                <a:effectLst>
+                  <a:glow rad="127000">
+                    <a:schemeClr val="bg1"/>
+                  </a:glow>
+                </a:effectLst>
+                <a:latin typeface="VNI-Times" pitchFamily="2" charset="0"/>
               </a:rPr>
             </a:br>
             <a:r>
-              <a:rPr lang="en-US" sz="6600" b="1" smtClean="0">
-                <a:solidFill>
-                  <a:sysClr val="windowText" lastClr="000000"/>
-                </a:solidFill>
-                <a:effectLst>
-                  <a:glow rad="127000">
-                    <a:schemeClr val="bg1"/>
-                  </a:glow>
-                </a:effectLst>
-                <a:latin typeface="VNI-Aptima" pitchFamily="2" charset="0"/>
-              </a:rPr>
-              <a:t>Vua mình. </a:t>
-            </a:r>
-            <a:endParaRPr lang="en-US" sz="6600" b="1">
+              <a:rPr lang="en-US" sz="6600" b="1" dirty="0" err="1">
+                <a:solidFill>
+                  <a:sysClr val="windowText" lastClr="000000"/>
+                </a:solidFill>
+                <a:effectLst>
+                  <a:glow rad="127000">
+                    <a:schemeClr val="bg1"/>
+                  </a:glow>
+                </a:effectLst>
+                <a:latin typeface="VNI-Times" pitchFamily="2" charset="0"/>
+              </a:rPr>
+              <a:t>Vua</a:t>
+            </a:r>
+            <a:r>
+              <a:rPr lang="en-US" sz="6600" b="1" dirty="0">
+                <a:solidFill>
+                  <a:sysClr val="windowText" lastClr="000000"/>
+                </a:solidFill>
+                <a:effectLst>
+                  <a:glow rad="127000">
+                    <a:schemeClr val="bg1"/>
+                  </a:glow>
+                </a:effectLst>
+                <a:latin typeface="VNI-Times" pitchFamily="2" charset="0"/>
+              </a:rPr>
+              <a:t> </a:t>
+            </a:r>
+            <a:r>
+              <a:rPr lang="en-US" sz="6600" b="1" dirty="0" err="1">
+                <a:solidFill>
+                  <a:sysClr val="windowText" lastClr="000000"/>
+                </a:solidFill>
+                <a:effectLst>
+                  <a:glow rad="127000">
+                    <a:schemeClr val="bg1"/>
+                  </a:glow>
+                </a:effectLst>
+                <a:latin typeface="VNI-Times" pitchFamily="2" charset="0"/>
+              </a:rPr>
+              <a:t>mình</a:t>
+            </a:r>
+            <a:r>
+              <a:rPr lang="en-US" sz="6600" b="1" dirty="0">
+                <a:solidFill>
+                  <a:sysClr val="windowText" lastClr="000000"/>
+                </a:solidFill>
+                <a:effectLst>
+                  <a:glow rad="127000">
+                    <a:schemeClr val="bg1"/>
+                  </a:glow>
+                </a:effectLst>
+                <a:latin typeface="VNI-Times" pitchFamily="2" charset="0"/>
+              </a:rPr>
+              <a:t>. </a:t>
+            </a:r>
+            <a:endParaRPr lang="en-US" sz="6600" b="1" dirty="0">
               <a:solidFill>
                 <a:prstClr val="black"/>
               </a:solidFill>
@@ -3418,7 +5527,7 @@
                   </a:prstClr>
                 </a:glow>
               </a:effectLst>
-              <a:latin typeface="VNI-Aptima" pitchFamily="2" charset="0"/>
+              <a:latin typeface="VNI-Times" pitchFamily="2" charset="0"/>
             </a:endParaRPr>
           </a:p>
         </p:txBody>
@@ -3433,21 +5542,6 @@
   <p:clrMapOvr>
     <a:overrideClrMapping bg1="lt1" tx1="dk1" bg2="lt2" tx2="dk2" accent1="accent1" accent2="accent2" accent3="accent3" accent4="accent4" accent5="accent5" accent6="accent6" hlink="hlink" folHlink="folHlink"/>
   </p:clrMapOvr>
-  <mc:AlternateContent xmlns:mc="http://schemas.openxmlformats.org/markup-compatibility/2006" xmlns:p14="http://schemas.microsoft.com/office/powerpoint/2010/main">
-    <mc:Choice Requires="p14">
-      <p:transition p14:dur="0"/>
-    </mc:Choice>
-    <mc:Fallback xmlns="">
-      <p:transition/>
-    </mc:Fallback>
-  </mc:AlternateContent>
-  <p:timing>
-    <p:tnLst>
-      <p:par>
-        <p:cTn id="1" dur="indefinite" restart="never" nodeType="tmRoot"/>
-      </p:par>
-    </p:tnLst>
-  </p:timing>
 </p:sld>
 </file>
 
@@ -3492,7 +5586,7 @@
           <a:p>
             <a:pPr algn="ctr"/>
             <a:r>
-              <a:rPr lang="en-US" sz="3200" smtClean="0">
+              <a:rPr lang="en-US" sz="3200" dirty="0">
                 <a:solidFill>
                   <a:srgbClr val="C00000"/>
                 </a:solidFill>
@@ -3501,7 +5595,7 @@
                     <a:prstClr val="white"/>
                   </a:glow>
                 </a:effectLst>
-                <a:latin typeface="VNI-Bandit" pitchFamily="2" charset="0"/>
+                <a:latin typeface="VNI-Times Normal" pitchFamily="2" charset="0"/>
               </a:rPr>
               <a:t>THAÙNH CA 54 – PHÖÔÙC CHO NHAÂN LOAÏI</a:t>
             </a:r>
@@ -3532,7 +5626,7 @@
           <a:p>
             <a:pPr algn="ctr"/>
             <a:r>
-              <a:rPr lang="en-US" sz="4000" b="1" smtClean="0">
+              <a:rPr lang="en-US" sz="4000" b="1" dirty="0">
                 <a:solidFill>
                   <a:sysClr val="windowText" lastClr="000000"/>
                 </a:solidFill>
@@ -3541,12 +5635,12 @@
                     <a:prstClr val="white"/>
                   </a:glow>
                 </a:effectLst>
-                <a:latin typeface="VNI-Aptima" pitchFamily="2" charset="0"/>
+                <a:latin typeface="VNI-Times" pitchFamily="2" charset="0"/>
               </a:rPr>
               <a:t>2.</a:t>
             </a:r>
             <a:r>
-              <a:rPr lang="en-US" sz="6600" b="1" smtClean="0">
+              <a:rPr lang="en-US" sz="6600" b="1" dirty="0">
                 <a:solidFill>
                   <a:sysClr val="windowText" lastClr="000000"/>
                 </a:solidFill>
@@ -3555,106 +5649,386 @@
                     <a:prstClr val="white"/>
                   </a:glow>
                 </a:effectLst>
-                <a:latin typeface="VNI-Aptima" pitchFamily="2" charset="0"/>
-              </a:rPr>
-              <a:t> </a:t>
-            </a:r>
-            <a:r>
-              <a:rPr lang="en-US" sz="6600" b="1" smtClean="0">
-                <a:solidFill>
-                  <a:sysClr val="windowText" lastClr="000000"/>
-                </a:solidFill>
-                <a:effectLst>
-                  <a:glow rad="127000">
-                    <a:schemeClr val="bg1"/>
-                  </a:glow>
-                </a:effectLst>
-                <a:latin typeface="VNI-Aptima" pitchFamily="2" charset="0"/>
-              </a:rPr>
-              <a:t>Phöôùc cho nhaân </a:t>
+                <a:latin typeface="VNI-Times" pitchFamily="2" charset="0"/>
+              </a:rPr>
+              <a:t> </a:t>
+            </a:r>
+            <a:r>
+              <a:rPr lang="en-US" sz="6600" b="1" dirty="0" err="1">
+                <a:solidFill>
+                  <a:sysClr val="windowText" lastClr="000000"/>
+                </a:solidFill>
+                <a:effectLst>
+                  <a:glow rad="127000">
+                    <a:schemeClr val="bg1"/>
+                  </a:glow>
+                </a:effectLst>
+                <a:latin typeface="VNI-Times" pitchFamily="2" charset="0"/>
+              </a:rPr>
+              <a:t>Phöôùc</a:t>
+            </a:r>
+            <a:r>
+              <a:rPr lang="en-US" sz="6600" b="1" dirty="0">
+                <a:solidFill>
+                  <a:sysClr val="windowText" lastClr="000000"/>
+                </a:solidFill>
+                <a:effectLst>
+                  <a:glow rad="127000">
+                    <a:schemeClr val="bg1"/>
+                  </a:glow>
+                </a:effectLst>
+                <a:latin typeface="VNI-Times" pitchFamily="2" charset="0"/>
+              </a:rPr>
+              <a:t> </a:t>
+            </a:r>
+            <a:r>
+              <a:rPr lang="en-US" sz="6600" b="1" dirty="0" err="1">
+                <a:solidFill>
+                  <a:sysClr val="windowText" lastClr="000000"/>
+                </a:solidFill>
+                <a:effectLst>
+                  <a:glow rad="127000">
+                    <a:schemeClr val="bg1"/>
+                  </a:glow>
+                </a:effectLst>
+                <a:latin typeface="VNI-Times" pitchFamily="2" charset="0"/>
+              </a:rPr>
+              <a:t>cho</a:t>
+            </a:r>
+            <a:r>
+              <a:rPr lang="en-US" sz="6600" b="1" dirty="0">
+                <a:solidFill>
+                  <a:sysClr val="windowText" lastClr="000000"/>
+                </a:solidFill>
+                <a:effectLst>
+                  <a:glow rad="127000">
+                    <a:schemeClr val="bg1"/>
+                  </a:glow>
+                </a:effectLst>
+                <a:latin typeface="VNI-Times" pitchFamily="2" charset="0"/>
+              </a:rPr>
+              <a:t> </a:t>
+            </a:r>
+            <a:r>
+              <a:rPr lang="en-US" sz="6600" b="1" dirty="0" err="1">
+                <a:solidFill>
+                  <a:sysClr val="windowText" lastClr="000000"/>
+                </a:solidFill>
+                <a:effectLst>
+                  <a:glow rad="127000">
+                    <a:schemeClr val="bg1"/>
+                  </a:glow>
+                </a:effectLst>
+                <a:latin typeface="VNI-Times" pitchFamily="2" charset="0"/>
+              </a:rPr>
+              <a:t>nhaân</a:t>
+            </a:r>
+            <a:r>
+              <a:rPr lang="en-US" sz="6600" b="1" dirty="0">
+                <a:solidFill>
+                  <a:sysClr val="windowText" lastClr="000000"/>
+                </a:solidFill>
+                <a:effectLst>
+                  <a:glow rad="127000">
+                    <a:schemeClr val="bg1"/>
+                  </a:glow>
+                </a:effectLst>
+                <a:latin typeface="VNI-Times" pitchFamily="2" charset="0"/>
+              </a:rPr>
+              <a:t> </a:t>
             </a:r>
             <a:br>
-              <a:rPr lang="en-US" sz="6600" b="1" smtClean="0">
-                <a:solidFill>
-                  <a:sysClr val="windowText" lastClr="000000"/>
-                </a:solidFill>
-                <a:effectLst>
-                  <a:glow rad="127000">
-                    <a:schemeClr val="bg1"/>
-                  </a:glow>
-                </a:effectLst>
-                <a:latin typeface="VNI-Aptima" pitchFamily="2" charset="0"/>
+              <a:rPr lang="en-US" sz="6600" b="1" dirty="0">
+                <a:solidFill>
+                  <a:sysClr val="windowText" lastClr="000000"/>
+                </a:solidFill>
+                <a:effectLst>
+                  <a:glow rad="127000">
+                    <a:schemeClr val="bg1"/>
+                  </a:glow>
+                </a:effectLst>
+                <a:latin typeface="VNI-Times" pitchFamily="2" charset="0"/>
               </a:rPr>
             </a:br>
             <a:r>
-              <a:rPr lang="en-US" sz="6600" b="1" smtClean="0">
-                <a:solidFill>
-                  <a:sysClr val="windowText" lastClr="000000"/>
-                </a:solidFill>
-                <a:effectLst>
-                  <a:glow rad="127000">
-                    <a:schemeClr val="bg1"/>
-                  </a:glow>
-                </a:effectLst>
-                <a:latin typeface="VNI-Aptima" pitchFamily="2" charset="0"/>
-              </a:rPr>
-              <a:t>loaïi! Chuùa nay cai </a:t>
+              <a:rPr lang="en-US" sz="6600" b="1" dirty="0" err="1">
+                <a:solidFill>
+                  <a:sysClr val="windowText" lastClr="000000"/>
+                </a:solidFill>
+                <a:effectLst>
+                  <a:glow rad="127000">
+                    <a:schemeClr val="bg1"/>
+                  </a:glow>
+                </a:effectLst>
+                <a:latin typeface="VNI-Times" pitchFamily="2" charset="0"/>
+              </a:rPr>
+              <a:t>loaïi</a:t>
+            </a:r>
+            <a:r>
+              <a:rPr lang="en-US" sz="6600" b="1" dirty="0">
+                <a:solidFill>
+                  <a:sysClr val="windowText" lastClr="000000"/>
+                </a:solidFill>
+                <a:effectLst>
+                  <a:glow rad="127000">
+                    <a:schemeClr val="bg1"/>
+                  </a:glow>
+                </a:effectLst>
+                <a:latin typeface="VNI-Times" pitchFamily="2" charset="0"/>
+              </a:rPr>
+              <a:t>! </a:t>
+            </a:r>
+            <a:r>
+              <a:rPr lang="en-US" sz="6600" b="1" dirty="0" err="1">
+                <a:solidFill>
+                  <a:sysClr val="windowText" lastClr="000000"/>
+                </a:solidFill>
+                <a:effectLst>
+                  <a:glow rad="127000">
+                    <a:schemeClr val="bg1"/>
+                  </a:glow>
+                </a:effectLst>
+                <a:latin typeface="VNI-Times" pitchFamily="2" charset="0"/>
+              </a:rPr>
+              <a:t>Chuùa</a:t>
+            </a:r>
+            <a:r>
+              <a:rPr lang="en-US" sz="6600" b="1" dirty="0">
+                <a:solidFill>
+                  <a:sysClr val="windowText" lastClr="000000"/>
+                </a:solidFill>
+                <a:effectLst>
+                  <a:glow rad="127000">
+                    <a:schemeClr val="bg1"/>
+                  </a:glow>
+                </a:effectLst>
+                <a:latin typeface="VNI-Times" pitchFamily="2" charset="0"/>
+              </a:rPr>
+              <a:t> nay </a:t>
+            </a:r>
+            <a:r>
+              <a:rPr lang="en-US" sz="6600" b="1" dirty="0" err="1">
+                <a:solidFill>
+                  <a:sysClr val="windowText" lastClr="000000"/>
+                </a:solidFill>
+                <a:effectLst>
+                  <a:glow rad="127000">
+                    <a:schemeClr val="bg1"/>
+                  </a:glow>
+                </a:effectLst>
+                <a:latin typeface="VNI-Times" pitchFamily="2" charset="0"/>
+              </a:rPr>
+              <a:t>cai</a:t>
+            </a:r>
+            <a:r>
+              <a:rPr lang="en-US" sz="6600" b="1" dirty="0">
+                <a:solidFill>
+                  <a:sysClr val="windowText" lastClr="000000"/>
+                </a:solidFill>
+                <a:effectLst>
+                  <a:glow rad="127000">
+                    <a:schemeClr val="bg1"/>
+                  </a:glow>
+                </a:effectLst>
+                <a:latin typeface="VNI-Times" pitchFamily="2" charset="0"/>
+              </a:rPr>
+              <a:t> </a:t>
             </a:r>
             <a:br>
-              <a:rPr lang="en-US" sz="6600" b="1" smtClean="0">
-                <a:solidFill>
-                  <a:sysClr val="windowText" lastClr="000000"/>
-                </a:solidFill>
-                <a:effectLst>
-                  <a:glow rad="127000">
-                    <a:schemeClr val="bg1"/>
-                  </a:glow>
-                </a:effectLst>
-                <a:latin typeface="VNI-Aptima" pitchFamily="2" charset="0"/>
+              <a:rPr lang="en-US" sz="6600" b="1" dirty="0">
+                <a:solidFill>
+                  <a:sysClr val="windowText" lastClr="000000"/>
+                </a:solidFill>
+                <a:effectLst>
+                  <a:glow rad="127000">
+                    <a:schemeClr val="bg1"/>
+                  </a:glow>
+                </a:effectLst>
+                <a:latin typeface="VNI-Times" pitchFamily="2" charset="0"/>
               </a:rPr>
             </a:br>
             <a:r>
-              <a:rPr lang="en-US" sz="6600" b="1" smtClean="0">
-                <a:solidFill>
-                  <a:sysClr val="windowText" lastClr="000000"/>
-                </a:solidFill>
-                <a:effectLst>
-                  <a:glow rad="127000">
-                    <a:schemeClr val="bg1"/>
-                  </a:glow>
-                </a:effectLst>
-                <a:latin typeface="VNI-Aptima" pitchFamily="2" charset="0"/>
-              </a:rPr>
-              <a:t>trò: Muoân daân </a:t>
+              <a:rPr lang="en-US" sz="6600" b="1" dirty="0" err="1">
+                <a:solidFill>
+                  <a:sysClr val="windowText" lastClr="000000"/>
+                </a:solidFill>
+                <a:effectLst>
+                  <a:glow rad="127000">
+                    <a:schemeClr val="bg1"/>
+                  </a:glow>
+                </a:effectLst>
+                <a:latin typeface="VNI-Times" pitchFamily="2" charset="0"/>
+              </a:rPr>
+              <a:t>trò</a:t>
+            </a:r>
+            <a:r>
+              <a:rPr lang="en-US" sz="6600" b="1" dirty="0">
+                <a:solidFill>
+                  <a:sysClr val="windowText" lastClr="000000"/>
+                </a:solidFill>
+                <a:effectLst>
+                  <a:glow rad="127000">
+                    <a:schemeClr val="bg1"/>
+                  </a:glow>
+                </a:effectLst>
+                <a:latin typeface="VNI-Times" pitchFamily="2" charset="0"/>
+              </a:rPr>
+              <a:t>: </a:t>
+            </a:r>
+            <a:r>
+              <a:rPr lang="en-US" sz="6600" b="1" dirty="0" err="1">
+                <a:solidFill>
+                  <a:sysClr val="windowText" lastClr="000000"/>
+                </a:solidFill>
+                <a:effectLst>
+                  <a:glow rad="127000">
+                    <a:schemeClr val="bg1"/>
+                  </a:glow>
+                </a:effectLst>
+                <a:latin typeface="VNI-Times" pitchFamily="2" charset="0"/>
+              </a:rPr>
+              <a:t>Muoân</a:t>
+            </a:r>
+            <a:r>
+              <a:rPr lang="en-US" sz="6600" b="1" dirty="0">
+                <a:solidFill>
+                  <a:sysClr val="windowText" lastClr="000000"/>
+                </a:solidFill>
+                <a:effectLst>
+                  <a:glow rad="127000">
+                    <a:schemeClr val="bg1"/>
+                  </a:glow>
+                </a:effectLst>
+                <a:latin typeface="VNI-Times" pitchFamily="2" charset="0"/>
+              </a:rPr>
+              <a:t> </a:t>
+            </a:r>
+            <a:r>
+              <a:rPr lang="en-US" sz="6600" b="1" dirty="0" err="1">
+                <a:solidFill>
+                  <a:sysClr val="windowText" lastClr="000000"/>
+                </a:solidFill>
+                <a:effectLst>
+                  <a:glow rad="127000">
+                    <a:schemeClr val="bg1"/>
+                  </a:glow>
+                </a:effectLst>
+                <a:latin typeface="VNI-Times" pitchFamily="2" charset="0"/>
+              </a:rPr>
+              <a:t>daân</a:t>
+            </a:r>
+            <a:r>
+              <a:rPr lang="en-US" sz="6600" b="1" dirty="0">
+                <a:solidFill>
+                  <a:sysClr val="windowText" lastClr="000000"/>
+                </a:solidFill>
+                <a:effectLst>
+                  <a:glow rad="127000">
+                    <a:schemeClr val="bg1"/>
+                  </a:glow>
+                </a:effectLst>
+                <a:latin typeface="VNI-Times" pitchFamily="2" charset="0"/>
+              </a:rPr>
+              <a:t> </a:t>
             </a:r>
             <a:br>
-              <a:rPr lang="en-US" sz="6600" b="1" smtClean="0">
-                <a:solidFill>
-                  <a:sysClr val="windowText" lastClr="000000"/>
-                </a:solidFill>
-                <a:effectLst>
-                  <a:glow rad="127000">
-                    <a:schemeClr val="bg1"/>
-                  </a:glow>
-                </a:effectLst>
-                <a:latin typeface="VNI-Aptima" pitchFamily="2" charset="0"/>
+              <a:rPr lang="en-US" sz="6600" b="1" dirty="0">
+                <a:solidFill>
+                  <a:sysClr val="windowText" lastClr="000000"/>
+                </a:solidFill>
+                <a:effectLst>
+                  <a:glow rad="127000">
+                    <a:schemeClr val="bg1"/>
+                  </a:glow>
+                </a:effectLst>
+                <a:latin typeface="VNI-Times" pitchFamily="2" charset="0"/>
               </a:rPr>
             </a:br>
             <a:r>
-              <a:rPr lang="en-US" sz="6600" b="1" smtClean="0">
-                <a:solidFill>
-                  <a:sysClr val="windowText" lastClr="000000"/>
-                </a:solidFill>
-                <a:effectLst>
-                  <a:glow rad="127000">
-                    <a:schemeClr val="bg1"/>
-                  </a:glow>
-                </a:effectLst>
-                <a:latin typeface="VNI-Aptima" pitchFamily="2" charset="0"/>
-              </a:rPr>
-              <a:t>aâu ca hoan hæ. </a:t>
-            </a:r>
-            <a:endParaRPr lang="en-US" sz="6600" b="1">
+              <a:rPr lang="en-US" sz="6600" b="1" dirty="0" err="1">
+                <a:solidFill>
+                  <a:sysClr val="windowText" lastClr="000000"/>
+                </a:solidFill>
+                <a:effectLst>
+                  <a:glow rad="127000">
+                    <a:schemeClr val="bg1"/>
+                  </a:glow>
+                </a:effectLst>
+                <a:latin typeface="VNI-Times" pitchFamily="2" charset="0"/>
+              </a:rPr>
+              <a:t>aâu</a:t>
+            </a:r>
+            <a:r>
+              <a:rPr lang="en-US" sz="6600" b="1" dirty="0">
+                <a:solidFill>
+                  <a:sysClr val="windowText" lastClr="000000"/>
+                </a:solidFill>
+                <a:effectLst>
+                  <a:glow rad="127000">
+                    <a:schemeClr val="bg1"/>
+                  </a:glow>
+                </a:effectLst>
+                <a:latin typeface="VNI-Times" pitchFamily="2" charset="0"/>
+              </a:rPr>
+              <a:t> ca </a:t>
+            </a:r>
+            <a:r>
+              <a:rPr lang="en-US" sz="6600" b="1" dirty="0" err="1">
+                <a:solidFill>
+                  <a:sysClr val="windowText" lastClr="000000"/>
+                </a:solidFill>
+                <a:effectLst>
+                  <a:glow rad="127000">
+                    <a:schemeClr val="bg1"/>
+                  </a:glow>
+                </a:effectLst>
+                <a:latin typeface="VNI-Times" pitchFamily="2" charset="0"/>
+              </a:rPr>
+              <a:t>hoan</a:t>
+            </a:r>
+            <a:r>
+              <a:rPr lang="en-US" sz="6600" b="1" dirty="0">
+                <a:solidFill>
+                  <a:sysClr val="windowText" lastClr="000000"/>
+                </a:solidFill>
+                <a:effectLst>
+                  <a:glow rad="127000">
+                    <a:schemeClr val="bg1"/>
+                  </a:glow>
+                </a:effectLst>
+                <a:latin typeface="VNI-Times" pitchFamily="2" charset="0"/>
+              </a:rPr>
+              <a:t> </a:t>
+            </a:r>
+            <a:r>
+              <a:rPr lang="en-US" sz="6600" b="1" dirty="0" err="1">
+                <a:solidFill>
+                  <a:sysClr val="windowText" lastClr="000000"/>
+                </a:solidFill>
+                <a:effectLst>
+                  <a:glow rad="127000">
+                    <a:schemeClr val="bg1"/>
+                  </a:glow>
+                </a:effectLst>
+                <a:latin typeface="VNI-Times" pitchFamily="2" charset="0"/>
+              </a:rPr>
+              <a:t>hæ</a:t>
+            </a:r>
+            <a:r>
+              <a:rPr lang="en-US" sz="6600" b="1" dirty="0">
+                <a:solidFill>
+                  <a:sysClr val="windowText" lastClr="000000"/>
+                </a:solidFill>
+                <a:effectLst>
+                  <a:glow rad="127000">
+                    <a:schemeClr val="bg1"/>
+                  </a:glow>
+                </a:effectLst>
+                <a:latin typeface="VNI-Times" pitchFamily="2" charset="0"/>
+              </a:rPr>
+              <a:t>. </a:t>
+            </a:r>
+            <a:endParaRPr lang="en-US" sz="6600" b="1" dirty="0">
               <a:solidFill>
                 <a:prstClr val="black"/>
               </a:solidFill>
@@ -3663,7 +6037,7 @@
                   <a:prstClr val="white"/>
                 </a:glow>
               </a:effectLst>
-              <a:latin typeface="VNI-Aptima" pitchFamily="2" charset="0"/>
+              <a:latin typeface="VNI-Times" pitchFamily="2" charset="0"/>
             </a:endParaRPr>
           </a:p>
         </p:txBody>
@@ -3678,21 +6052,6 @@
   <p:clrMapOvr>
     <a:masterClrMapping/>
   </p:clrMapOvr>
-  <mc:AlternateContent xmlns:mc="http://schemas.openxmlformats.org/markup-compatibility/2006" xmlns:p14="http://schemas.microsoft.com/office/powerpoint/2010/main">
-    <mc:Choice Requires="p14">
-      <p:transition p14:dur="0"/>
-    </mc:Choice>
-    <mc:Fallback xmlns="">
-      <p:transition/>
-    </mc:Fallback>
-  </mc:AlternateContent>
-  <p:timing>
-    <p:tnLst>
-      <p:par>
-        <p:cTn id="1" dur="indefinite" restart="never" nodeType="tmRoot"/>
-      </p:par>
-    </p:tnLst>
-  </p:timing>
 </p:sld>
 </file>
 
@@ -3751,7 +6110,7 @@
           <a:p>
             <a:pPr algn="ctr"/>
             <a:r>
-              <a:rPr lang="en-US" sz="3200" smtClean="0">
+              <a:rPr lang="en-US" sz="3200" dirty="0">
                 <a:solidFill>
                   <a:srgbClr val="C00000"/>
                 </a:solidFill>
@@ -3760,7 +6119,7 @@
                     <a:prstClr val="white"/>
                   </a:glow>
                 </a:effectLst>
-                <a:latin typeface="VNI-Bandit" pitchFamily="2" charset="0"/>
+                <a:latin typeface="VNI-Times Normal" pitchFamily="2" charset="0"/>
               </a:rPr>
               <a:t>THAÙNH CA 54 – PHÖÔÙC CHO NHAÂN LOAÏI</a:t>
             </a:r>
@@ -3791,101 +6150,409 @@
           <a:p>
             <a:pPr algn="ctr"/>
             <a:r>
-              <a:rPr lang="en-US" sz="6600" b="1" smtClean="0">
-                <a:solidFill>
-                  <a:sysClr val="windowText" lastClr="000000"/>
-                </a:solidFill>
-                <a:effectLst>
-                  <a:glow rad="127000">
-                    <a:schemeClr val="bg1"/>
-                  </a:glow>
-                </a:effectLst>
-                <a:latin typeface="VNI-Aptima" pitchFamily="2" charset="0"/>
-              </a:rPr>
-              <a:t>Haûi ñaûo, sôn haø </a:t>
+              <a:rPr lang="en-US" sz="6600" b="1" dirty="0" err="1">
+                <a:solidFill>
+                  <a:sysClr val="windowText" lastClr="000000"/>
+                </a:solidFill>
+                <a:effectLst>
+                  <a:glow rad="127000">
+                    <a:schemeClr val="bg1"/>
+                  </a:glow>
+                </a:effectLst>
+                <a:latin typeface="VNI-Times" pitchFamily="2" charset="0"/>
+              </a:rPr>
+              <a:t>Haûi</a:t>
+            </a:r>
+            <a:r>
+              <a:rPr lang="en-US" sz="6600" b="1" dirty="0">
+                <a:solidFill>
+                  <a:sysClr val="windowText" lastClr="000000"/>
+                </a:solidFill>
+                <a:effectLst>
+                  <a:glow rad="127000">
+                    <a:schemeClr val="bg1"/>
+                  </a:glow>
+                </a:effectLst>
+                <a:latin typeface="VNI-Times" pitchFamily="2" charset="0"/>
+              </a:rPr>
+              <a:t> </a:t>
+            </a:r>
+            <a:r>
+              <a:rPr lang="en-US" sz="6600" b="1" dirty="0" err="1">
+                <a:solidFill>
+                  <a:sysClr val="windowText" lastClr="000000"/>
+                </a:solidFill>
+                <a:effectLst>
+                  <a:glow rad="127000">
+                    <a:schemeClr val="bg1"/>
+                  </a:glow>
+                </a:effectLst>
+                <a:latin typeface="VNI-Times" pitchFamily="2" charset="0"/>
+              </a:rPr>
+              <a:t>ñaûo</a:t>
+            </a:r>
+            <a:r>
+              <a:rPr lang="en-US" sz="6600" b="1" dirty="0">
+                <a:solidFill>
+                  <a:sysClr val="windowText" lastClr="000000"/>
+                </a:solidFill>
+                <a:effectLst>
+                  <a:glow rad="127000">
+                    <a:schemeClr val="bg1"/>
+                  </a:glow>
+                </a:effectLst>
+                <a:latin typeface="VNI-Times" pitchFamily="2" charset="0"/>
+              </a:rPr>
+              <a:t>, </a:t>
+            </a:r>
+            <a:r>
+              <a:rPr lang="en-US" sz="6600" b="1" dirty="0" err="1">
+                <a:solidFill>
+                  <a:sysClr val="windowText" lastClr="000000"/>
+                </a:solidFill>
+                <a:effectLst>
+                  <a:glow rad="127000">
+                    <a:schemeClr val="bg1"/>
+                  </a:glow>
+                </a:effectLst>
+                <a:latin typeface="VNI-Times" pitchFamily="2" charset="0"/>
+              </a:rPr>
+              <a:t>sôn</a:t>
+            </a:r>
+            <a:r>
+              <a:rPr lang="en-US" sz="6600" b="1" dirty="0">
+                <a:solidFill>
+                  <a:sysClr val="windowText" lastClr="000000"/>
+                </a:solidFill>
+                <a:effectLst>
+                  <a:glow rad="127000">
+                    <a:schemeClr val="bg1"/>
+                  </a:glow>
+                </a:effectLst>
+                <a:latin typeface="VNI-Times" pitchFamily="2" charset="0"/>
+              </a:rPr>
+              <a:t> </a:t>
+            </a:r>
+            <a:r>
+              <a:rPr lang="en-US" sz="6600" b="1" dirty="0" err="1">
+                <a:solidFill>
+                  <a:sysClr val="windowText" lastClr="000000"/>
+                </a:solidFill>
+                <a:effectLst>
+                  <a:glow rad="127000">
+                    <a:schemeClr val="bg1"/>
+                  </a:glow>
+                </a:effectLst>
+                <a:latin typeface="VNI-Times" pitchFamily="2" charset="0"/>
+              </a:rPr>
+              <a:t>haø</a:t>
+            </a:r>
+            <a:r>
+              <a:rPr lang="en-US" sz="6600" b="1" dirty="0">
+                <a:solidFill>
+                  <a:sysClr val="windowText" lastClr="000000"/>
+                </a:solidFill>
+                <a:effectLst>
+                  <a:glow rad="127000">
+                    <a:schemeClr val="bg1"/>
+                  </a:glow>
+                </a:effectLst>
+                <a:latin typeface="VNI-Times" pitchFamily="2" charset="0"/>
+              </a:rPr>
+              <a:t> </a:t>
             </a:r>
             <a:br>
-              <a:rPr lang="en-US" sz="6600" b="1" smtClean="0">
-                <a:solidFill>
-                  <a:sysClr val="windowText" lastClr="000000"/>
-                </a:solidFill>
-                <a:effectLst>
-                  <a:glow rad="127000">
-                    <a:schemeClr val="bg1"/>
-                  </a:glow>
-                </a:effectLst>
-                <a:latin typeface="VNI-Aptima" pitchFamily="2" charset="0"/>
+              <a:rPr lang="en-US" sz="6600" b="1" dirty="0">
+                <a:solidFill>
+                  <a:sysClr val="windowText" lastClr="000000"/>
+                </a:solidFill>
+                <a:effectLst>
+                  <a:glow rad="127000">
+                    <a:schemeClr val="bg1"/>
+                  </a:glow>
+                </a:effectLst>
+                <a:latin typeface="VNI-Times" pitchFamily="2" charset="0"/>
               </a:rPr>
             </a:br>
             <a:r>
-              <a:rPr lang="en-US" sz="6600" b="1" smtClean="0">
-                <a:solidFill>
-                  <a:sysClr val="windowText" lastClr="000000"/>
-                </a:solidFill>
-                <a:effectLst>
-                  <a:glow rad="127000">
-                    <a:schemeClr val="bg1"/>
-                  </a:glow>
-                </a:effectLst>
-                <a:latin typeface="VNI-Aptima" pitchFamily="2" charset="0"/>
-              </a:rPr>
-              <a:t>troãi baûn ca thi,</a:t>
+              <a:rPr lang="en-US" sz="6600" b="1" dirty="0" err="1">
+                <a:solidFill>
+                  <a:sysClr val="windowText" lastClr="000000"/>
+                </a:solidFill>
+                <a:effectLst>
+                  <a:glow rad="127000">
+                    <a:schemeClr val="bg1"/>
+                  </a:glow>
+                </a:effectLst>
+                <a:latin typeface="VNI-Times" pitchFamily="2" charset="0"/>
+              </a:rPr>
+              <a:t>troãi</a:t>
+            </a:r>
+            <a:r>
+              <a:rPr lang="en-US" sz="6600" b="1" dirty="0">
+                <a:solidFill>
+                  <a:sysClr val="windowText" lastClr="000000"/>
+                </a:solidFill>
+                <a:effectLst>
+                  <a:glow rad="127000">
+                    <a:schemeClr val="bg1"/>
+                  </a:glow>
+                </a:effectLst>
+                <a:latin typeface="VNI-Times" pitchFamily="2" charset="0"/>
+              </a:rPr>
+              <a:t> </a:t>
+            </a:r>
+            <a:r>
+              <a:rPr lang="en-US" sz="6600" b="1" dirty="0" err="1">
+                <a:solidFill>
+                  <a:sysClr val="windowText" lastClr="000000"/>
+                </a:solidFill>
+                <a:effectLst>
+                  <a:glow rad="127000">
+                    <a:schemeClr val="bg1"/>
+                  </a:glow>
+                </a:effectLst>
+                <a:latin typeface="VNI-Times" pitchFamily="2" charset="0"/>
+              </a:rPr>
+              <a:t>baûn</a:t>
+            </a:r>
+            <a:r>
+              <a:rPr lang="en-US" sz="6600" b="1" dirty="0">
+                <a:solidFill>
+                  <a:sysClr val="windowText" lastClr="000000"/>
+                </a:solidFill>
+                <a:effectLst>
+                  <a:glow rad="127000">
+                    <a:schemeClr val="bg1"/>
+                  </a:glow>
+                </a:effectLst>
+                <a:latin typeface="VNI-Times" pitchFamily="2" charset="0"/>
+              </a:rPr>
+              <a:t> ca </a:t>
+            </a:r>
+            <a:r>
+              <a:rPr lang="en-US" sz="6600" b="1" dirty="0" err="1">
+                <a:solidFill>
+                  <a:sysClr val="windowText" lastClr="000000"/>
+                </a:solidFill>
+                <a:effectLst>
+                  <a:glow rad="127000">
+                    <a:schemeClr val="bg1"/>
+                  </a:glow>
+                </a:effectLst>
+                <a:latin typeface="VNI-Times" pitchFamily="2" charset="0"/>
+              </a:rPr>
+              <a:t>thi</a:t>
+            </a:r>
+            <a:r>
+              <a:rPr lang="en-US" sz="6600" b="1" dirty="0">
+                <a:solidFill>
+                  <a:sysClr val="windowText" lastClr="000000"/>
+                </a:solidFill>
+                <a:effectLst>
+                  <a:glow rad="127000">
+                    <a:schemeClr val="bg1"/>
+                  </a:glow>
+                </a:effectLst>
+                <a:latin typeface="VNI-Times" pitchFamily="2" charset="0"/>
+              </a:rPr>
+              <a:t>,</a:t>
             </a:r>
             <a:br>
-              <a:rPr lang="en-US" sz="6600" b="1" smtClean="0">
-                <a:solidFill>
-                  <a:sysClr val="windowText" lastClr="000000"/>
-                </a:solidFill>
-                <a:effectLst>
-                  <a:glow rad="127000">
-                    <a:schemeClr val="bg1"/>
-                  </a:glow>
-                </a:effectLst>
-                <a:latin typeface="VNI-Aptima" pitchFamily="2" charset="0"/>
+              <a:rPr lang="en-US" sz="6600" b="1" dirty="0">
+                <a:solidFill>
+                  <a:sysClr val="windowText" lastClr="000000"/>
+                </a:solidFill>
+                <a:effectLst>
+                  <a:glow rad="127000">
+                    <a:schemeClr val="bg1"/>
+                  </a:glow>
+                </a:effectLst>
+                <a:latin typeface="VNI-Times" pitchFamily="2" charset="0"/>
               </a:rPr>
             </a:br>
             <a:r>
-              <a:rPr lang="en-US" sz="6600" b="1" smtClean="0">
-                <a:solidFill>
-                  <a:sysClr val="windowText" lastClr="000000"/>
-                </a:solidFill>
-                <a:effectLst>
-                  <a:glow rad="127000">
-                    <a:schemeClr val="bg1"/>
-                  </a:glow>
-                </a:effectLst>
-                <a:latin typeface="VNI-Aptima" pitchFamily="2" charset="0"/>
-              </a:rPr>
-              <a:t>ñoàng hoaø vaän </a:t>
+              <a:rPr lang="en-US" sz="6600" b="1" dirty="0" err="1">
+                <a:solidFill>
+                  <a:sysClr val="windowText" lastClr="000000"/>
+                </a:solidFill>
+                <a:effectLst>
+                  <a:glow rad="127000">
+                    <a:schemeClr val="bg1"/>
+                  </a:glow>
+                </a:effectLst>
+                <a:latin typeface="VNI-Times" pitchFamily="2" charset="0"/>
+              </a:rPr>
+              <a:t>ñoàng</a:t>
+            </a:r>
+            <a:r>
+              <a:rPr lang="en-US" sz="6600" b="1" dirty="0">
+                <a:solidFill>
+                  <a:sysClr val="windowText" lastClr="000000"/>
+                </a:solidFill>
+                <a:effectLst>
+                  <a:glow rad="127000">
+                    <a:schemeClr val="bg1"/>
+                  </a:glow>
+                </a:effectLst>
+                <a:latin typeface="VNI-Times" pitchFamily="2" charset="0"/>
+              </a:rPr>
+              <a:t> </a:t>
+            </a:r>
+            <a:r>
+              <a:rPr lang="en-US" sz="6600" b="1" dirty="0" err="1">
+                <a:solidFill>
+                  <a:sysClr val="windowText" lastClr="000000"/>
+                </a:solidFill>
+                <a:effectLst>
+                  <a:glow rad="127000">
+                    <a:schemeClr val="bg1"/>
+                  </a:glow>
+                </a:effectLst>
+                <a:latin typeface="VNI-Times" pitchFamily="2" charset="0"/>
+              </a:rPr>
+              <a:t>hoaø</a:t>
+            </a:r>
+            <a:r>
+              <a:rPr lang="en-US" sz="6600" b="1" dirty="0">
+                <a:solidFill>
+                  <a:sysClr val="windowText" lastClr="000000"/>
+                </a:solidFill>
+                <a:effectLst>
+                  <a:glow rad="127000">
+                    <a:schemeClr val="bg1"/>
+                  </a:glow>
+                </a:effectLst>
+                <a:latin typeface="VNI-Times" pitchFamily="2" charset="0"/>
+              </a:rPr>
+              <a:t> </a:t>
+            </a:r>
+            <a:r>
+              <a:rPr lang="en-US" sz="6600" b="1" dirty="0" err="1">
+                <a:solidFill>
+                  <a:sysClr val="windowText" lastClr="000000"/>
+                </a:solidFill>
+                <a:effectLst>
+                  <a:glow rad="127000">
+                    <a:schemeClr val="bg1"/>
+                  </a:glow>
+                </a:effectLst>
+                <a:latin typeface="VNI-Times" pitchFamily="2" charset="0"/>
+              </a:rPr>
+              <a:t>vaän</a:t>
+            </a:r>
+            <a:r>
+              <a:rPr lang="en-US" sz="6600" b="1" dirty="0">
+                <a:solidFill>
+                  <a:sysClr val="windowText" lastClr="000000"/>
+                </a:solidFill>
+                <a:effectLst>
+                  <a:glow rad="127000">
+                    <a:schemeClr val="bg1"/>
+                  </a:glow>
+                </a:effectLst>
+                <a:latin typeface="VNI-Times" pitchFamily="2" charset="0"/>
+              </a:rPr>
+              <a:t> </a:t>
             </a:r>
             <a:br>
-              <a:rPr lang="en-US" sz="6600" b="1" smtClean="0">
-                <a:solidFill>
-                  <a:sysClr val="windowText" lastClr="000000"/>
-                </a:solidFill>
-                <a:effectLst>
-                  <a:glow rad="127000">
-                    <a:schemeClr val="bg1"/>
-                  </a:glow>
-                </a:effectLst>
-                <a:latin typeface="VNI-Aptima" pitchFamily="2" charset="0"/>
+              <a:rPr lang="en-US" sz="6600" b="1" dirty="0">
+                <a:solidFill>
+                  <a:sysClr val="windowText" lastClr="000000"/>
+                </a:solidFill>
+                <a:effectLst>
+                  <a:glow rad="127000">
+                    <a:schemeClr val="bg1"/>
+                  </a:glow>
+                </a:effectLst>
+                <a:latin typeface="VNI-Times" pitchFamily="2" charset="0"/>
               </a:rPr>
             </a:br>
             <a:r>
-              <a:rPr lang="en-US" sz="6600" b="1" smtClean="0">
-                <a:solidFill>
-                  <a:sysClr val="windowText" lastClr="000000"/>
-                </a:solidFill>
-                <a:effectLst>
-                  <a:glow rad="127000">
-                    <a:schemeClr val="bg1"/>
-                  </a:glow>
-                </a:effectLst>
-                <a:latin typeface="VNI-Aptima" pitchFamily="2" charset="0"/>
-              </a:rPr>
-              <a:t>ñieäu möøng vui.</a:t>
-            </a:r>
-            <a:endParaRPr lang="en-US" sz="6600" b="1">
+              <a:rPr lang="en-US" sz="6600" b="1" dirty="0" err="1">
+                <a:solidFill>
+                  <a:sysClr val="windowText" lastClr="000000"/>
+                </a:solidFill>
+                <a:effectLst>
+                  <a:glow rad="127000">
+                    <a:schemeClr val="bg1"/>
+                  </a:glow>
+                </a:effectLst>
+                <a:latin typeface="VNI-Times" pitchFamily="2" charset="0"/>
+              </a:rPr>
+              <a:t>ñieäu</a:t>
+            </a:r>
+            <a:r>
+              <a:rPr lang="en-US" sz="6600" b="1" dirty="0">
+                <a:solidFill>
+                  <a:sysClr val="windowText" lastClr="000000"/>
+                </a:solidFill>
+                <a:effectLst>
+                  <a:glow rad="127000">
+                    <a:schemeClr val="bg1"/>
+                  </a:glow>
+                </a:effectLst>
+                <a:latin typeface="VNI-Times" pitchFamily="2" charset="0"/>
+              </a:rPr>
+              <a:t> </a:t>
+            </a:r>
+            <a:r>
+              <a:rPr lang="en-US" sz="6600" b="1" dirty="0" err="1">
+                <a:solidFill>
+                  <a:sysClr val="windowText" lastClr="000000"/>
+                </a:solidFill>
+                <a:effectLst>
+                  <a:glow rad="127000">
+                    <a:schemeClr val="bg1"/>
+                  </a:glow>
+                </a:effectLst>
+                <a:latin typeface="VNI-Times" pitchFamily="2" charset="0"/>
+              </a:rPr>
+              <a:t>möøng</a:t>
+            </a:r>
+            <a:r>
+              <a:rPr lang="en-US" sz="6600" b="1" dirty="0">
+                <a:solidFill>
+                  <a:sysClr val="windowText" lastClr="000000"/>
+                </a:solidFill>
+                <a:effectLst>
+                  <a:glow rad="127000">
+                    <a:schemeClr val="bg1"/>
+                  </a:glow>
+                </a:effectLst>
+                <a:latin typeface="VNI-Times" pitchFamily="2" charset="0"/>
+              </a:rPr>
+              <a:t> </a:t>
+            </a:r>
+            <a:r>
+              <a:rPr lang="en-US" sz="6600" b="1" dirty="0" err="1">
+                <a:solidFill>
+                  <a:sysClr val="windowText" lastClr="000000"/>
+                </a:solidFill>
+                <a:effectLst>
+                  <a:glow rad="127000">
+                    <a:schemeClr val="bg1"/>
+                  </a:glow>
+                </a:effectLst>
+                <a:latin typeface="VNI-Times" pitchFamily="2" charset="0"/>
+              </a:rPr>
+              <a:t>vui</a:t>
+            </a:r>
+            <a:r>
+              <a:rPr lang="en-US" sz="6600" b="1" dirty="0">
+                <a:solidFill>
+                  <a:sysClr val="windowText" lastClr="000000"/>
+                </a:solidFill>
+                <a:effectLst>
+                  <a:glow rad="127000">
+                    <a:schemeClr val="bg1"/>
+                  </a:glow>
+                </a:effectLst>
+                <a:latin typeface="VNI-Times" pitchFamily="2" charset="0"/>
+              </a:rPr>
+              <a:t>.</a:t>
+            </a:r>
+            <a:endParaRPr lang="en-US" sz="6600" b="1" dirty="0">
               <a:solidFill>
                 <a:prstClr val="black"/>
               </a:solidFill>
@@ -3896,7 +6563,7 @@
                   </a:prstClr>
                 </a:glow>
               </a:effectLst>
-              <a:latin typeface="VNI-Aptima" pitchFamily="2" charset="0"/>
+              <a:latin typeface="VNI-Times" pitchFamily="2" charset="0"/>
             </a:endParaRPr>
           </a:p>
         </p:txBody>
@@ -3911,21 +6578,6 @@
   <p:clrMapOvr>
     <a:overrideClrMapping bg1="lt1" tx1="dk1" bg2="lt2" tx2="dk2" accent1="accent1" accent2="accent2" accent3="accent3" accent4="accent4" accent5="accent5" accent6="accent6" hlink="hlink" folHlink="folHlink"/>
   </p:clrMapOvr>
-  <mc:AlternateContent xmlns:mc="http://schemas.openxmlformats.org/markup-compatibility/2006" xmlns:p14="http://schemas.microsoft.com/office/powerpoint/2010/main">
-    <mc:Choice Requires="p14">
-      <p:transition p14:dur="0"/>
-    </mc:Choice>
-    <mc:Fallback xmlns="">
-      <p:transition/>
-    </mc:Fallback>
-  </mc:AlternateContent>
-  <p:timing>
-    <p:tnLst>
-      <p:par>
-        <p:cTn id="1" dur="indefinite" restart="never" nodeType="tmRoot"/>
-      </p:par>
-    </p:tnLst>
-  </p:timing>
 </p:sld>
 </file>
 
@@ -3984,7 +6636,7 @@
           <a:p>
             <a:pPr algn="ctr"/>
             <a:r>
-              <a:rPr lang="en-US" sz="3200" smtClean="0">
+              <a:rPr lang="en-US" sz="3200" dirty="0">
                 <a:solidFill>
                   <a:srgbClr val="C00000"/>
                 </a:solidFill>
@@ -3993,7 +6645,7 @@
                     <a:prstClr val="white"/>
                   </a:glow>
                 </a:effectLst>
-                <a:latin typeface="VNI-Bandit" pitchFamily="2" charset="0"/>
+                <a:latin typeface="VNI-Times Normal" pitchFamily="2" charset="0"/>
               </a:rPr>
               <a:t>THAÙNH CA 54 – PHÖÔÙC CHO NHAÂN LOAÏI</a:t>
             </a:r>
@@ -4024,47 +6676,383 @@
           <a:p>
             <a:pPr algn="ctr"/>
             <a:r>
-              <a:rPr lang="en-US" sz="6600" b="1" smtClean="0">
-                <a:solidFill>
-                  <a:sysClr val="windowText" lastClr="000000"/>
-                </a:solidFill>
-                <a:effectLst>
-                  <a:glow rad="127000">
-                    <a:schemeClr val="bg1"/>
-                  </a:glow>
-                </a:effectLst>
-                <a:latin typeface="VNI-Aptima" pitchFamily="2" charset="0"/>
-              </a:rPr>
-              <a:t>Ñoàng hoaø vaän ñieäu möøng vui, hoaø khuùc thaùnh ca hæ haân </a:t>
+              <a:rPr lang="en-US" sz="6600" b="1" dirty="0" err="1">
+                <a:solidFill>
+                  <a:sysClr val="windowText" lastClr="000000"/>
+                </a:solidFill>
+                <a:effectLst>
+                  <a:glow rad="127000">
+                    <a:schemeClr val="bg1"/>
+                  </a:glow>
+                </a:effectLst>
+                <a:latin typeface="VNI-Times" pitchFamily="2" charset="0"/>
+              </a:rPr>
+              <a:t>Ñoàng</a:t>
+            </a:r>
+            <a:r>
+              <a:rPr lang="en-US" sz="6600" b="1" dirty="0">
+                <a:solidFill>
+                  <a:sysClr val="windowText" lastClr="000000"/>
+                </a:solidFill>
+                <a:effectLst>
+                  <a:glow rad="127000">
+                    <a:schemeClr val="bg1"/>
+                  </a:glow>
+                </a:effectLst>
+                <a:latin typeface="VNI-Times" pitchFamily="2" charset="0"/>
+              </a:rPr>
+              <a:t> </a:t>
+            </a:r>
+            <a:r>
+              <a:rPr lang="en-US" sz="6600" b="1" dirty="0" err="1">
+                <a:solidFill>
+                  <a:sysClr val="windowText" lastClr="000000"/>
+                </a:solidFill>
+                <a:effectLst>
+                  <a:glow rad="127000">
+                    <a:schemeClr val="bg1"/>
+                  </a:glow>
+                </a:effectLst>
+                <a:latin typeface="VNI-Times" pitchFamily="2" charset="0"/>
+              </a:rPr>
+              <a:t>hoaø</a:t>
+            </a:r>
+            <a:r>
+              <a:rPr lang="en-US" sz="6600" b="1" dirty="0">
+                <a:solidFill>
+                  <a:sysClr val="windowText" lastClr="000000"/>
+                </a:solidFill>
+                <a:effectLst>
+                  <a:glow rad="127000">
+                    <a:schemeClr val="bg1"/>
+                  </a:glow>
+                </a:effectLst>
+                <a:latin typeface="VNI-Times" pitchFamily="2" charset="0"/>
+              </a:rPr>
+              <a:t> </a:t>
+            </a:r>
+            <a:r>
+              <a:rPr lang="en-US" sz="6600" b="1" dirty="0" err="1">
+                <a:solidFill>
+                  <a:sysClr val="windowText" lastClr="000000"/>
+                </a:solidFill>
+                <a:effectLst>
+                  <a:glow rad="127000">
+                    <a:schemeClr val="bg1"/>
+                  </a:glow>
+                </a:effectLst>
+                <a:latin typeface="VNI-Times" pitchFamily="2" charset="0"/>
+              </a:rPr>
+              <a:t>vaän</a:t>
+            </a:r>
+            <a:r>
+              <a:rPr lang="en-US" sz="6600" b="1" dirty="0">
+                <a:solidFill>
+                  <a:sysClr val="windowText" lastClr="000000"/>
+                </a:solidFill>
+                <a:effectLst>
+                  <a:glow rad="127000">
+                    <a:schemeClr val="bg1"/>
+                  </a:glow>
+                </a:effectLst>
+                <a:latin typeface="VNI-Times" pitchFamily="2" charset="0"/>
+              </a:rPr>
+              <a:t> </a:t>
+            </a:r>
+            <a:r>
+              <a:rPr lang="en-US" sz="6600" b="1" dirty="0" err="1">
+                <a:solidFill>
+                  <a:sysClr val="windowText" lastClr="000000"/>
+                </a:solidFill>
+                <a:effectLst>
+                  <a:glow rad="127000">
+                    <a:schemeClr val="bg1"/>
+                  </a:glow>
+                </a:effectLst>
+                <a:latin typeface="VNI-Times" pitchFamily="2" charset="0"/>
+              </a:rPr>
+              <a:t>ñieäu</a:t>
+            </a:r>
+            <a:r>
+              <a:rPr lang="en-US" sz="6600" b="1" dirty="0">
+                <a:solidFill>
+                  <a:sysClr val="windowText" lastClr="000000"/>
+                </a:solidFill>
+                <a:effectLst>
+                  <a:glow rad="127000">
+                    <a:schemeClr val="bg1"/>
+                  </a:glow>
+                </a:effectLst>
+                <a:latin typeface="VNI-Times" pitchFamily="2" charset="0"/>
+              </a:rPr>
+              <a:t> </a:t>
+            </a:r>
+            <a:r>
+              <a:rPr lang="en-US" sz="6600" b="1" dirty="0" err="1">
+                <a:solidFill>
+                  <a:sysClr val="windowText" lastClr="000000"/>
+                </a:solidFill>
+                <a:effectLst>
+                  <a:glow rad="127000">
+                    <a:schemeClr val="bg1"/>
+                  </a:glow>
+                </a:effectLst>
+                <a:latin typeface="VNI-Times" pitchFamily="2" charset="0"/>
+              </a:rPr>
+              <a:t>möøng</a:t>
+            </a:r>
+            <a:r>
+              <a:rPr lang="en-US" sz="6600" b="1" dirty="0">
+                <a:solidFill>
+                  <a:sysClr val="windowText" lastClr="000000"/>
+                </a:solidFill>
+                <a:effectLst>
+                  <a:glow rad="127000">
+                    <a:schemeClr val="bg1"/>
+                  </a:glow>
+                </a:effectLst>
+                <a:latin typeface="VNI-Times" pitchFamily="2" charset="0"/>
+              </a:rPr>
+              <a:t> </a:t>
+            </a:r>
+            <a:r>
+              <a:rPr lang="en-US" sz="6600" b="1" dirty="0" err="1">
+                <a:solidFill>
+                  <a:sysClr val="windowText" lastClr="000000"/>
+                </a:solidFill>
+                <a:effectLst>
+                  <a:glow rad="127000">
+                    <a:schemeClr val="bg1"/>
+                  </a:glow>
+                </a:effectLst>
+                <a:latin typeface="VNI-Times" pitchFamily="2" charset="0"/>
+              </a:rPr>
+              <a:t>vui</a:t>
+            </a:r>
+            <a:r>
+              <a:rPr lang="en-US" sz="6600" b="1" dirty="0">
+                <a:solidFill>
+                  <a:sysClr val="windowText" lastClr="000000"/>
+                </a:solidFill>
+                <a:effectLst>
+                  <a:glow rad="127000">
+                    <a:schemeClr val="bg1"/>
+                  </a:glow>
+                </a:effectLst>
+                <a:latin typeface="VNI-Times" pitchFamily="2" charset="0"/>
+              </a:rPr>
+              <a:t>, </a:t>
+            </a:r>
+            <a:r>
+              <a:rPr lang="en-US" sz="6600" b="1" dirty="0" err="1">
+                <a:solidFill>
+                  <a:sysClr val="windowText" lastClr="000000"/>
+                </a:solidFill>
+                <a:effectLst>
+                  <a:glow rad="127000">
+                    <a:schemeClr val="bg1"/>
+                  </a:glow>
+                </a:effectLst>
+                <a:latin typeface="VNI-Times" pitchFamily="2" charset="0"/>
+              </a:rPr>
+              <a:t>hoaø</a:t>
+            </a:r>
+            <a:r>
+              <a:rPr lang="en-US" sz="6600" b="1" dirty="0">
+                <a:solidFill>
+                  <a:sysClr val="windowText" lastClr="000000"/>
+                </a:solidFill>
+                <a:effectLst>
+                  <a:glow rad="127000">
+                    <a:schemeClr val="bg1"/>
+                  </a:glow>
+                </a:effectLst>
+                <a:latin typeface="VNI-Times" pitchFamily="2" charset="0"/>
+              </a:rPr>
+              <a:t> </a:t>
+            </a:r>
+            <a:r>
+              <a:rPr lang="en-US" sz="6600" b="1" dirty="0" err="1">
+                <a:solidFill>
+                  <a:sysClr val="windowText" lastClr="000000"/>
+                </a:solidFill>
+                <a:effectLst>
+                  <a:glow rad="127000">
+                    <a:schemeClr val="bg1"/>
+                  </a:glow>
+                </a:effectLst>
+                <a:latin typeface="VNI-Times" pitchFamily="2" charset="0"/>
+              </a:rPr>
+              <a:t>khuùc</a:t>
+            </a:r>
+            <a:r>
+              <a:rPr lang="en-US" sz="6600" b="1" dirty="0">
+                <a:solidFill>
+                  <a:sysClr val="windowText" lastClr="000000"/>
+                </a:solidFill>
+                <a:effectLst>
+                  <a:glow rad="127000">
+                    <a:schemeClr val="bg1"/>
+                  </a:glow>
+                </a:effectLst>
+                <a:latin typeface="VNI-Times" pitchFamily="2" charset="0"/>
+              </a:rPr>
+              <a:t> </a:t>
+            </a:r>
+            <a:r>
+              <a:rPr lang="en-US" sz="6600" b="1" dirty="0" err="1">
+                <a:solidFill>
+                  <a:sysClr val="windowText" lastClr="000000"/>
+                </a:solidFill>
+                <a:effectLst>
+                  <a:glow rad="127000">
+                    <a:schemeClr val="bg1"/>
+                  </a:glow>
+                </a:effectLst>
+                <a:latin typeface="VNI-Times" pitchFamily="2" charset="0"/>
+              </a:rPr>
+              <a:t>thaùnh</a:t>
+            </a:r>
+            <a:r>
+              <a:rPr lang="en-US" sz="6600" b="1" dirty="0">
+                <a:solidFill>
+                  <a:sysClr val="windowText" lastClr="000000"/>
+                </a:solidFill>
+                <a:effectLst>
+                  <a:glow rad="127000">
+                    <a:schemeClr val="bg1"/>
+                  </a:glow>
+                </a:effectLst>
+                <a:latin typeface="VNI-Times" pitchFamily="2" charset="0"/>
+              </a:rPr>
+              <a:t> ca </a:t>
+            </a:r>
+            <a:r>
+              <a:rPr lang="en-US" sz="6600" b="1" dirty="0" err="1">
+                <a:solidFill>
+                  <a:sysClr val="windowText" lastClr="000000"/>
+                </a:solidFill>
+                <a:effectLst>
+                  <a:glow rad="127000">
+                    <a:schemeClr val="bg1"/>
+                  </a:glow>
+                </a:effectLst>
+                <a:latin typeface="VNI-Times" pitchFamily="2" charset="0"/>
+              </a:rPr>
+              <a:t>hæ</a:t>
+            </a:r>
+            <a:r>
+              <a:rPr lang="en-US" sz="6600" b="1" dirty="0">
+                <a:solidFill>
+                  <a:sysClr val="windowText" lastClr="000000"/>
+                </a:solidFill>
+                <a:effectLst>
+                  <a:glow rad="127000">
+                    <a:schemeClr val="bg1"/>
+                  </a:glow>
+                </a:effectLst>
+                <a:latin typeface="VNI-Times" pitchFamily="2" charset="0"/>
+              </a:rPr>
+              <a:t> </a:t>
+            </a:r>
+            <a:r>
+              <a:rPr lang="en-US" sz="6600" b="1" dirty="0" err="1">
+                <a:solidFill>
+                  <a:sysClr val="windowText" lastClr="000000"/>
+                </a:solidFill>
+                <a:effectLst>
+                  <a:glow rad="127000">
+                    <a:schemeClr val="bg1"/>
+                  </a:glow>
+                </a:effectLst>
+                <a:latin typeface="VNI-Times" pitchFamily="2" charset="0"/>
+              </a:rPr>
+              <a:t>haân</a:t>
+            </a:r>
+            <a:r>
+              <a:rPr lang="en-US" sz="6600" b="1" dirty="0">
+                <a:solidFill>
+                  <a:sysClr val="windowText" lastClr="000000"/>
+                </a:solidFill>
+                <a:effectLst>
+                  <a:glow rad="127000">
+                    <a:schemeClr val="bg1"/>
+                  </a:glow>
+                </a:effectLst>
+                <a:latin typeface="VNI-Times" pitchFamily="2" charset="0"/>
+              </a:rPr>
+              <a:t> </a:t>
             </a:r>
             <a:br>
-              <a:rPr lang="en-US" sz="6600" b="1" smtClean="0">
-                <a:solidFill>
-                  <a:sysClr val="windowText" lastClr="000000"/>
-                </a:solidFill>
-                <a:effectLst>
-                  <a:glow rad="127000">
-                    <a:schemeClr val="bg1"/>
-                  </a:glow>
-                </a:effectLst>
-                <a:latin typeface="VNI-Aptima" pitchFamily="2" charset="0"/>
+              <a:rPr lang="en-US" sz="6600" b="1" dirty="0">
+                <a:solidFill>
+                  <a:sysClr val="windowText" lastClr="000000"/>
+                </a:solidFill>
+                <a:effectLst>
+                  <a:glow rad="127000">
+                    <a:schemeClr val="bg1"/>
+                  </a:glow>
+                </a:effectLst>
+                <a:latin typeface="VNI-Times" pitchFamily="2" charset="0"/>
               </a:rPr>
             </a:br>
             <a:r>
-              <a:rPr lang="en-US" sz="6600" b="1" smtClean="0">
-                <a:solidFill>
-                  <a:sysClr val="windowText" lastClr="000000"/>
-                </a:solidFill>
-                <a:effectLst>
-                  <a:glow rad="127000">
-                    <a:schemeClr val="bg1"/>
-                  </a:glow>
-                </a:effectLst>
-                <a:latin typeface="VNI-Aptima" pitchFamily="2" charset="0"/>
-              </a:rPr>
-              <a:t>muoân ñôøi.</a:t>
-            </a:r>
-            <a:endParaRPr lang="en-US" sz="6600" b="1">
+              <a:rPr lang="en-US" sz="6600" b="1" dirty="0" err="1">
+                <a:solidFill>
+                  <a:sysClr val="windowText" lastClr="000000"/>
+                </a:solidFill>
+                <a:effectLst>
+                  <a:glow rad="127000">
+                    <a:schemeClr val="bg1"/>
+                  </a:glow>
+                </a:effectLst>
+                <a:latin typeface="VNI-Times" pitchFamily="2" charset="0"/>
+              </a:rPr>
+              <a:t>muoân</a:t>
+            </a:r>
+            <a:r>
+              <a:rPr lang="en-US" sz="6600" b="1" dirty="0">
+                <a:solidFill>
+                  <a:sysClr val="windowText" lastClr="000000"/>
+                </a:solidFill>
+                <a:effectLst>
+                  <a:glow rad="127000">
+                    <a:schemeClr val="bg1"/>
+                  </a:glow>
+                </a:effectLst>
+                <a:latin typeface="VNI-Times" pitchFamily="2" charset="0"/>
+              </a:rPr>
+              <a:t> </a:t>
+            </a:r>
+            <a:r>
+              <a:rPr lang="en-US" sz="6600" b="1" dirty="0" err="1">
+                <a:solidFill>
+                  <a:sysClr val="windowText" lastClr="000000"/>
+                </a:solidFill>
+                <a:effectLst>
+                  <a:glow rad="127000">
+                    <a:schemeClr val="bg1"/>
+                  </a:glow>
+                </a:effectLst>
+                <a:latin typeface="VNI-Times" pitchFamily="2" charset="0"/>
+              </a:rPr>
+              <a:t>ñôøi</a:t>
+            </a:r>
+            <a:r>
+              <a:rPr lang="en-US" sz="6600" b="1" dirty="0">
+                <a:solidFill>
+                  <a:sysClr val="windowText" lastClr="000000"/>
+                </a:solidFill>
+                <a:effectLst>
+                  <a:glow rad="127000">
+                    <a:schemeClr val="bg1"/>
+                  </a:glow>
+                </a:effectLst>
+                <a:latin typeface="VNI-Times" pitchFamily="2" charset="0"/>
+              </a:rPr>
+              <a:t>.</a:t>
+            </a:r>
+            <a:endParaRPr lang="en-US" sz="6600" b="1" dirty="0">
               <a:solidFill>
                 <a:prstClr val="black"/>
               </a:solidFill>
@@ -4075,7 +7063,7 @@
                   </a:prstClr>
                 </a:glow>
               </a:effectLst>
-              <a:latin typeface="VNI-Aptima" pitchFamily="2" charset="0"/>
+              <a:latin typeface="VNI-Times" pitchFamily="2" charset="0"/>
             </a:endParaRPr>
           </a:p>
         </p:txBody>
@@ -4090,21 +7078,6 @@
   <p:clrMapOvr>
     <a:overrideClrMapping bg1="lt1" tx1="dk1" bg2="lt2" tx2="dk2" accent1="accent1" accent2="accent2" accent3="accent3" accent4="accent4" accent5="accent5" accent6="accent6" hlink="hlink" folHlink="folHlink"/>
   </p:clrMapOvr>
-  <mc:AlternateContent xmlns:mc="http://schemas.openxmlformats.org/markup-compatibility/2006" xmlns:p14="http://schemas.microsoft.com/office/powerpoint/2010/main">
-    <mc:Choice Requires="p14">
-      <p:transition p14:dur="0"/>
-    </mc:Choice>
-    <mc:Fallback xmlns="">
-      <p:transition/>
-    </mc:Fallback>
-  </mc:AlternateContent>
-  <p:timing>
-    <p:tnLst>
-      <p:par>
-        <p:cTn id="1" dur="indefinite" restart="never" nodeType="tmRoot"/>
-      </p:par>
-    </p:tnLst>
-  </p:timing>
 </p:sld>
 </file>
 
@@ -4149,7 +7122,7 @@
           <a:p>
             <a:pPr algn="ctr"/>
             <a:r>
-              <a:rPr lang="en-US" sz="3200" smtClean="0">
+              <a:rPr lang="en-US" sz="3200" dirty="0">
                 <a:solidFill>
                   <a:srgbClr val="C00000"/>
                 </a:solidFill>
@@ -4158,7 +7131,7 @@
                     <a:prstClr val="white"/>
                   </a:glow>
                 </a:effectLst>
-                <a:latin typeface="VNI-Bandit" pitchFamily="2" charset="0"/>
+                <a:latin typeface="VNI-Times Normal" pitchFamily="2" charset="0"/>
               </a:rPr>
               <a:t>THAÙNH CA 54 – PHÖÔÙC CHO NHAÂN LOAÏI</a:t>
             </a:r>
@@ -4189,7 +7162,7 @@
           <a:p>
             <a:pPr algn="ctr"/>
             <a:r>
-              <a:rPr lang="en-US" sz="4000" b="1" smtClean="0">
+              <a:rPr lang="en-US" sz="4000" b="1" dirty="0">
                 <a:solidFill>
                   <a:sysClr val="windowText" lastClr="000000"/>
                 </a:solidFill>
@@ -4198,12 +7171,12 @@
                     <a:prstClr val="white"/>
                   </a:glow>
                 </a:effectLst>
-                <a:latin typeface="VNI-Aptima" pitchFamily="2" charset="0"/>
+                <a:latin typeface="VNI-Times" pitchFamily="2" charset="0"/>
               </a:rPr>
               <a:t>3.</a:t>
             </a:r>
             <a:r>
-              <a:rPr lang="en-US" sz="6600" b="1" smtClean="0">
+              <a:rPr lang="en-US" sz="6600" b="1" dirty="0">
                 <a:solidFill>
                   <a:sysClr val="windowText" lastClr="000000"/>
                 </a:solidFill>
@@ -4212,106 +7185,442 @@
                     <a:prstClr val="white"/>
                   </a:glow>
                 </a:effectLst>
-                <a:latin typeface="VNI-Aptima" pitchFamily="2" charset="0"/>
-              </a:rPr>
-              <a:t> </a:t>
-            </a:r>
-            <a:r>
-              <a:rPr lang="en-US" sz="6600" b="1" smtClean="0">
-                <a:solidFill>
-                  <a:sysClr val="windowText" lastClr="000000"/>
-                </a:solidFill>
-                <a:effectLst>
-                  <a:glow rad="127000">
-                    <a:schemeClr val="bg1"/>
-                  </a:glow>
-                </a:effectLst>
-                <a:latin typeface="VNI-Aptima" pitchFamily="2" charset="0"/>
-              </a:rPr>
-              <a:t>Chuùa ñeán tieâu dieät </a:t>
+                <a:latin typeface="VNI-Times" pitchFamily="2" charset="0"/>
+              </a:rPr>
+              <a:t> </a:t>
+            </a:r>
+            <a:r>
+              <a:rPr lang="en-US" sz="6600" b="1" dirty="0" err="1">
+                <a:solidFill>
+                  <a:sysClr val="windowText" lastClr="000000"/>
+                </a:solidFill>
+                <a:effectLst>
+                  <a:glow rad="127000">
+                    <a:schemeClr val="bg1"/>
+                  </a:glow>
+                </a:effectLst>
+                <a:latin typeface="VNI-Times" pitchFamily="2" charset="0"/>
+              </a:rPr>
+              <a:t>Chuùa</a:t>
+            </a:r>
+            <a:r>
+              <a:rPr lang="en-US" sz="6600" b="1" dirty="0">
+                <a:solidFill>
+                  <a:sysClr val="windowText" lastClr="000000"/>
+                </a:solidFill>
+                <a:effectLst>
+                  <a:glow rad="127000">
+                    <a:schemeClr val="bg1"/>
+                  </a:glow>
+                </a:effectLst>
+                <a:latin typeface="VNI-Times" pitchFamily="2" charset="0"/>
+              </a:rPr>
+              <a:t> </a:t>
+            </a:r>
+            <a:r>
+              <a:rPr lang="en-US" sz="6600" b="1" dirty="0" err="1">
+                <a:solidFill>
+                  <a:sysClr val="windowText" lastClr="000000"/>
+                </a:solidFill>
+                <a:effectLst>
+                  <a:glow rad="127000">
+                    <a:schemeClr val="bg1"/>
+                  </a:glow>
+                </a:effectLst>
+                <a:latin typeface="VNI-Times" pitchFamily="2" charset="0"/>
+              </a:rPr>
+              <a:t>ñeán</a:t>
+            </a:r>
+            <a:r>
+              <a:rPr lang="en-US" sz="6600" b="1" dirty="0">
+                <a:solidFill>
+                  <a:sysClr val="windowText" lastClr="000000"/>
+                </a:solidFill>
+                <a:effectLst>
+                  <a:glow rad="127000">
+                    <a:schemeClr val="bg1"/>
+                  </a:glow>
+                </a:effectLst>
+                <a:latin typeface="VNI-Times" pitchFamily="2" charset="0"/>
+              </a:rPr>
+              <a:t> </a:t>
+            </a:r>
+            <a:r>
+              <a:rPr lang="en-US" sz="6600" b="1" dirty="0" err="1">
+                <a:solidFill>
+                  <a:sysClr val="windowText" lastClr="000000"/>
+                </a:solidFill>
+                <a:effectLst>
+                  <a:glow rad="127000">
+                    <a:schemeClr val="bg1"/>
+                  </a:glow>
+                </a:effectLst>
+                <a:latin typeface="VNI-Times" pitchFamily="2" charset="0"/>
+              </a:rPr>
+              <a:t>tieâu</a:t>
+            </a:r>
+            <a:r>
+              <a:rPr lang="en-US" sz="6600" b="1" dirty="0">
+                <a:solidFill>
+                  <a:sysClr val="windowText" lastClr="000000"/>
+                </a:solidFill>
+                <a:effectLst>
+                  <a:glow rad="127000">
+                    <a:schemeClr val="bg1"/>
+                  </a:glow>
+                </a:effectLst>
+                <a:latin typeface="VNI-Times" pitchFamily="2" charset="0"/>
+              </a:rPr>
+              <a:t> </a:t>
+            </a:r>
+            <a:r>
+              <a:rPr lang="en-US" sz="6600" b="1" dirty="0" err="1">
+                <a:solidFill>
+                  <a:sysClr val="windowText" lastClr="000000"/>
+                </a:solidFill>
+                <a:effectLst>
+                  <a:glow rad="127000">
+                    <a:schemeClr val="bg1"/>
+                  </a:glow>
+                </a:effectLst>
+                <a:latin typeface="VNI-Times" pitchFamily="2" charset="0"/>
+              </a:rPr>
+              <a:t>dieät</a:t>
+            </a:r>
+            <a:r>
+              <a:rPr lang="en-US" sz="6600" b="1" dirty="0">
+                <a:solidFill>
+                  <a:sysClr val="windowText" lastClr="000000"/>
+                </a:solidFill>
+                <a:effectLst>
+                  <a:glow rad="127000">
+                    <a:schemeClr val="bg1"/>
+                  </a:glow>
+                </a:effectLst>
+                <a:latin typeface="VNI-Times" pitchFamily="2" charset="0"/>
+              </a:rPr>
+              <a:t> </a:t>
             </a:r>
             <a:br>
-              <a:rPr lang="en-US" sz="6600" b="1" smtClean="0">
-                <a:solidFill>
-                  <a:sysClr val="windowText" lastClr="000000"/>
-                </a:solidFill>
-                <a:effectLst>
-                  <a:glow rad="127000">
-                    <a:schemeClr val="bg1"/>
-                  </a:glow>
-                </a:effectLst>
-                <a:latin typeface="VNI-Aptima" pitchFamily="2" charset="0"/>
+              <a:rPr lang="en-US" sz="6600" b="1" dirty="0">
+                <a:solidFill>
+                  <a:sysClr val="windowText" lastClr="000000"/>
+                </a:solidFill>
+                <a:effectLst>
+                  <a:glow rad="127000">
+                    <a:schemeClr val="bg1"/>
+                  </a:glow>
+                </a:effectLst>
+                <a:latin typeface="VNI-Times" pitchFamily="2" charset="0"/>
               </a:rPr>
             </a:br>
             <a:r>
-              <a:rPr lang="en-US" sz="6600" b="1" smtClean="0">
-                <a:solidFill>
-                  <a:sysClr val="windowText" lastClr="000000"/>
-                </a:solidFill>
-                <a:effectLst>
-                  <a:glow rad="127000">
-                    <a:schemeClr val="bg1"/>
-                  </a:glow>
-                </a:effectLst>
-                <a:latin typeface="VNI-Aptima" pitchFamily="2" charset="0"/>
-              </a:rPr>
-              <a:t>aùc khieân, bònh taät,</a:t>
+              <a:rPr lang="en-US" sz="6600" b="1" dirty="0" err="1">
+                <a:solidFill>
+                  <a:sysClr val="windowText" lastClr="000000"/>
+                </a:solidFill>
+                <a:effectLst>
+                  <a:glow rad="127000">
+                    <a:schemeClr val="bg1"/>
+                  </a:glow>
+                </a:effectLst>
+                <a:latin typeface="VNI-Times" pitchFamily="2" charset="0"/>
+              </a:rPr>
+              <a:t>aùc</a:t>
+            </a:r>
+            <a:r>
+              <a:rPr lang="en-US" sz="6600" b="1" dirty="0">
+                <a:solidFill>
+                  <a:sysClr val="windowText" lastClr="000000"/>
+                </a:solidFill>
+                <a:effectLst>
+                  <a:glow rad="127000">
+                    <a:schemeClr val="bg1"/>
+                  </a:glow>
+                </a:effectLst>
+                <a:latin typeface="VNI-Times" pitchFamily="2" charset="0"/>
+              </a:rPr>
+              <a:t> </a:t>
+            </a:r>
+            <a:r>
+              <a:rPr lang="en-US" sz="6600" b="1" dirty="0" err="1">
+                <a:solidFill>
+                  <a:sysClr val="windowText" lastClr="000000"/>
+                </a:solidFill>
+                <a:effectLst>
+                  <a:glow rad="127000">
+                    <a:schemeClr val="bg1"/>
+                  </a:glow>
+                </a:effectLst>
+                <a:latin typeface="VNI-Times" pitchFamily="2" charset="0"/>
+              </a:rPr>
+              <a:t>khieân</a:t>
+            </a:r>
+            <a:r>
+              <a:rPr lang="en-US" sz="6600" b="1" dirty="0">
+                <a:solidFill>
+                  <a:sysClr val="windowText" lastClr="000000"/>
+                </a:solidFill>
+                <a:effectLst>
+                  <a:glow rad="127000">
+                    <a:schemeClr val="bg1"/>
+                  </a:glow>
+                </a:effectLst>
+                <a:latin typeface="VNI-Times" pitchFamily="2" charset="0"/>
+              </a:rPr>
+              <a:t>, </a:t>
+            </a:r>
+            <a:r>
+              <a:rPr lang="en-US" sz="6600" b="1" dirty="0" err="1">
+                <a:solidFill>
+                  <a:sysClr val="windowText" lastClr="000000"/>
+                </a:solidFill>
+                <a:effectLst>
+                  <a:glow rad="127000">
+                    <a:schemeClr val="bg1"/>
+                  </a:glow>
+                </a:effectLst>
+                <a:latin typeface="VNI-Times" pitchFamily="2" charset="0"/>
+              </a:rPr>
+              <a:t>bònh</a:t>
+            </a:r>
+            <a:r>
+              <a:rPr lang="en-US" sz="6600" b="1" dirty="0">
+                <a:solidFill>
+                  <a:sysClr val="windowText" lastClr="000000"/>
+                </a:solidFill>
+                <a:effectLst>
+                  <a:glow rad="127000">
+                    <a:schemeClr val="bg1"/>
+                  </a:glow>
+                </a:effectLst>
+                <a:latin typeface="VNI-Times" pitchFamily="2" charset="0"/>
+              </a:rPr>
+              <a:t> </a:t>
+            </a:r>
+            <a:r>
+              <a:rPr lang="en-US" sz="6600" b="1" dirty="0" err="1">
+                <a:solidFill>
+                  <a:sysClr val="windowText" lastClr="000000"/>
+                </a:solidFill>
+                <a:effectLst>
+                  <a:glow rad="127000">
+                    <a:schemeClr val="bg1"/>
+                  </a:glow>
+                </a:effectLst>
+                <a:latin typeface="VNI-Times" pitchFamily="2" charset="0"/>
+              </a:rPr>
+              <a:t>taät</a:t>
+            </a:r>
+            <a:r>
+              <a:rPr lang="en-US" sz="6600" b="1" dirty="0">
+                <a:solidFill>
+                  <a:sysClr val="windowText" lastClr="000000"/>
+                </a:solidFill>
+                <a:effectLst>
+                  <a:glow rad="127000">
+                    <a:schemeClr val="bg1"/>
+                  </a:glow>
+                </a:effectLst>
+                <a:latin typeface="VNI-Times" pitchFamily="2" charset="0"/>
+              </a:rPr>
+              <a:t>,</a:t>
             </a:r>
             <a:br>
-              <a:rPr lang="en-US" sz="6600" b="1" smtClean="0">
-                <a:solidFill>
-                  <a:sysClr val="windowText" lastClr="000000"/>
-                </a:solidFill>
-                <a:effectLst>
-                  <a:glow rad="127000">
-                    <a:schemeClr val="bg1"/>
-                  </a:glow>
-                </a:effectLst>
-                <a:latin typeface="VNI-Aptima" pitchFamily="2" charset="0"/>
+              <a:rPr lang="en-US" sz="6600" b="1" dirty="0">
+                <a:solidFill>
+                  <a:sysClr val="windowText" lastClr="000000"/>
+                </a:solidFill>
+                <a:effectLst>
+                  <a:glow rad="127000">
+                    <a:schemeClr val="bg1"/>
+                  </a:glow>
+                </a:effectLst>
+                <a:latin typeface="VNI-Times" pitchFamily="2" charset="0"/>
               </a:rPr>
             </a:br>
             <a:r>
-              <a:rPr lang="en-US" sz="6600" b="1" smtClean="0">
-                <a:solidFill>
-                  <a:sysClr val="windowText" lastClr="000000"/>
-                </a:solidFill>
-                <a:effectLst>
-                  <a:glow rad="127000">
-                    <a:schemeClr val="bg1"/>
-                  </a:glow>
-                </a:effectLst>
-                <a:latin typeface="VNI-Aptima" pitchFamily="2" charset="0"/>
-              </a:rPr>
-              <a:t>taät leâ khoâng sanh </a:t>
+              <a:rPr lang="en-US" sz="6600" b="1" dirty="0" err="1">
+                <a:solidFill>
+                  <a:sysClr val="windowText" lastClr="000000"/>
+                </a:solidFill>
+                <a:effectLst>
+                  <a:glow rad="127000">
+                    <a:schemeClr val="bg1"/>
+                  </a:glow>
+                </a:effectLst>
+                <a:latin typeface="VNI-Times" pitchFamily="2" charset="0"/>
+              </a:rPr>
+              <a:t>taät</a:t>
+            </a:r>
+            <a:r>
+              <a:rPr lang="en-US" sz="6600" b="1" dirty="0">
+                <a:solidFill>
+                  <a:sysClr val="windowText" lastClr="000000"/>
+                </a:solidFill>
+                <a:effectLst>
+                  <a:glow rad="127000">
+                    <a:schemeClr val="bg1"/>
+                  </a:glow>
+                </a:effectLst>
+                <a:latin typeface="VNI-Times" pitchFamily="2" charset="0"/>
+              </a:rPr>
+              <a:t> </a:t>
+            </a:r>
+            <a:r>
+              <a:rPr lang="en-US" sz="6600" b="1" dirty="0" err="1">
+                <a:solidFill>
+                  <a:sysClr val="windowText" lastClr="000000"/>
+                </a:solidFill>
+                <a:effectLst>
+                  <a:glow rad="127000">
+                    <a:schemeClr val="bg1"/>
+                  </a:glow>
+                </a:effectLst>
+                <a:latin typeface="VNI-Times" pitchFamily="2" charset="0"/>
+              </a:rPr>
+              <a:t>leâ</a:t>
+            </a:r>
+            <a:r>
+              <a:rPr lang="en-US" sz="6600" b="1" dirty="0">
+                <a:solidFill>
+                  <a:sysClr val="windowText" lastClr="000000"/>
+                </a:solidFill>
+                <a:effectLst>
+                  <a:glow rad="127000">
+                    <a:schemeClr val="bg1"/>
+                  </a:glow>
+                </a:effectLst>
+                <a:latin typeface="VNI-Times" pitchFamily="2" charset="0"/>
+              </a:rPr>
+              <a:t> </a:t>
+            </a:r>
+            <a:r>
+              <a:rPr lang="en-US" sz="6600" b="1" dirty="0" err="1">
+                <a:solidFill>
+                  <a:sysClr val="windowText" lastClr="000000"/>
+                </a:solidFill>
+                <a:effectLst>
+                  <a:glow rad="127000">
+                    <a:schemeClr val="bg1"/>
+                  </a:glow>
+                </a:effectLst>
+                <a:latin typeface="VNI-Times" pitchFamily="2" charset="0"/>
+              </a:rPr>
+              <a:t>khoâng</a:t>
+            </a:r>
+            <a:r>
+              <a:rPr lang="en-US" sz="6600" b="1" dirty="0">
+                <a:solidFill>
+                  <a:sysClr val="windowText" lastClr="000000"/>
+                </a:solidFill>
+                <a:effectLst>
+                  <a:glow rad="127000">
+                    <a:schemeClr val="bg1"/>
+                  </a:glow>
+                </a:effectLst>
+                <a:latin typeface="VNI-Times" pitchFamily="2" charset="0"/>
+              </a:rPr>
+              <a:t> </a:t>
+            </a:r>
+            <a:r>
+              <a:rPr lang="en-US" sz="6600" b="1" dirty="0" err="1">
+                <a:solidFill>
+                  <a:sysClr val="windowText" lastClr="000000"/>
+                </a:solidFill>
+                <a:effectLst>
+                  <a:glow rad="127000">
+                    <a:schemeClr val="bg1"/>
+                  </a:glow>
+                </a:effectLst>
+                <a:latin typeface="VNI-Times" pitchFamily="2" charset="0"/>
+              </a:rPr>
+              <a:t>sanh</a:t>
+            </a:r>
+            <a:r>
+              <a:rPr lang="en-US" sz="6600" b="1" dirty="0">
+                <a:solidFill>
+                  <a:sysClr val="windowText" lastClr="000000"/>
+                </a:solidFill>
+                <a:effectLst>
+                  <a:glow rad="127000">
+                    <a:schemeClr val="bg1"/>
+                  </a:glow>
+                </a:effectLst>
+                <a:latin typeface="VNI-Times" pitchFamily="2" charset="0"/>
+              </a:rPr>
+              <a:t> </a:t>
             </a:r>
             <a:br>
-              <a:rPr lang="en-US" sz="6600" b="1" smtClean="0">
-                <a:solidFill>
-                  <a:sysClr val="windowText" lastClr="000000"/>
-                </a:solidFill>
-                <a:effectLst>
-                  <a:glow rad="127000">
-                    <a:schemeClr val="bg1"/>
-                  </a:glow>
-                </a:effectLst>
-                <a:latin typeface="VNI-Aptima" pitchFamily="2" charset="0"/>
+              <a:rPr lang="en-US" sz="6600" b="1" dirty="0">
+                <a:solidFill>
+                  <a:sysClr val="windowText" lastClr="000000"/>
+                </a:solidFill>
+                <a:effectLst>
+                  <a:glow rad="127000">
+                    <a:schemeClr val="bg1"/>
+                  </a:glow>
+                </a:effectLst>
+                <a:latin typeface="VNI-Times" pitchFamily="2" charset="0"/>
               </a:rPr>
             </a:br>
             <a:r>
-              <a:rPr lang="en-US" sz="6600" b="1" smtClean="0">
-                <a:solidFill>
-                  <a:sysClr val="windowText" lastClr="000000"/>
-                </a:solidFill>
-                <a:effectLst>
-                  <a:glow rad="127000">
-                    <a:schemeClr val="bg1"/>
-                  </a:glow>
-                </a:effectLst>
-                <a:latin typeface="VNI-Aptima" pitchFamily="2" charset="0"/>
-              </a:rPr>
-              <a:t>treân ñaát.</a:t>
-            </a:r>
-            <a:endParaRPr lang="en-US" sz="6600" b="1">
+              <a:rPr lang="en-US" sz="6600" b="1" dirty="0" err="1">
+                <a:solidFill>
+                  <a:sysClr val="windowText" lastClr="000000"/>
+                </a:solidFill>
+                <a:effectLst>
+                  <a:glow rad="127000">
+                    <a:schemeClr val="bg1"/>
+                  </a:glow>
+                </a:effectLst>
+                <a:latin typeface="VNI-Times" pitchFamily="2" charset="0"/>
+              </a:rPr>
+              <a:t>treân</a:t>
+            </a:r>
+            <a:r>
+              <a:rPr lang="en-US" sz="6600" b="1" dirty="0">
+                <a:solidFill>
+                  <a:sysClr val="windowText" lastClr="000000"/>
+                </a:solidFill>
+                <a:effectLst>
+                  <a:glow rad="127000">
+                    <a:schemeClr val="bg1"/>
+                  </a:glow>
+                </a:effectLst>
+                <a:latin typeface="VNI-Times" pitchFamily="2" charset="0"/>
+              </a:rPr>
+              <a:t> </a:t>
+            </a:r>
+            <a:r>
+              <a:rPr lang="en-US" sz="6600" b="1" dirty="0" err="1">
+                <a:solidFill>
+                  <a:sysClr val="windowText" lastClr="000000"/>
+                </a:solidFill>
+                <a:effectLst>
+                  <a:glow rad="127000">
+                    <a:schemeClr val="bg1"/>
+                  </a:glow>
+                </a:effectLst>
+                <a:latin typeface="VNI-Times" pitchFamily="2" charset="0"/>
+              </a:rPr>
+              <a:t>ñaát</a:t>
+            </a:r>
+            <a:r>
+              <a:rPr lang="en-US" sz="6600" b="1" dirty="0">
+                <a:solidFill>
+                  <a:sysClr val="windowText" lastClr="000000"/>
+                </a:solidFill>
+                <a:effectLst>
+                  <a:glow rad="127000">
+                    <a:schemeClr val="bg1"/>
+                  </a:glow>
+                </a:effectLst>
+                <a:latin typeface="VNI-Times" pitchFamily="2" charset="0"/>
+              </a:rPr>
+              <a:t>.</a:t>
+            </a:r>
+            <a:endParaRPr lang="en-US" sz="6600" b="1" dirty="0">
               <a:solidFill>
                 <a:prstClr val="black"/>
               </a:solidFill>
@@ -4320,7 +7629,7 @@
                   <a:prstClr val="white"/>
                 </a:glow>
               </a:effectLst>
-              <a:latin typeface="VNI-Aptima" pitchFamily="2" charset="0"/>
+              <a:latin typeface="VNI-Times" pitchFamily="2" charset="0"/>
             </a:endParaRPr>
           </a:p>
         </p:txBody>
@@ -4335,25 +7644,18 @@
   <p:clrMapOvr>
     <a:masterClrMapping/>
   </p:clrMapOvr>
-  <mc:AlternateContent xmlns:mc="http://schemas.openxmlformats.org/markup-compatibility/2006">
-    <mc:Choice xmlns:p14="http://schemas.microsoft.com/office/powerpoint/2010/main" Requires="p14">
+  <mc:AlternateContent xmlns:mc="http://schemas.openxmlformats.org/markup-compatibility/2006" xmlns:p14="http://schemas.microsoft.com/office/powerpoint/2010/main">
+    <mc:Choice Requires="p14">
       <p:transition spd="med" p14:dur="700">
         <p:fade/>
       </p:transition>
     </mc:Choice>
-    <mc:Fallback>
+    <mc:Fallback xmlns="">
       <p:transition spd="med">
         <p:fade/>
       </p:transition>
     </mc:Fallback>
   </mc:AlternateContent>
-  <p:timing>
-    <p:tnLst>
-      <p:par>
-        <p:cTn id="1" dur="indefinite" restart="never" nodeType="tmRoot"/>
-      </p:par>
-    </p:tnLst>
-  </p:timing>
 </p:sld>
 </file>
 
@@ -4412,7 +7714,7 @@
           <a:p>
             <a:pPr algn="ctr"/>
             <a:r>
-              <a:rPr lang="en-US" sz="3200" smtClean="0">
+              <a:rPr lang="en-US" sz="3200" dirty="0">
                 <a:solidFill>
                   <a:srgbClr val="C00000"/>
                 </a:solidFill>
@@ -4421,7 +7723,7 @@
                     <a:prstClr val="white"/>
                   </a:glow>
                 </a:effectLst>
-                <a:latin typeface="VNI-Bandit" pitchFamily="2" charset="0"/>
+                <a:latin typeface="VNI-Times Normal" pitchFamily="2" charset="0"/>
               </a:rPr>
               <a:t>THAÙNH CA 54 – PHÖÔÙC CHO NHAÂN LOAÏI</a:t>
             </a:r>
@@ -4452,101 +7754,437 @@
           <a:p>
             <a:pPr algn="ctr"/>
             <a:r>
-              <a:rPr lang="en-US" sz="6600" b="1" smtClean="0">
-                <a:solidFill>
-                  <a:sysClr val="windowText" lastClr="000000"/>
-                </a:solidFill>
-                <a:effectLst>
-                  <a:glow rad="127000">
-                    <a:schemeClr val="bg1"/>
-                  </a:glow>
-                </a:effectLst>
-                <a:latin typeface="VNI-Aptima" pitchFamily="2" charset="0"/>
-              </a:rPr>
-              <a:t>Chuùa ñeán ñem laïi </a:t>
+              <a:rPr lang="en-US" sz="6600" b="1" dirty="0" err="1">
+                <a:solidFill>
+                  <a:sysClr val="windowText" lastClr="000000"/>
+                </a:solidFill>
+                <a:effectLst>
+                  <a:glow rad="127000">
+                    <a:schemeClr val="bg1"/>
+                  </a:glow>
+                </a:effectLst>
+                <a:latin typeface="VNI-Times" pitchFamily="2" charset="0"/>
+              </a:rPr>
+              <a:t>Chuùa</a:t>
+            </a:r>
+            <a:r>
+              <a:rPr lang="en-US" sz="6600" b="1" dirty="0">
+                <a:solidFill>
+                  <a:sysClr val="windowText" lastClr="000000"/>
+                </a:solidFill>
+                <a:effectLst>
+                  <a:glow rad="127000">
+                    <a:schemeClr val="bg1"/>
+                  </a:glow>
+                </a:effectLst>
+                <a:latin typeface="VNI-Times" pitchFamily="2" charset="0"/>
+              </a:rPr>
+              <a:t> </a:t>
+            </a:r>
+            <a:r>
+              <a:rPr lang="en-US" sz="6600" b="1" dirty="0" err="1">
+                <a:solidFill>
+                  <a:sysClr val="windowText" lastClr="000000"/>
+                </a:solidFill>
+                <a:effectLst>
+                  <a:glow rad="127000">
+                    <a:schemeClr val="bg1"/>
+                  </a:glow>
+                </a:effectLst>
+                <a:latin typeface="VNI-Times" pitchFamily="2" charset="0"/>
+              </a:rPr>
+              <a:t>ñeán</a:t>
+            </a:r>
+            <a:r>
+              <a:rPr lang="en-US" sz="6600" b="1" dirty="0">
+                <a:solidFill>
+                  <a:sysClr val="windowText" lastClr="000000"/>
+                </a:solidFill>
+                <a:effectLst>
+                  <a:glow rad="127000">
+                    <a:schemeClr val="bg1"/>
+                  </a:glow>
+                </a:effectLst>
+                <a:latin typeface="VNI-Times" pitchFamily="2" charset="0"/>
+              </a:rPr>
+              <a:t> </a:t>
+            </a:r>
+            <a:r>
+              <a:rPr lang="en-US" sz="6600" b="1" dirty="0" err="1">
+                <a:solidFill>
+                  <a:sysClr val="windowText" lastClr="000000"/>
+                </a:solidFill>
+                <a:effectLst>
+                  <a:glow rad="127000">
+                    <a:schemeClr val="bg1"/>
+                  </a:glow>
+                </a:effectLst>
+                <a:latin typeface="VNI-Times" pitchFamily="2" charset="0"/>
+              </a:rPr>
+              <a:t>ñem</a:t>
+            </a:r>
+            <a:r>
+              <a:rPr lang="en-US" sz="6600" b="1" dirty="0">
+                <a:solidFill>
+                  <a:sysClr val="windowText" lastClr="000000"/>
+                </a:solidFill>
+                <a:effectLst>
+                  <a:glow rad="127000">
+                    <a:schemeClr val="bg1"/>
+                  </a:glow>
+                </a:effectLst>
+                <a:latin typeface="VNI-Times" pitchFamily="2" charset="0"/>
+              </a:rPr>
+              <a:t> </a:t>
+            </a:r>
+            <a:r>
+              <a:rPr lang="en-US" sz="6600" b="1" dirty="0" err="1">
+                <a:solidFill>
+                  <a:sysClr val="windowText" lastClr="000000"/>
+                </a:solidFill>
+                <a:effectLst>
+                  <a:glow rad="127000">
+                    <a:schemeClr val="bg1"/>
+                  </a:glow>
+                </a:effectLst>
+                <a:latin typeface="VNI-Times" pitchFamily="2" charset="0"/>
+              </a:rPr>
+              <a:t>laïi</a:t>
+            </a:r>
+            <a:r>
+              <a:rPr lang="en-US" sz="6600" b="1" dirty="0">
+                <a:solidFill>
+                  <a:sysClr val="windowText" lastClr="000000"/>
+                </a:solidFill>
+                <a:effectLst>
+                  <a:glow rad="127000">
+                    <a:schemeClr val="bg1"/>
+                  </a:glow>
+                </a:effectLst>
+                <a:latin typeface="VNI-Times" pitchFamily="2" charset="0"/>
+              </a:rPr>
+              <a:t> </a:t>
             </a:r>
             <a:br>
-              <a:rPr lang="en-US" sz="6600" b="1" smtClean="0">
-                <a:solidFill>
-                  <a:sysClr val="windowText" lastClr="000000"/>
-                </a:solidFill>
-                <a:effectLst>
-                  <a:glow rad="127000">
-                    <a:schemeClr val="bg1"/>
-                  </a:glow>
-                </a:effectLst>
-                <a:latin typeface="VNI-Aptima" pitchFamily="2" charset="0"/>
+              <a:rPr lang="en-US" sz="6600" b="1" dirty="0">
+                <a:solidFill>
+                  <a:sysClr val="windowText" lastClr="000000"/>
+                </a:solidFill>
+                <a:effectLst>
+                  <a:glow rad="127000">
+                    <a:schemeClr val="bg1"/>
+                  </a:glow>
+                </a:effectLst>
+                <a:latin typeface="VNI-Times" pitchFamily="2" charset="0"/>
               </a:rPr>
             </a:br>
             <a:r>
-              <a:rPr lang="en-US" sz="6600" b="1" smtClean="0">
-                <a:solidFill>
-                  <a:sysClr val="windowText" lastClr="000000"/>
-                </a:solidFill>
-                <a:effectLst>
-                  <a:glow rad="127000">
-                    <a:schemeClr val="bg1"/>
-                  </a:glow>
-                </a:effectLst>
-                <a:latin typeface="VNI-Aptima" pitchFamily="2" charset="0"/>
-              </a:rPr>
-              <a:t>suoái phöôùc chaân </a:t>
+              <a:rPr lang="en-US" sz="6600" b="1" dirty="0" err="1">
+                <a:solidFill>
+                  <a:sysClr val="windowText" lastClr="000000"/>
+                </a:solidFill>
+                <a:effectLst>
+                  <a:glow rad="127000">
+                    <a:schemeClr val="bg1"/>
+                  </a:glow>
+                </a:effectLst>
+                <a:latin typeface="VNI-Times" pitchFamily="2" charset="0"/>
+              </a:rPr>
+              <a:t>suoái</a:t>
+            </a:r>
+            <a:r>
+              <a:rPr lang="en-US" sz="6600" b="1" dirty="0">
+                <a:solidFill>
+                  <a:sysClr val="windowText" lastClr="000000"/>
+                </a:solidFill>
+                <a:effectLst>
+                  <a:glow rad="127000">
+                    <a:schemeClr val="bg1"/>
+                  </a:glow>
+                </a:effectLst>
+                <a:latin typeface="VNI-Times" pitchFamily="2" charset="0"/>
+              </a:rPr>
+              <a:t> </a:t>
+            </a:r>
+            <a:r>
+              <a:rPr lang="en-US" sz="6600" b="1" dirty="0" err="1">
+                <a:solidFill>
+                  <a:sysClr val="windowText" lastClr="000000"/>
+                </a:solidFill>
+                <a:effectLst>
+                  <a:glow rad="127000">
+                    <a:schemeClr val="bg1"/>
+                  </a:glow>
+                </a:effectLst>
+                <a:latin typeface="VNI-Times" pitchFamily="2" charset="0"/>
+              </a:rPr>
+              <a:t>phöôùc</a:t>
+            </a:r>
+            <a:r>
+              <a:rPr lang="en-US" sz="6600" b="1" dirty="0">
+                <a:solidFill>
+                  <a:sysClr val="windowText" lastClr="000000"/>
+                </a:solidFill>
+                <a:effectLst>
+                  <a:glow rad="127000">
+                    <a:schemeClr val="bg1"/>
+                  </a:glow>
+                </a:effectLst>
+                <a:latin typeface="VNI-Times" pitchFamily="2" charset="0"/>
+              </a:rPr>
+              <a:t> </a:t>
+            </a:r>
+            <a:r>
+              <a:rPr lang="en-US" sz="6600" b="1" dirty="0" err="1">
+                <a:solidFill>
+                  <a:sysClr val="windowText" lastClr="000000"/>
+                </a:solidFill>
+                <a:effectLst>
+                  <a:glow rad="127000">
+                    <a:schemeClr val="bg1"/>
+                  </a:glow>
+                </a:effectLst>
+                <a:latin typeface="VNI-Times" pitchFamily="2" charset="0"/>
+              </a:rPr>
+              <a:t>chaân</a:t>
+            </a:r>
+            <a:r>
+              <a:rPr lang="en-US" sz="6600" b="1" dirty="0">
+                <a:solidFill>
+                  <a:sysClr val="windowText" lastClr="000000"/>
+                </a:solidFill>
+                <a:effectLst>
+                  <a:glow rad="127000">
+                    <a:schemeClr val="bg1"/>
+                  </a:glow>
+                </a:effectLst>
+                <a:latin typeface="VNI-Times" pitchFamily="2" charset="0"/>
+              </a:rPr>
+              <a:t> </a:t>
             </a:r>
             <a:br>
-              <a:rPr lang="en-US" sz="6600" b="1" smtClean="0">
-                <a:solidFill>
-                  <a:sysClr val="windowText" lastClr="000000"/>
-                </a:solidFill>
-                <a:effectLst>
-                  <a:glow rad="127000">
-                    <a:schemeClr val="bg1"/>
-                  </a:glow>
-                </a:effectLst>
-                <a:latin typeface="VNI-Aptima" pitchFamily="2" charset="0"/>
+              <a:rPr lang="en-US" sz="6600" b="1" dirty="0">
+                <a:solidFill>
+                  <a:sysClr val="windowText" lastClr="000000"/>
+                </a:solidFill>
+                <a:effectLst>
+                  <a:glow rad="127000">
+                    <a:schemeClr val="bg1"/>
+                  </a:glow>
+                </a:effectLst>
+                <a:latin typeface="VNI-Times" pitchFamily="2" charset="0"/>
               </a:rPr>
             </a:br>
             <a:r>
-              <a:rPr lang="en-US" sz="6600" b="1" smtClean="0">
-                <a:solidFill>
-                  <a:sysClr val="windowText" lastClr="000000"/>
-                </a:solidFill>
-                <a:effectLst>
-                  <a:glow rad="127000">
-                    <a:schemeClr val="bg1"/>
-                  </a:glow>
-                </a:effectLst>
-                <a:latin typeface="VNI-Aptima" pitchFamily="2" charset="0"/>
-              </a:rPr>
-              <a:t>thaät, traøn ngaäp moïi </a:t>
+              <a:rPr lang="en-US" sz="6600" b="1" dirty="0" err="1">
+                <a:solidFill>
+                  <a:sysClr val="windowText" lastClr="000000"/>
+                </a:solidFill>
+                <a:effectLst>
+                  <a:glow rad="127000">
+                    <a:schemeClr val="bg1"/>
+                  </a:glow>
+                </a:effectLst>
+                <a:latin typeface="VNI-Times" pitchFamily="2" charset="0"/>
+              </a:rPr>
+              <a:t>thaät</a:t>
+            </a:r>
+            <a:r>
+              <a:rPr lang="en-US" sz="6600" b="1" dirty="0">
+                <a:solidFill>
+                  <a:sysClr val="windowText" lastClr="000000"/>
+                </a:solidFill>
+                <a:effectLst>
+                  <a:glow rad="127000">
+                    <a:schemeClr val="bg1"/>
+                  </a:glow>
+                </a:effectLst>
+                <a:latin typeface="VNI-Times" pitchFamily="2" charset="0"/>
+              </a:rPr>
+              <a:t>, </a:t>
+            </a:r>
+            <a:r>
+              <a:rPr lang="en-US" sz="6600" b="1" dirty="0" err="1">
+                <a:solidFill>
+                  <a:sysClr val="windowText" lastClr="000000"/>
+                </a:solidFill>
+                <a:effectLst>
+                  <a:glow rad="127000">
+                    <a:schemeClr val="bg1"/>
+                  </a:glow>
+                </a:effectLst>
+                <a:latin typeface="VNI-Times" pitchFamily="2" charset="0"/>
+              </a:rPr>
+              <a:t>traøn</a:t>
+            </a:r>
+            <a:r>
+              <a:rPr lang="en-US" sz="6600" b="1" dirty="0">
+                <a:solidFill>
+                  <a:sysClr val="windowText" lastClr="000000"/>
+                </a:solidFill>
+                <a:effectLst>
+                  <a:glow rad="127000">
+                    <a:schemeClr val="bg1"/>
+                  </a:glow>
+                </a:effectLst>
+                <a:latin typeface="VNI-Times" pitchFamily="2" charset="0"/>
+              </a:rPr>
+              <a:t> </a:t>
+            </a:r>
+            <a:r>
+              <a:rPr lang="en-US" sz="6600" b="1" dirty="0" err="1">
+                <a:solidFill>
+                  <a:sysClr val="windowText" lastClr="000000"/>
+                </a:solidFill>
+                <a:effectLst>
+                  <a:glow rad="127000">
+                    <a:schemeClr val="bg1"/>
+                  </a:glow>
+                </a:effectLst>
+                <a:latin typeface="VNI-Times" pitchFamily="2" charset="0"/>
+              </a:rPr>
+              <a:t>ngaäp</a:t>
+            </a:r>
+            <a:r>
+              <a:rPr lang="en-US" sz="6600" b="1" dirty="0">
+                <a:solidFill>
+                  <a:sysClr val="windowText" lastClr="000000"/>
+                </a:solidFill>
+                <a:effectLst>
+                  <a:glow rad="127000">
+                    <a:schemeClr val="bg1"/>
+                  </a:glow>
+                </a:effectLst>
+                <a:latin typeface="VNI-Times" pitchFamily="2" charset="0"/>
+              </a:rPr>
+              <a:t> </a:t>
+            </a:r>
+            <a:r>
+              <a:rPr lang="en-US" sz="6600" b="1" dirty="0" err="1">
+                <a:solidFill>
+                  <a:sysClr val="windowText" lastClr="000000"/>
+                </a:solidFill>
+                <a:effectLst>
+                  <a:glow rad="127000">
+                    <a:schemeClr val="bg1"/>
+                  </a:glow>
+                </a:effectLst>
+                <a:latin typeface="VNI-Times" pitchFamily="2" charset="0"/>
+              </a:rPr>
+              <a:t>moïi</a:t>
+            </a:r>
+            <a:r>
+              <a:rPr lang="en-US" sz="6600" b="1" dirty="0">
+                <a:solidFill>
+                  <a:sysClr val="windowText" lastClr="000000"/>
+                </a:solidFill>
+                <a:effectLst>
+                  <a:glow rad="127000">
+                    <a:schemeClr val="bg1"/>
+                  </a:glow>
+                </a:effectLst>
+                <a:latin typeface="VNI-Times" pitchFamily="2" charset="0"/>
+              </a:rPr>
+              <a:t> </a:t>
             </a:r>
             <a:br>
-              <a:rPr lang="en-US" sz="6600" b="1" smtClean="0">
-                <a:solidFill>
-                  <a:sysClr val="windowText" lastClr="000000"/>
-                </a:solidFill>
-                <a:effectLst>
-                  <a:glow rad="127000">
-                    <a:schemeClr val="bg1"/>
-                  </a:glow>
-                </a:effectLst>
-                <a:latin typeface="VNI-Aptima" pitchFamily="2" charset="0"/>
+              <a:rPr lang="en-US" sz="6600" b="1" dirty="0">
+                <a:solidFill>
+                  <a:sysClr val="windowText" lastClr="000000"/>
+                </a:solidFill>
+                <a:effectLst>
+                  <a:glow rad="127000">
+                    <a:schemeClr val="bg1"/>
+                  </a:glow>
+                </a:effectLst>
+                <a:latin typeface="VNI-Times" pitchFamily="2" charset="0"/>
               </a:rPr>
             </a:br>
             <a:r>
-              <a:rPr lang="en-US" sz="6600" b="1" smtClean="0">
-                <a:solidFill>
-                  <a:sysClr val="windowText" lastClr="000000"/>
-                </a:solidFill>
-                <a:effectLst>
-                  <a:glow rad="127000">
-                    <a:schemeClr val="bg1"/>
-                  </a:glow>
-                </a:effectLst>
-                <a:latin typeface="VNI-Aptima" pitchFamily="2" charset="0"/>
-              </a:rPr>
-              <a:t>vuøng hoïa öông.</a:t>
-            </a:r>
-            <a:endParaRPr lang="en-US" sz="6600" b="1">
+              <a:rPr lang="en-US" sz="6600" b="1" dirty="0" err="1">
+                <a:solidFill>
+                  <a:sysClr val="windowText" lastClr="000000"/>
+                </a:solidFill>
+                <a:effectLst>
+                  <a:glow rad="127000">
+                    <a:schemeClr val="bg1"/>
+                  </a:glow>
+                </a:effectLst>
+                <a:latin typeface="VNI-Times" pitchFamily="2" charset="0"/>
+              </a:rPr>
+              <a:t>vuøng</a:t>
+            </a:r>
+            <a:r>
+              <a:rPr lang="en-US" sz="6600" b="1" dirty="0">
+                <a:solidFill>
+                  <a:sysClr val="windowText" lastClr="000000"/>
+                </a:solidFill>
+                <a:effectLst>
+                  <a:glow rad="127000">
+                    <a:schemeClr val="bg1"/>
+                  </a:glow>
+                </a:effectLst>
+                <a:latin typeface="VNI-Times" pitchFamily="2" charset="0"/>
+              </a:rPr>
+              <a:t> </a:t>
+            </a:r>
+            <a:r>
+              <a:rPr lang="en-US" sz="6600" b="1" dirty="0" err="1">
+                <a:solidFill>
+                  <a:sysClr val="windowText" lastClr="000000"/>
+                </a:solidFill>
+                <a:effectLst>
+                  <a:glow rad="127000">
+                    <a:schemeClr val="bg1"/>
+                  </a:glow>
+                </a:effectLst>
+                <a:latin typeface="VNI-Times" pitchFamily="2" charset="0"/>
+              </a:rPr>
+              <a:t>hoïa</a:t>
+            </a:r>
+            <a:r>
+              <a:rPr lang="en-US" sz="6600" b="1" dirty="0">
+                <a:solidFill>
+                  <a:sysClr val="windowText" lastClr="000000"/>
+                </a:solidFill>
+                <a:effectLst>
+                  <a:glow rad="127000">
+                    <a:schemeClr val="bg1"/>
+                  </a:glow>
+                </a:effectLst>
+                <a:latin typeface="VNI-Times" pitchFamily="2" charset="0"/>
+              </a:rPr>
+              <a:t> </a:t>
+            </a:r>
+            <a:r>
+              <a:rPr lang="en-US" sz="6600" b="1" dirty="0" err="1">
+                <a:solidFill>
+                  <a:sysClr val="windowText" lastClr="000000"/>
+                </a:solidFill>
+                <a:effectLst>
+                  <a:glow rad="127000">
+                    <a:schemeClr val="bg1"/>
+                  </a:glow>
+                </a:effectLst>
+                <a:latin typeface="VNI-Times" pitchFamily="2" charset="0"/>
+              </a:rPr>
+              <a:t>öông</a:t>
+            </a:r>
+            <a:r>
+              <a:rPr lang="en-US" sz="6600" b="1" dirty="0">
+                <a:solidFill>
+                  <a:sysClr val="windowText" lastClr="000000"/>
+                </a:solidFill>
+                <a:effectLst>
+                  <a:glow rad="127000">
+                    <a:schemeClr val="bg1"/>
+                  </a:glow>
+                </a:effectLst>
+                <a:latin typeface="VNI-Times" pitchFamily="2" charset="0"/>
+              </a:rPr>
+              <a:t>.</a:t>
+            </a:r>
+            <a:endParaRPr lang="en-US" sz="6600" b="1" dirty="0">
               <a:solidFill>
                 <a:prstClr val="black"/>
               </a:solidFill>
@@ -4557,7 +8195,7 @@
                   </a:prstClr>
                 </a:glow>
               </a:effectLst>
-              <a:latin typeface="VNI-Aptima" pitchFamily="2" charset="0"/>
+              <a:latin typeface="VNI-Times" pitchFamily="2" charset="0"/>
             </a:endParaRPr>
           </a:p>
         </p:txBody>
@@ -4572,21 +8210,6 @@
   <p:clrMapOvr>
     <a:overrideClrMapping bg1="lt1" tx1="dk1" bg2="lt2" tx2="dk2" accent1="accent1" accent2="accent2" accent3="accent3" accent4="accent4" accent5="accent5" accent6="accent6" hlink="hlink" folHlink="folHlink"/>
   </p:clrMapOvr>
-  <mc:AlternateContent xmlns:mc="http://schemas.openxmlformats.org/markup-compatibility/2006" xmlns:p14="http://schemas.microsoft.com/office/powerpoint/2010/main">
-    <mc:Choice Requires="p14">
-      <p:transition p14:dur="0"/>
-    </mc:Choice>
-    <mc:Fallback xmlns="">
-      <p:transition/>
-    </mc:Fallback>
-  </mc:AlternateContent>
-  <p:timing>
-    <p:tnLst>
-      <p:par>
-        <p:cTn id="1" dur="indefinite" restart="never" nodeType="tmRoot"/>
-      </p:par>
-    </p:tnLst>
-  </p:timing>
 </p:sld>
 </file>
 
